--- a/Presentacion_OpenCV.pptx
+++ b/Presentacion_OpenCV.pptx
@@ -5,21 +5,22 @@
     <p:sldMasterId id="2147483648" r:id="rId1"/>
   </p:sldMasterIdLst>
   <p:notesMasterIdLst>
-    <p:notesMasterId r:id="rId14"/>
+    <p:notesMasterId r:id="rId15"/>
   </p:notesMasterIdLst>
   <p:sldIdLst>
     <p:sldId id="256" r:id="rId2"/>
     <p:sldId id="285" r:id="rId3"/>
-    <p:sldId id="257" r:id="rId4"/>
-    <p:sldId id="284" r:id="rId5"/>
-    <p:sldId id="278" r:id="rId6"/>
-    <p:sldId id="277" r:id="rId7"/>
+    <p:sldId id="286" r:id="rId4"/>
+    <p:sldId id="277" r:id="rId5"/>
+    <p:sldId id="284" r:id="rId6"/>
+    <p:sldId id="257" r:id="rId7"/>
     <p:sldId id="282" r:id="rId8"/>
     <p:sldId id="276" r:id="rId9"/>
     <p:sldId id="279" r:id="rId10"/>
     <p:sldId id="283" r:id="rId11"/>
-    <p:sldId id="281" r:id="rId12"/>
-    <p:sldId id="280" r:id="rId13"/>
+    <p:sldId id="278" r:id="rId12"/>
+    <p:sldId id="281" r:id="rId13"/>
+    <p:sldId id="280" r:id="rId14"/>
   </p:sldIdLst>
   <p:sldSz cx="12192000" cy="6858000"/>
   <p:notesSz cx="6858000" cy="9144000"/>
@@ -257,7 +258,7 @@
       <p15:sldGuideLst xmlns:p15="http://schemas.microsoft.com/office/powerpoint/2012/main"/>
     </p:ext>
     <p:ext uri="http://customooxmlschemas.google.com/">
-      <go:slidesCustomData xmlns:go="http://customooxmlschemas.google.com/" xmlns:ahyp="http://schemas.microsoft.com/office/drawing/2018/hyperlinkcolor" xmlns:p15="http://schemas.microsoft.com/office/powerpoint/2012/main" xmlns:p14="http://schemas.microsoft.com/office/powerpoint/2010/main" xmlns:com="http://schemas.openxmlformats.org/drawingml/2006/compatibility" xmlns:pvml="urn:schemas-microsoft-com:office:powerpoint" xmlns:v="urn:schemas-microsoft-com:vml" xmlns:o="urn:schemas-microsoft-com:office:office" xmlns:dgm="http://schemas.openxmlformats.org/drawingml/2006/diagram" xmlns:c="http://schemas.openxmlformats.org/drawingml/2006/chart" xmlns:mv="urn:schemas-microsoft-com:mac:vml" xmlns:mc="http://schemas.openxmlformats.org/markup-compatibility/2006" xmlns="" r:id="rId26" roundtripDataSignature="AMtx7mi02RDWfi8lTjsz24NoUUQUySzOHA=="/>
+      <go:slidesCustomData xmlns="" xmlns:mc="http://schemas.openxmlformats.org/markup-compatibility/2006" xmlns:mv="urn:schemas-microsoft-com:mac:vml" xmlns:c="http://schemas.openxmlformats.org/drawingml/2006/chart" xmlns:dgm="http://schemas.openxmlformats.org/drawingml/2006/diagram" xmlns:o="urn:schemas-microsoft-com:office:office" xmlns:v="urn:schemas-microsoft-com:vml" xmlns:pvml="urn:schemas-microsoft-com:office:powerpoint" xmlns:com="http://schemas.openxmlformats.org/drawingml/2006/compatibility" xmlns:p14="http://schemas.microsoft.com/office/powerpoint/2010/main" xmlns:p15="http://schemas.microsoft.com/office/powerpoint/2012/main" xmlns:ahyp="http://schemas.microsoft.com/office/drawing/2018/hyperlinkcolor" xmlns:go="http://customooxmlschemas.google.com/" r:id="rId26" roundtripDataSignature="AMtx7mi02RDWfi8lTjsz24NoUUQUySzOHA=="/>
     </p:ext>
   </p:extLst>
 </p:presentation>
@@ -1208,6 +1209,133 @@
     </p:spTree>
     <p:extLst>
       <p:ext uri="{BB962C8B-B14F-4D97-AF65-F5344CB8AC3E}">
+        <p14:creationId xmlns:p14="http://schemas.microsoft.com/office/powerpoint/2010/main" val="1970826575"/>
+      </p:ext>
+    </p:extLst>
+  </p:cSld>
+  <p:clrMapOvr>
+    <a:masterClrMapping/>
+  </p:clrMapOvr>
+</p:notes>
+</file>
+
+<file path=ppt/notesSlides/notesSlide12.xml><?xml version="1.0" encoding="utf-8"?>
+<p:notes xmlns:a="http://schemas.openxmlformats.org/drawingml/2006/main" xmlns:r="http://schemas.openxmlformats.org/officeDocument/2006/relationships" xmlns:p="http://schemas.openxmlformats.org/presentationml/2006/main" showMasterSp="0" showMasterPhAnim="0">
+  <p:cSld>
+    <p:spTree>
+      <p:nvGrpSpPr>
+        <p:cNvPr id="1" name="Shape 87"/>
+        <p:cNvGrpSpPr/>
+        <p:nvPr/>
+      </p:nvGrpSpPr>
+      <p:grpSpPr>
+        <a:xfrm>
+          <a:off x="0" y="0"/>
+          <a:ext cx="0" cy="0"/>
+          <a:chOff x="0" y="0"/>
+          <a:chExt cx="0" cy="0"/>
+        </a:xfrm>
+      </p:grpSpPr>
+      <p:sp>
+        <p:nvSpPr>
+          <p:cNvPr id="88" name="Google Shape;88;p2:notes"/>
+          <p:cNvSpPr txBox="1">
+            <a:spLocks noGrp="1"/>
+          </p:cNvSpPr>
+          <p:nvPr>
+            <p:ph type="body" idx="1"/>
+          </p:nvPr>
+        </p:nvSpPr>
+        <p:spPr>
+          <a:xfrm>
+            <a:off x="685800" y="4343400"/>
+            <a:ext cx="5486400" cy="4114800"/>
+          </a:xfrm>
+          <a:prstGeom prst="rect">
+            <a:avLst/>
+          </a:prstGeom>
+          <a:noFill/>
+          <a:ln>
+            <a:noFill/>
+          </a:ln>
+        </p:spPr>
+        <p:txBody>
+          <a:bodyPr spcFirstLastPara="1" wrap="square" lIns="91425" tIns="91425" rIns="91425" bIns="91425" anchor="t" anchorCtr="0">
+            <a:noAutofit/>
+          </a:bodyPr>
+          <a:lstStyle/>
+          <a:p>
+            <a:pPr marL="0" lvl="0" indent="0" algn="l" rtl="0">
+              <a:lnSpc>
+                <a:spcPct val="100000"/>
+              </a:lnSpc>
+              <a:spcBef>
+                <a:spcPts val="0"/>
+              </a:spcBef>
+              <a:spcAft>
+                <a:spcPts val="0"/>
+              </a:spcAft>
+              <a:buSzPts val="1100"/>
+              <a:buNone/>
+            </a:pPr>
+            <a:endParaRPr/>
+          </a:p>
+        </p:txBody>
+      </p:sp>
+      <p:sp>
+        <p:nvSpPr>
+          <p:cNvPr id="89" name="Google Shape;89;p2:notes"/>
+          <p:cNvSpPr>
+            <a:spLocks noGrp="1" noRot="1" noChangeAspect="1"/>
+          </p:cNvSpPr>
+          <p:nvPr>
+            <p:ph type="sldImg" idx="2"/>
+          </p:nvPr>
+        </p:nvSpPr>
+        <p:spPr>
+          <a:xfrm>
+            <a:off x="381000" y="685800"/>
+            <a:ext cx="6096000" cy="3429000"/>
+          </a:xfrm>
+          <a:custGeom>
+            <a:avLst/>
+            <a:gdLst/>
+            <a:ahLst/>
+            <a:cxnLst/>
+            <a:rect l="l" t="t" r="r" b="b"/>
+            <a:pathLst>
+              <a:path w="120000" h="120000" extrusionOk="0">
+                <a:moveTo>
+                  <a:pt x="0" y="0"/>
+                </a:moveTo>
+                <a:lnTo>
+                  <a:pt x="120000" y="0"/>
+                </a:lnTo>
+                <a:lnTo>
+                  <a:pt x="120000" y="120000"/>
+                </a:lnTo>
+                <a:lnTo>
+                  <a:pt x="0" y="120000"/>
+                </a:lnTo>
+                <a:close/>
+              </a:path>
+            </a:pathLst>
+          </a:custGeom>
+          <a:noFill/>
+          <a:ln w="9525" cap="flat" cmpd="sng">
+            <a:solidFill>
+              <a:srgbClr val="000000"/>
+            </a:solidFill>
+            <a:prstDash val="solid"/>
+            <a:round/>
+            <a:headEnd type="none" w="sm" len="sm"/>
+            <a:tailEnd type="none" w="sm" len="sm"/>
+          </a:ln>
+        </p:spPr>
+      </p:sp>
+    </p:spTree>
+    <p:extLst>
+      <p:ext uri="{BB962C8B-B14F-4D97-AF65-F5344CB8AC3E}">
         <p14:creationId xmlns:p14="http://schemas.microsoft.com/office/powerpoint/2010/main" val="601349595"/>
       </p:ext>
     </p:extLst>
@@ -1218,7 +1346,7 @@
 </p:notes>
 </file>
 
-<file path=ppt/notesSlides/notesSlide12.xml><?xml version="1.0" encoding="utf-8"?>
+<file path=ppt/notesSlides/notesSlide13.xml><?xml version="1.0" encoding="utf-8"?>
 <p:notes xmlns:a="http://schemas.openxmlformats.org/drawingml/2006/main" xmlns:r="http://schemas.openxmlformats.org/officeDocument/2006/relationships" xmlns:p="http://schemas.openxmlformats.org/presentationml/2006/main" showMasterSp="0" showMasterPhAnim="0">
   <p:cSld>
     <p:spTree>
@@ -1587,6 +1715,11 @@
         </p:spPr>
       </p:sp>
     </p:spTree>
+    <p:extLst>
+      <p:ext uri="{BB962C8B-B14F-4D97-AF65-F5344CB8AC3E}">
+        <p14:creationId xmlns:p14="http://schemas.microsoft.com/office/powerpoint/2010/main" val="868580138"/>
+      </p:ext>
+    </p:extLst>
   </p:cSld>
   <p:clrMapOvr>
     <a:masterClrMapping/>
@@ -1595,6 +1728,133 @@
 </file>
 
 <file path=ppt/notesSlides/notesSlide4.xml><?xml version="1.0" encoding="utf-8"?>
+<p:notes xmlns:a="http://schemas.openxmlformats.org/drawingml/2006/main" xmlns:r="http://schemas.openxmlformats.org/officeDocument/2006/relationships" xmlns:p="http://schemas.openxmlformats.org/presentationml/2006/main" showMasterSp="0" showMasterPhAnim="0">
+  <p:cSld>
+    <p:spTree>
+      <p:nvGrpSpPr>
+        <p:cNvPr id="1" name="Shape 87"/>
+        <p:cNvGrpSpPr/>
+        <p:nvPr/>
+      </p:nvGrpSpPr>
+      <p:grpSpPr>
+        <a:xfrm>
+          <a:off x="0" y="0"/>
+          <a:ext cx="0" cy="0"/>
+          <a:chOff x="0" y="0"/>
+          <a:chExt cx="0" cy="0"/>
+        </a:xfrm>
+      </p:grpSpPr>
+      <p:sp>
+        <p:nvSpPr>
+          <p:cNvPr id="88" name="Google Shape;88;p2:notes"/>
+          <p:cNvSpPr txBox="1">
+            <a:spLocks noGrp="1"/>
+          </p:cNvSpPr>
+          <p:nvPr>
+            <p:ph type="body" idx="1"/>
+          </p:nvPr>
+        </p:nvSpPr>
+        <p:spPr>
+          <a:xfrm>
+            <a:off x="685800" y="4343400"/>
+            <a:ext cx="5486400" cy="4114800"/>
+          </a:xfrm>
+          <a:prstGeom prst="rect">
+            <a:avLst/>
+          </a:prstGeom>
+          <a:noFill/>
+          <a:ln>
+            <a:noFill/>
+          </a:ln>
+        </p:spPr>
+        <p:txBody>
+          <a:bodyPr spcFirstLastPara="1" wrap="square" lIns="91425" tIns="91425" rIns="91425" bIns="91425" anchor="t" anchorCtr="0">
+            <a:noAutofit/>
+          </a:bodyPr>
+          <a:lstStyle/>
+          <a:p>
+            <a:pPr marL="0" lvl="0" indent="0" algn="l" rtl="0">
+              <a:lnSpc>
+                <a:spcPct val="100000"/>
+              </a:lnSpc>
+              <a:spcBef>
+                <a:spcPts val="0"/>
+              </a:spcBef>
+              <a:spcAft>
+                <a:spcPts val="0"/>
+              </a:spcAft>
+              <a:buSzPts val="1100"/>
+              <a:buNone/>
+            </a:pPr>
+            <a:endParaRPr/>
+          </a:p>
+        </p:txBody>
+      </p:sp>
+      <p:sp>
+        <p:nvSpPr>
+          <p:cNvPr id="89" name="Google Shape;89;p2:notes"/>
+          <p:cNvSpPr>
+            <a:spLocks noGrp="1" noRot="1" noChangeAspect="1"/>
+          </p:cNvSpPr>
+          <p:nvPr>
+            <p:ph type="sldImg" idx="2"/>
+          </p:nvPr>
+        </p:nvSpPr>
+        <p:spPr>
+          <a:xfrm>
+            <a:off x="381000" y="685800"/>
+            <a:ext cx="6096000" cy="3429000"/>
+          </a:xfrm>
+          <a:custGeom>
+            <a:avLst/>
+            <a:gdLst/>
+            <a:ahLst/>
+            <a:cxnLst/>
+            <a:rect l="l" t="t" r="r" b="b"/>
+            <a:pathLst>
+              <a:path w="120000" h="120000" extrusionOk="0">
+                <a:moveTo>
+                  <a:pt x="0" y="0"/>
+                </a:moveTo>
+                <a:lnTo>
+                  <a:pt x="120000" y="0"/>
+                </a:lnTo>
+                <a:lnTo>
+                  <a:pt x="120000" y="120000"/>
+                </a:lnTo>
+                <a:lnTo>
+                  <a:pt x="0" y="120000"/>
+                </a:lnTo>
+                <a:close/>
+              </a:path>
+            </a:pathLst>
+          </a:custGeom>
+          <a:noFill/>
+          <a:ln w="9525" cap="flat" cmpd="sng">
+            <a:solidFill>
+              <a:srgbClr val="000000"/>
+            </a:solidFill>
+            <a:prstDash val="solid"/>
+            <a:round/>
+            <a:headEnd type="none" w="sm" len="sm"/>
+            <a:tailEnd type="none" w="sm" len="sm"/>
+          </a:ln>
+        </p:spPr>
+      </p:sp>
+    </p:spTree>
+    <p:extLst>
+      <p:ext uri="{BB962C8B-B14F-4D97-AF65-F5344CB8AC3E}">
+        <p14:creationId xmlns:p14="http://schemas.microsoft.com/office/powerpoint/2010/main" val="1971895069"/>
+      </p:ext>
+    </p:extLst>
+  </p:cSld>
+  <p:clrMapOvr>
+    <a:masterClrMapping/>
+  </p:clrMapOvr>
+</p:notes>
+</file>
+
+<file path=ppt/notesSlides/notesSlide5.xml><?xml version="1.0" encoding="utf-8"?>
 <p:notes xmlns:a="http://schemas.openxmlformats.org/drawingml/2006/main" xmlns:r="http://schemas.openxmlformats.org/officeDocument/2006/relationships" xmlns:p="http://schemas.openxmlformats.org/presentationml/2006/main" showMasterSp="0" showMasterPhAnim="0">
   <p:cSld>
     <p:spTree>
@@ -1721,7 +1981,7 @@
 </p:notes>
 </file>
 
-<file path=ppt/notesSlides/notesSlide5.xml><?xml version="1.0" encoding="utf-8"?>
+<file path=ppt/notesSlides/notesSlide6.xml><?xml version="1.0" encoding="utf-8"?>
 <p:notes xmlns:a="http://schemas.openxmlformats.org/drawingml/2006/main" xmlns:r="http://schemas.openxmlformats.org/officeDocument/2006/relationships" xmlns:p="http://schemas.openxmlformats.org/presentationml/2006/main" showMasterSp="0" showMasterPhAnim="0">
   <p:cSld>
     <p:spTree>
@@ -1836,138 +2096,6 @@
         </p:spPr>
       </p:sp>
     </p:spTree>
-    <p:extLst>
-      <p:ext uri="{BB962C8B-B14F-4D97-AF65-F5344CB8AC3E}">
-        <p14:creationId xmlns:p14="http://schemas.microsoft.com/office/powerpoint/2010/main" val="1970826575"/>
-      </p:ext>
-    </p:extLst>
-  </p:cSld>
-  <p:clrMapOvr>
-    <a:masterClrMapping/>
-  </p:clrMapOvr>
-</p:notes>
-</file>
-
-<file path=ppt/notesSlides/notesSlide6.xml><?xml version="1.0" encoding="utf-8"?>
-<p:notes xmlns:a="http://schemas.openxmlformats.org/drawingml/2006/main" xmlns:r="http://schemas.openxmlformats.org/officeDocument/2006/relationships" xmlns:p="http://schemas.openxmlformats.org/presentationml/2006/main" showMasterSp="0" showMasterPhAnim="0">
-  <p:cSld>
-    <p:spTree>
-      <p:nvGrpSpPr>
-        <p:cNvPr id="1" name="Shape 87"/>
-        <p:cNvGrpSpPr/>
-        <p:nvPr/>
-      </p:nvGrpSpPr>
-      <p:grpSpPr>
-        <a:xfrm>
-          <a:off x="0" y="0"/>
-          <a:ext cx="0" cy="0"/>
-          <a:chOff x="0" y="0"/>
-          <a:chExt cx="0" cy="0"/>
-        </a:xfrm>
-      </p:grpSpPr>
-      <p:sp>
-        <p:nvSpPr>
-          <p:cNvPr id="88" name="Google Shape;88;p2:notes"/>
-          <p:cNvSpPr txBox="1">
-            <a:spLocks noGrp="1"/>
-          </p:cNvSpPr>
-          <p:nvPr>
-            <p:ph type="body" idx="1"/>
-          </p:nvPr>
-        </p:nvSpPr>
-        <p:spPr>
-          <a:xfrm>
-            <a:off x="685800" y="4343400"/>
-            <a:ext cx="5486400" cy="4114800"/>
-          </a:xfrm>
-          <a:prstGeom prst="rect">
-            <a:avLst/>
-          </a:prstGeom>
-          <a:noFill/>
-          <a:ln>
-            <a:noFill/>
-          </a:ln>
-        </p:spPr>
-        <p:txBody>
-          <a:bodyPr spcFirstLastPara="1" wrap="square" lIns="91425" tIns="91425" rIns="91425" bIns="91425" anchor="t" anchorCtr="0">
-            <a:noAutofit/>
-          </a:bodyPr>
-          <a:lstStyle/>
-          <a:p>
-            <a:pPr marL="0" lvl="0" indent="0" algn="l" rtl="0">
-              <a:lnSpc>
-                <a:spcPct val="100000"/>
-              </a:lnSpc>
-              <a:spcBef>
-                <a:spcPts val="0"/>
-              </a:spcBef>
-              <a:spcAft>
-                <a:spcPts val="0"/>
-              </a:spcAft>
-              <a:buSzPts val="1100"/>
-              <a:buNone/>
-            </a:pPr>
-            <a:endParaRPr/>
-          </a:p>
-        </p:txBody>
-      </p:sp>
-      <p:sp>
-        <p:nvSpPr>
-          <p:cNvPr id="89" name="Google Shape;89;p2:notes"/>
-          <p:cNvSpPr>
-            <a:spLocks noGrp="1" noRot="1" noChangeAspect="1"/>
-          </p:cNvSpPr>
-          <p:nvPr>
-            <p:ph type="sldImg" idx="2"/>
-          </p:nvPr>
-        </p:nvSpPr>
-        <p:spPr>
-          <a:xfrm>
-            <a:off x="381000" y="685800"/>
-            <a:ext cx="6096000" cy="3429000"/>
-          </a:xfrm>
-          <a:custGeom>
-            <a:avLst/>
-            <a:gdLst/>
-            <a:ahLst/>
-            <a:cxnLst/>
-            <a:rect l="l" t="t" r="r" b="b"/>
-            <a:pathLst>
-              <a:path w="120000" h="120000" extrusionOk="0">
-                <a:moveTo>
-                  <a:pt x="0" y="0"/>
-                </a:moveTo>
-                <a:lnTo>
-                  <a:pt x="120000" y="0"/>
-                </a:lnTo>
-                <a:lnTo>
-                  <a:pt x="120000" y="120000"/>
-                </a:lnTo>
-                <a:lnTo>
-                  <a:pt x="0" y="120000"/>
-                </a:lnTo>
-                <a:close/>
-              </a:path>
-            </a:pathLst>
-          </a:custGeom>
-          <a:noFill/>
-          <a:ln w="9525" cap="flat" cmpd="sng">
-            <a:solidFill>
-              <a:srgbClr val="000000"/>
-            </a:solidFill>
-            <a:prstDash val="solid"/>
-            <a:round/>
-            <a:headEnd type="none" w="sm" len="sm"/>
-            <a:tailEnd type="none" w="sm" len="sm"/>
-          </a:ln>
-        </p:spPr>
-      </p:sp>
-    </p:spTree>
-    <p:extLst>
-      <p:ext uri="{BB962C8B-B14F-4D97-AF65-F5344CB8AC3E}">
-        <p14:creationId xmlns:p14="http://schemas.microsoft.com/office/powerpoint/2010/main" val="1971895069"/>
-      </p:ext>
-    </p:extLst>
   </p:cSld>
   <p:clrMapOvr>
     <a:masterClrMapping/>
@@ -16167,7 +16295,7 @@
         </p:nvSpPr>
         <p:spPr>
           <a:xfrm>
-            <a:off x="716902" y="271042"/>
+            <a:off x="716902" y="290092"/>
             <a:ext cx="10515600" cy="1325563"/>
           </a:xfrm>
           <a:prstGeom prst="rect">
@@ -16320,6 +16448,461 @@
           </a:extLst>
         </p:spPr>
       </p:pic>
+      <p:sp>
+        <p:nvSpPr>
+          <p:cNvPr id="63" name="Google Shape;128;p34">
+            <a:extLst>
+              <a:ext uri="{FF2B5EF4-FFF2-40B4-BE49-F238E27FC236}">
+                <a16:creationId xmlns:a16="http://schemas.microsoft.com/office/drawing/2014/main" id="{5609CFF8-8B58-4AEB-AF04-D3EB36FC139C}"/>
+              </a:ext>
+            </a:extLst>
+          </p:cNvPr>
+          <p:cNvSpPr/>
+          <p:nvPr/>
+        </p:nvSpPr>
+        <p:spPr>
+          <a:xfrm>
+            <a:off x="2004332" y="2519110"/>
+            <a:ext cx="8401049" cy="3539390"/>
+          </a:xfrm>
+          <a:prstGeom prst="rect">
+            <a:avLst/>
+          </a:prstGeom>
+          <a:noFill/>
+          <a:ln>
+            <a:noFill/>
+          </a:ln>
+        </p:spPr>
+        <p:txBody>
+          <a:bodyPr spcFirstLastPara="1" wrap="square" lIns="91425" tIns="45700" rIns="91425" bIns="45700" anchor="t" anchorCtr="0">
+            <a:spAutoFit/>
+          </a:bodyPr>
+          <a:lstStyle/>
+          <a:p>
+            <a:pPr marR="0" lvl="0" algn="ctr" rtl="0">
+              <a:lnSpc>
+                <a:spcPct val="100000"/>
+              </a:lnSpc>
+              <a:spcBef>
+                <a:spcPts val="0"/>
+              </a:spcBef>
+              <a:spcAft>
+                <a:spcPts val="0"/>
+              </a:spcAft>
+              <a:buClr>
+                <a:schemeClr val="bg1"/>
+              </a:buClr>
+              <a:buSzPts val="2400"/>
+            </a:pPr>
+            <a:r>
+              <a:rPr lang="es-ES" sz="3200" b="1" i="1" dirty="0">
+                <a:solidFill>
+                  <a:schemeClr val="bg1">
+                    <a:lumMod val="95000"/>
+                  </a:schemeClr>
+                </a:solidFill>
+                <a:latin typeface="Calibri"/>
+                <a:cs typeface="Calibri"/>
+                <a:sym typeface="Calibri"/>
+              </a:rPr>
+              <a:t>Limitaciones</a:t>
+            </a:r>
+            <a:r>
+              <a:rPr lang="es-ES" sz="3200" i="1" dirty="0">
+                <a:solidFill>
+                  <a:schemeClr val="bg1">
+                    <a:lumMod val="95000"/>
+                  </a:schemeClr>
+                </a:solidFill>
+                <a:latin typeface="Calibri"/>
+                <a:cs typeface="Calibri"/>
+                <a:sym typeface="Calibri"/>
+              </a:rPr>
+              <a:t>:</a:t>
+            </a:r>
+          </a:p>
+          <a:p>
+            <a:pPr marL="342900" marR="0" lvl="0" indent="-342900" algn="ctr" rtl="0">
+              <a:lnSpc>
+                <a:spcPct val="100000"/>
+              </a:lnSpc>
+              <a:spcBef>
+                <a:spcPts val="0"/>
+              </a:spcBef>
+              <a:spcAft>
+                <a:spcPts val="0"/>
+              </a:spcAft>
+              <a:buClr>
+                <a:schemeClr val="bg1"/>
+              </a:buClr>
+              <a:buSzPts val="2400"/>
+              <a:buFont typeface="Arial" panose="020B0604020202020204" pitchFamily="34" charset="0"/>
+              <a:buChar char="•"/>
+            </a:pPr>
+            <a:r>
+              <a:rPr lang="es-ES" sz="3200" i="1" dirty="0">
+                <a:solidFill>
+                  <a:schemeClr val="bg1">
+                    <a:lumMod val="95000"/>
+                  </a:schemeClr>
+                </a:solidFill>
+                <a:latin typeface="Calibri"/>
+                <a:cs typeface="Calibri"/>
+                <a:sym typeface="Calibri"/>
+              </a:rPr>
+              <a:t>Dependencia de la calidad de la muestra</a:t>
+            </a:r>
+          </a:p>
+          <a:p>
+            <a:pPr marL="342900" marR="0" lvl="0" indent="-342900" algn="ctr" rtl="0">
+              <a:lnSpc>
+                <a:spcPct val="100000"/>
+              </a:lnSpc>
+              <a:spcBef>
+                <a:spcPts val="0"/>
+              </a:spcBef>
+              <a:spcAft>
+                <a:spcPts val="0"/>
+              </a:spcAft>
+              <a:buClr>
+                <a:schemeClr val="bg1"/>
+              </a:buClr>
+              <a:buSzPts val="2400"/>
+              <a:buFont typeface="Arial" panose="020B0604020202020204" pitchFamily="34" charset="0"/>
+              <a:buChar char="•"/>
+            </a:pPr>
+            <a:r>
+              <a:rPr lang="es-ES" sz="3200" i="1" dirty="0">
+                <a:solidFill>
+                  <a:schemeClr val="bg1">
+                    <a:lumMod val="95000"/>
+                  </a:schemeClr>
+                </a:solidFill>
+                <a:latin typeface="Calibri"/>
+                <a:cs typeface="Calibri"/>
+                <a:sym typeface="Calibri"/>
+              </a:rPr>
+              <a:t>Sensible a condiciones de iluminación</a:t>
+            </a:r>
+          </a:p>
+          <a:p>
+            <a:pPr marL="342900" marR="0" lvl="0" indent="-342900" algn="ctr" rtl="0">
+              <a:lnSpc>
+                <a:spcPct val="100000"/>
+              </a:lnSpc>
+              <a:spcBef>
+                <a:spcPts val="0"/>
+              </a:spcBef>
+              <a:spcAft>
+                <a:spcPts val="0"/>
+              </a:spcAft>
+              <a:buClr>
+                <a:schemeClr val="bg1"/>
+              </a:buClr>
+              <a:buSzPts val="2400"/>
+              <a:buFont typeface="Arial" panose="020B0604020202020204" pitchFamily="34" charset="0"/>
+              <a:buChar char="•"/>
+            </a:pPr>
+            <a:r>
+              <a:rPr lang="es-ES" sz="3200" i="1" dirty="0">
+                <a:solidFill>
+                  <a:schemeClr val="bg1">
+                    <a:lumMod val="95000"/>
+                  </a:schemeClr>
+                </a:solidFill>
+                <a:latin typeface="Calibri"/>
+                <a:cs typeface="Calibri"/>
+                <a:sym typeface="Calibri"/>
+              </a:rPr>
+              <a:t>Recursos de computación</a:t>
+            </a:r>
+          </a:p>
+          <a:p>
+            <a:pPr marL="342900" marR="0" lvl="0" indent="-342900" algn="ctr" rtl="0">
+              <a:lnSpc>
+                <a:spcPct val="100000"/>
+              </a:lnSpc>
+              <a:spcBef>
+                <a:spcPts val="0"/>
+              </a:spcBef>
+              <a:spcAft>
+                <a:spcPts val="0"/>
+              </a:spcAft>
+              <a:buClr>
+                <a:schemeClr val="bg1"/>
+              </a:buClr>
+              <a:buSzPts val="2400"/>
+              <a:buFont typeface="Arial" panose="020B0604020202020204" pitchFamily="34" charset="0"/>
+              <a:buChar char="•"/>
+            </a:pPr>
+            <a:r>
+              <a:rPr lang="es-ES" sz="3200" i="1" dirty="0">
+                <a:solidFill>
+                  <a:schemeClr val="bg1">
+                    <a:lumMod val="95000"/>
+                  </a:schemeClr>
+                </a:solidFill>
+                <a:latin typeface="Calibri"/>
+                <a:cs typeface="Calibri"/>
+                <a:sym typeface="Calibri"/>
+              </a:rPr>
+              <a:t>Reconocimiento facial limitado</a:t>
+            </a:r>
+          </a:p>
+          <a:p>
+            <a:pPr marR="0" lvl="0" algn="ctr" rtl="0">
+              <a:lnSpc>
+                <a:spcPct val="100000"/>
+              </a:lnSpc>
+              <a:spcBef>
+                <a:spcPts val="0"/>
+              </a:spcBef>
+              <a:spcAft>
+                <a:spcPts val="0"/>
+              </a:spcAft>
+              <a:buClr>
+                <a:schemeClr val="bg1"/>
+              </a:buClr>
+              <a:buSzPts val="2400"/>
+            </a:pPr>
+            <a:r>
+              <a:rPr lang="es-ES" sz="3200" i="1" dirty="0">
+                <a:solidFill>
+                  <a:schemeClr val="bg1">
+                    <a:lumMod val="95000"/>
+                  </a:schemeClr>
+                </a:solidFill>
+                <a:latin typeface="Calibri"/>
+                <a:cs typeface="Calibri"/>
+                <a:sym typeface="Calibri"/>
+              </a:rPr>
+              <a:t>…</a:t>
+            </a:r>
+          </a:p>
+          <a:p>
+            <a:pPr marR="0" lvl="0" algn="ctr" rtl="0">
+              <a:lnSpc>
+                <a:spcPct val="100000"/>
+              </a:lnSpc>
+              <a:spcBef>
+                <a:spcPts val="0"/>
+              </a:spcBef>
+              <a:spcAft>
+                <a:spcPts val="0"/>
+              </a:spcAft>
+              <a:buClr>
+                <a:schemeClr val="bg1"/>
+              </a:buClr>
+              <a:buSzPts val="2400"/>
+            </a:pPr>
+            <a:endParaRPr lang="es-ES" sz="3200" i="1" dirty="0">
+              <a:solidFill>
+                <a:schemeClr val="bg1">
+                  <a:lumMod val="95000"/>
+                </a:schemeClr>
+              </a:solidFill>
+              <a:latin typeface="Calibri"/>
+              <a:cs typeface="Calibri"/>
+              <a:sym typeface="Calibri"/>
+            </a:endParaRPr>
+          </a:p>
+        </p:txBody>
+      </p:sp>
+    </p:spTree>
+    <p:extLst>
+      <p:ext uri="{BB962C8B-B14F-4D97-AF65-F5344CB8AC3E}">
+        <p14:creationId xmlns:p14="http://schemas.microsoft.com/office/powerpoint/2010/main" val="731692765"/>
+      </p:ext>
+    </p:extLst>
+  </p:cSld>
+  <p:clrMapOvr>
+    <a:masterClrMapping/>
+  </p:clrMapOvr>
+</p:sld>
+</file>
+
+<file path=ppt/slides/slide12.xml><?xml version="1.0" encoding="utf-8"?>
+<p:sld xmlns:a="http://schemas.openxmlformats.org/drawingml/2006/main" xmlns:r="http://schemas.openxmlformats.org/officeDocument/2006/relationships" xmlns:p="http://schemas.openxmlformats.org/presentationml/2006/main">
+  <p:cSld>
+    <p:spTree>
+      <p:nvGrpSpPr>
+        <p:cNvPr id="1" name="Shape 90"/>
+        <p:cNvGrpSpPr/>
+        <p:nvPr/>
+      </p:nvGrpSpPr>
+      <p:grpSpPr>
+        <a:xfrm>
+          <a:off x="0" y="0"/>
+          <a:ext cx="0" cy="0"/>
+          <a:chOff x="0" y="0"/>
+          <a:chExt cx="0" cy="0"/>
+        </a:xfrm>
+      </p:grpSpPr>
+      <p:sp>
+        <p:nvSpPr>
+          <p:cNvPr id="91" name="Google Shape;91;p2"/>
+          <p:cNvSpPr txBox="1">
+            <a:spLocks noGrp="1"/>
+          </p:cNvSpPr>
+          <p:nvPr>
+            <p:ph type="title"/>
+          </p:nvPr>
+        </p:nvSpPr>
+        <p:spPr>
+          <a:xfrm>
+            <a:off x="716902" y="271042"/>
+            <a:ext cx="10515600" cy="1325563"/>
+          </a:xfrm>
+          <a:prstGeom prst="rect">
+            <a:avLst/>
+          </a:prstGeom>
+          <a:noFill/>
+          <a:ln>
+            <a:noFill/>
+          </a:ln>
+        </p:spPr>
+        <p:txBody>
+          <a:bodyPr spcFirstLastPara="1" wrap="square" lIns="91425" tIns="45700" rIns="91425" bIns="45700" anchor="ctr" anchorCtr="0">
+            <a:normAutofit/>
+          </a:bodyPr>
+          <a:lstStyle/>
+          <a:p>
+            <a:pPr marL="0" lvl="0" indent="0" algn="l" rtl="0">
+              <a:lnSpc>
+                <a:spcPct val="90000"/>
+              </a:lnSpc>
+              <a:spcBef>
+                <a:spcPts val="0"/>
+              </a:spcBef>
+              <a:spcAft>
+                <a:spcPts val="0"/>
+              </a:spcAft>
+              <a:buClr>
+                <a:schemeClr val="lt1"/>
+              </a:buClr>
+              <a:buSzPts val="4400"/>
+              <a:buFont typeface="Calibri"/>
+              <a:buNone/>
+            </a:pPr>
+            <a:r>
+              <a:rPr lang="es-ES" dirty="0" err="1"/>
+              <a:t>OpenCV</a:t>
+            </a:r>
+            <a:endParaRPr dirty="0"/>
+          </a:p>
+        </p:txBody>
+      </p:sp>
+      <p:sp>
+        <p:nvSpPr>
+          <p:cNvPr id="93" name="Google Shape;93;p2"/>
+          <p:cNvSpPr/>
+          <p:nvPr/>
+        </p:nvSpPr>
+        <p:spPr>
+          <a:xfrm>
+            <a:off x="497691" y="763312"/>
+            <a:ext cx="90138" cy="654341"/>
+          </a:xfrm>
+          <a:prstGeom prst="rect">
+            <a:avLst/>
+          </a:prstGeom>
+          <a:solidFill>
+            <a:srgbClr val="C00000"/>
+          </a:solidFill>
+          <a:ln>
+            <a:noFill/>
+          </a:ln>
+        </p:spPr>
+        <p:txBody>
+          <a:bodyPr spcFirstLastPara="1" wrap="square" lIns="91425" tIns="45700" rIns="91425" bIns="45700" anchor="ctr" anchorCtr="0">
+            <a:noAutofit/>
+          </a:bodyPr>
+          <a:lstStyle/>
+          <a:p>
+            <a:pPr marL="0" marR="0" lvl="0" indent="0" algn="ctr" rtl="0">
+              <a:lnSpc>
+                <a:spcPct val="100000"/>
+              </a:lnSpc>
+              <a:spcBef>
+                <a:spcPts val="0"/>
+              </a:spcBef>
+              <a:spcAft>
+                <a:spcPts val="0"/>
+              </a:spcAft>
+              <a:buClr>
+                <a:srgbClr val="000000"/>
+              </a:buClr>
+              <a:buSzPts val="1800"/>
+              <a:buFont typeface="Arial"/>
+              <a:buNone/>
+            </a:pPr>
+            <a:endParaRPr sz="1800" b="0" i="0" u="none" strike="noStrike" cap="none">
+              <a:solidFill>
+                <a:schemeClr val="lt1"/>
+              </a:solidFill>
+              <a:latin typeface="Calibri"/>
+              <a:ea typeface="Calibri"/>
+              <a:cs typeface="Calibri"/>
+              <a:sym typeface="Calibri"/>
+            </a:endParaRPr>
+          </a:p>
+        </p:txBody>
+      </p:sp>
+      <p:pic>
+        <p:nvPicPr>
+          <p:cNvPr id="6" name="Picture 4" descr="Adding OpenCV 4.1.2 to Visual Studio 2019 Project in Windows using  Pre-built binaries | by Ye Joo Park | Medium">
+            <a:extLst>
+              <a:ext uri="{FF2B5EF4-FFF2-40B4-BE49-F238E27FC236}">
+                <a16:creationId xmlns:a16="http://schemas.microsoft.com/office/drawing/2014/main" id="{21C87F93-37F3-4740-B471-E34D243F6EAB}"/>
+              </a:ext>
+            </a:extLst>
+          </p:cNvPr>
+          <p:cNvPicPr>
+            <a:picLocks noChangeAspect="1" noChangeArrowheads="1"/>
+          </p:cNvPicPr>
+          <p:nvPr/>
+        </p:nvPicPr>
+        <p:blipFill rotWithShape="1">
+          <a:blip r:embed="rId3">
+            <a:clrChange>
+              <a:clrFrom>
+                <a:srgbClr val="000000"/>
+              </a:clrFrom>
+              <a:clrTo>
+                <a:srgbClr val="000000">
+                  <a:alpha val="0"/>
+                </a:srgbClr>
+              </a:clrTo>
+            </a:clrChange>
+            <a:extLst>
+              <a:ext uri="{28A0092B-C50C-407E-A947-70E740481C1C}">
+                <a14:useLocalDpi xmlns:a14="http://schemas.microsoft.com/office/drawing/2010/main" val="0"/>
+              </a:ext>
+            </a:extLst>
+          </a:blip>
+          <a:srcRect l="70200" t="25715" r="12100" b="22143"/>
+          <a:stretch/>
+        </p:blipFill>
+        <p:spPr bwMode="auto">
+          <a:xfrm>
+            <a:off x="10680456" y="309142"/>
+            <a:ext cx="1104091" cy="1366079"/>
+          </a:xfrm>
+          <a:prstGeom prst="rect">
+            <a:avLst/>
+          </a:prstGeom>
+          <a:noFill/>
+          <a:extLst>
+            <a:ext uri="{909E8E84-426E-40DD-AFC4-6F175D3DCCD1}">
+              <a14:hiddenFill xmlns:a14="http://schemas.microsoft.com/office/drawing/2010/main">
+                <a:solidFill>
+                  <a:srgbClr val="FFFFFF"/>
+                </a:solidFill>
+              </a14:hiddenFill>
+            </a:ext>
+          </a:extLst>
+        </p:spPr>
+      </p:pic>
       <p:pic>
         <p:nvPicPr>
           <p:cNvPr id="5" name="Imagen 4">
@@ -16342,8 +16925,8 @@
         </p:blipFill>
         <p:spPr>
           <a:xfrm>
-            <a:off x="6184252" y="3169948"/>
-            <a:ext cx="4932521" cy="3116655"/>
+            <a:off x="6423378" y="3000784"/>
+            <a:ext cx="5257368" cy="3321912"/>
           </a:xfrm>
           <a:prstGeom prst="rect">
             <a:avLst/>
@@ -16380,7 +16963,7 @@
         <p:spPr bwMode="auto">
           <a:xfrm>
             <a:off x="869303" y="2968588"/>
-            <a:ext cx="4121798" cy="3318015"/>
+            <a:ext cx="4199408" cy="3380490"/>
           </a:xfrm>
           <a:prstGeom prst="rect">
             <a:avLst/>
@@ -16498,7 +17081,7 @@
 </p:sld>
 </file>
 
-<file path=ppt/slides/slide12.xml><?xml version="1.0" encoding="utf-8"?>
+<file path=ppt/slides/slide13.xml><?xml version="1.0" encoding="utf-8"?>
 <p:sld xmlns:a="http://schemas.openxmlformats.org/drawingml/2006/main" xmlns:r="http://schemas.openxmlformats.org/officeDocument/2006/relationships" xmlns:p="http://schemas.openxmlformats.org/presentationml/2006/main">
   <p:cSld>
     <p:spTree>
@@ -17554,7 +18137,7 @@
         <p:spPr>
           <a:xfrm>
             <a:off x="2004332" y="2468310"/>
-            <a:ext cx="8401049" cy="3046948"/>
+            <a:ext cx="8401049" cy="1415732"/>
           </a:xfrm>
           <a:prstGeom prst="rect">
             <a:avLst/>
@@ -17586,7 +18169,7 @@
               <a:buSzPts val="2400"/>
             </a:pPr>
             <a:r>
-              <a:rPr lang="es-ES" sz="3200" b="1" i="1" dirty="0">
+              <a:rPr lang="es-ES" sz="5400" b="1" i="1" dirty="0">
                 <a:solidFill>
                   <a:schemeClr val="bg1">
                     <a:lumMod val="95000"/>
@@ -17596,161 +18179,7 @@
                 <a:cs typeface="Calibri"/>
                 <a:sym typeface="Calibri"/>
               </a:rPr>
-              <a:t>Machine </a:t>
-            </a:r>
-            <a:r>
-              <a:rPr lang="es-ES" sz="3200" b="1" i="1" dirty="0" err="1">
-                <a:solidFill>
-                  <a:schemeClr val="bg1">
-                    <a:lumMod val="95000"/>
-                  </a:schemeClr>
-                </a:solidFill>
-                <a:latin typeface="Calibri"/>
-                <a:cs typeface="Calibri"/>
-                <a:sym typeface="Calibri"/>
-              </a:rPr>
-              <a:t>Learning</a:t>
-            </a:r>
-            <a:r>
-              <a:rPr lang="es-ES" sz="3200" b="1" i="1" dirty="0">
-                <a:solidFill>
-                  <a:schemeClr val="bg1">
-                    <a:lumMod val="95000"/>
-                  </a:schemeClr>
-                </a:solidFill>
-                <a:latin typeface="Calibri"/>
-                <a:cs typeface="Calibri"/>
-                <a:sym typeface="Calibri"/>
-              </a:rPr>
-              <a:t> e Imágenes:</a:t>
-            </a:r>
-          </a:p>
-          <a:p>
-            <a:pPr marL="342900" marR="0" lvl="0" indent="-342900" algn="ctr" rtl="0">
-              <a:lnSpc>
-                <a:spcPct val="100000"/>
-              </a:lnSpc>
-              <a:spcBef>
-                <a:spcPts val="0"/>
-              </a:spcBef>
-              <a:spcAft>
-                <a:spcPts val="0"/>
-              </a:spcAft>
-              <a:buClr>
-                <a:schemeClr val="bg1"/>
-              </a:buClr>
-              <a:buSzPts val="2400"/>
-              <a:buFont typeface="Arial" panose="020B0604020202020204" pitchFamily="34" charset="0"/>
-              <a:buChar char="•"/>
-            </a:pPr>
-            <a:r>
-              <a:rPr lang="es-ES" sz="3200" i="1" dirty="0">
-                <a:solidFill>
-                  <a:schemeClr val="bg1">
-                    <a:lumMod val="95000"/>
-                  </a:schemeClr>
-                </a:solidFill>
-                <a:latin typeface="Calibri"/>
-                <a:cs typeface="Calibri"/>
-                <a:sym typeface="Calibri"/>
-              </a:rPr>
-              <a:t>Clasificación</a:t>
-            </a:r>
-          </a:p>
-          <a:p>
-            <a:pPr marL="342900" marR="0" lvl="0" indent="-342900" algn="ctr" rtl="0">
-              <a:lnSpc>
-                <a:spcPct val="100000"/>
-              </a:lnSpc>
-              <a:spcBef>
-                <a:spcPts val="0"/>
-              </a:spcBef>
-              <a:spcAft>
-                <a:spcPts val="0"/>
-              </a:spcAft>
-              <a:buClr>
-                <a:schemeClr val="bg1"/>
-              </a:buClr>
-              <a:buSzPts val="2400"/>
-              <a:buFont typeface="Arial" panose="020B0604020202020204" pitchFamily="34" charset="0"/>
-              <a:buChar char="•"/>
-            </a:pPr>
-            <a:r>
-              <a:rPr lang="es-ES" sz="3200" i="1" dirty="0">
-                <a:solidFill>
-                  <a:schemeClr val="bg1">
-                    <a:lumMod val="95000"/>
-                  </a:schemeClr>
-                </a:solidFill>
-                <a:latin typeface="Calibri"/>
-                <a:cs typeface="Calibri"/>
-                <a:sym typeface="Calibri"/>
-              </a:rPr>
-              <a:t>Detección de objetos</a:t>
-            </a:r>
-          </a:p>
-          <a:p>
-            <a:pPr marL="342900" marR="0" lvl="0" indent="-342900" algn="ctr" rtl="0">
-              <a:lnSpc>
-                <a:spcPct val="100000"/>
-              </a:lnSpc>
-              <a:spcBef>
-                <a:spcPts val="0"/>
-              </a:spcBef>
-              <a:spcAft>
-                <a:spcPts val="0"/>
-              </a:spcAft>
-              <a:buClr>
-                <a:schemeClr val="bg1"/>
-              </a:buClr>
-              <a:buSzPts val="2400"/>
-              <a:buFont typeface="Arial" panose="020B0604020202020204" pitchFamily="34" charset="0"/>
-              <a:buChar char="•"/>
-            </a:pPr>
-            <a:r>
-              <a:rPr lang="es-ES" sz="3200" i="1" dirty="0">
-                <a:solidFill>
-                  <a:schemeClr val="bg1">
-                    <a:lumMod val="95000"/>
-                  </a:schemeClr>
-                </a:solidFill>
-                <a:latin typeface="Calibri"/>
-                <a:cs typeface="Calibri"/>
-                <a:sym typeface="Calibri"/>
-              </a:rPr>
-              <a:t>Generación de imágenes</a:t>
-            </a:r>
-          </a:p>
-          <a:p>
-            <a:pPr marL="342900" marR="0" lvl="0" indent="-342900" algn="ctr" rtl="0">
-              <a:lnSpc>
-                <a:spcPct val="100000"/>
-              </a:lnSpc>
-              <a:spcBef>
-                <a:spcPts val="0"/>
-              </a:spcBef>
-              <a:spcAft>
-                <a:spcPts val="0"/>
-              </a:spcAft>
-              <a:buClr>
-                <a:schemeClr val="bg1"/>
-              </a:buClr>
-              <a:buSzPts val="2400"/>
-              <a:buFont typeface="Arial" panose="020B0604020202020204" pitchFamily="34" charset="0"/>
-              <a:buChar char="•"/>
-            </a:pPr>
-            <a:r>
-              <a:rPr lang="es-ES" sz="3200" i="1" dirty="0">
-                <a:solidFill>
-                  <a:schemeClr val="bg1">
-                    <a:lumMod val="95000"/>
-                  </a:schemeClr>
-                </a:solidFill>
-                <a:latin typeface="Calibri"/>
-                <a:cs typeface="Calibri"/>
-                <a:sym typeface="Calibri"/>
-              </a:rPr>
-              <a:t>Conducción autónoma</a:t>
+              <a:t>¿Qué es OPENCV?</a:t>
             </a:r>
           </a:p>
           <a:p>
@@ -17769,23 +18198,25 @@
               </a:buClr>
               <a:buSzPts val="2400"/>
             </a:pPr>
-            <a:r>
-              <a:rPr lang="es-ES" sz="3200" i="1" dirty="0">
-                <a:solidFill>
-                  <a:schemeClr val="bg1">
-                    <a:lumMod val="95000"/>
-                  </a:schemeClr>
-                </a:solidFill>
-                <a:latin typeface="Calibri"/>
-                <a:cs typeface="Calibri"/>
-                <a:sym typeface="Calibri"/>
-              </a:rPr>
-              <a:t>… </a:t>
-            </a:r>
+            <a:endParaRPr lang="es-ES" sz="3200" b="1" i="1" dirty="0">
+              <a:solidFill>
+                <a:schemeClr val="bg1">
+                  <a:lumMod val="95000"/>
+                </a:schemeClr>
+              </a:solidFill>
+              <a:latin typeface="Calibri"/>
+              <a:cs typeface="Calibri"/>
+              <a:sym typeface="Calibri"/>
+            </a:endParaRPr>
           </a:p>
         </p:txBody>
       </p:sp>
     </p:spTree>
+    <p:extLst>
+      <p:ext uri="{BB962C8B-B14F-4D97-AF65-F5344CB8AC3E}">
+        <p14:creationId xmlns:p14="http://schemas.microsoft.com/office/powerpoint/2010/main" val="2049040054"/>
+      </p:ext>
+    </p:extLst>
   </p:cSld>
   <p:clrMapOvr>
     <a:masterClrMapping/>
@@ -17794,6 +18225,469 @@
 </file>
 
 <file path=ppt/slides/slide4.xml><?xml version="1.0" encoding="utf-8"?>
+<p:sld xmlns:a="http://schemas.openxmlformats.org/drawingml/2006/main" xmlns:r="http://schemas.openxmlformats.org/officeDocument/2006/relationships" xmlns:p="http://schemas.openxmlformats.org/presentationml/2006/main">
+  <p:cSld>
+    <p:spTree>
+      <p:nvGrpSpPr>
+        <p:cNvPr id="1" name="Shape 90"/>
+        <p:cNvGrpSpPr/>
+        <p:nvPr/>
+      </p:nvGrpSpPr>
+      <p:grpSpPr>
+        <a:xfrm>
+          <a:off x="0" y="0"/>
+          <a:ext cx="0" cy="0"/>
+          <a:chOff x="0" y="0"/>
+          <a:chExt cx="0" cy="0"/>
+        </a:xfrm>
+      </p:grpSpPr>
+      <p:sp>
+        <p:nvSpPr>
+          <p:cNvPr id="91" name="Google Shape;91;p2"/>
+          <p:cNvSpPr txBox="1">
+            <a:spLocks noGrp="1"/>
+          </p:cNvSpPr>
+          <p:nvPr>
+            <p:ph type="title"/>
+          </p:nvPr>
+        </p:nvSpPr>
+        <p:spPr>
+          <a:xfrm>
+            <a:off x="716902" y="290092"/>
+            <a:ext cx="10515600" cy="1325563"/>
+          </a:xfrm>
+          <a:prstGeom prst="rect">
+            <a:avLst/>
+          </a:prstGeom>
+          <a:noFill/>
+          <a:ln>
+            <a:noFill/>
+          </a:ln>
+        </p:spPr>
+        <p:txBody>
+          <a:bodyPr spcFirstLastPara="1" wrap="square" lIns="91425" tIns="45700" rIns="91425" bIns="45700" anchor="ctr" anchorCtr="0">
+            <a:normAutofit/>
+          </a:bodyPr>
+          <a:lstStyle/>
+          <a:p>
+            <a:pPr marL="0" lvl="0" indent="0" algn="l" rtl="0">
+              <a:lnSpc>
+                <a:spcPct val="90000"/>
+              </a:lnSpc>
+              <a:spcBef>
+                <a:spcPts val="0"/>
+              </a:spcBef>
+              <a:spcAft>
+                <a:spcPts val="0"/>
+              </a:spcAft>
+              <a:buClr>
+                <a:schemeClr val="lt1"/>
+              </a:buClr>
+              <a:buSzPts val="4400"/>
+              <a:buFont typeface="Calibri"/>
+              <a:buNone/>
+            </a:pPr>
+            <a:r>
+              <a:rPr lang="es-ES" dirty="0" err="1"/>
+              <a:t>OpenCV</a:t>
+            </a:r>
+            <a:endParaRPr dirty="0"/>
+          </a:p>
+        </p:txBody>
+      </p:sp>
+      <p:sp>
+        <p:nvSpPr>
+          <p:cNvPr id="93" name="Google Shape;93;p2"/>
+          <p:cNvSpPr/>
+          <p:nvPr/>
+        </p:nvSpPr>
+        <p:spPr>
+          <a:xfrm>
+            <a:off x="497691" y="763312"/>
+            <a:ext cx="90138" cy="654341"/>
+          </a:xfrm>
+          <a:prstGeom prst="rect">
+            <a:avLst/>
+          </a:prstGeom>
+          <a:solidFill>
+            <a:srgbClr val="C00000"/>
+          </a:solidFill>
+          <a:ln>
+            <a:noFill/>
+          </a:ln>
+        </p:spPr>
+        <p:txBody>
+          <a:bodyPr spcFirstLastPara="1" wrap="square" lIns="91425" tIns="45700" rIns="91425" bIns="45700" anchor="ctr" anchorCtr="0">
+            <a:noAutofit/>
+          </a:bodyPr>
+          <a:lstStyle/>
+          <a:p>
+            <a:pPr marL="0" marR="0" lvl="0" indent="0" algn="ctr" rtl="0">
+              <a:lnSpc>
+                <a:spcPct val="100000"/>
+              </a:lnSpc>
+              <a:spcBef>
+                <a:spcPts val="0"/>
+              </a:spcBef>
+              <a:spcAft>
+                <a:spcPts val="0"/>
+              </a:spcAft>
+              <a:buClr>
+                <a:srgbClr val="000000"/>
+              </a:buClr>
+              <a:buSzPts val="1800"/>
+              <a:buFont typeface="Arial"/>
+              <a:buNone/>
+            </a:pPr>
+            <a:endParaRPr sz="1800" b="0" i="0" u="none" strike="noStrike" cap="none">
+              <a:solidFill>
+                <a:schemeClr val="lt1"/>
+              </a:solidFill>
+              <a:latin typeface="Calibri"/>
+              <a:ea typeface="Calibri"/>
+              <a:cs typeface="Calibri"/>
+              <a:sym typeface="Calibri"/>
+            </a:endParaRPr>
+          </a:p>
+        </p:txBody>
+      </p:sp>
+      <p:pic>
+        <p:nvPicPr>
+          <p:cNvPr id="6" name="Picture 4" descr="Adding OpenCV 4.1.2 to Visual Studio 2019 Project in Windows using  Pre-built binaries | by Ye Joo Park | Medium">
+            <a:extLst>
+              <a:ext uri="{FF2B5EF4-FFF2-40B4-BE49-F238E27FC236}">
+                <a16:creationId xmlns:a16="http://schemas.microsoft.com/office/drawing/2014/main" id="{21C87F93-37F3-4740-B471-E34D243F6EAB}"/>
+              </a:ext>
+            </a:extLst>
+          </p:cNvPr>
+          <p:cNvPicPr>
+            <a:picLocks noChangeAspect="1" noChangeArrowheads="1"/>
+          </p:cNvPicPr>
+          <p:nvPr/>
+        </p:nvPicPr>
+        <p:blipFill rotWithShape="1">
+          <a:blip r:embed="rId3">
+            <a:clrChange>
+              <a:clrFrom>
+                <a:srgbClr val="000000"/>
+              </a:clrFrom>
+              <a:clrTo>
+                <a:srgbClr val="000000">
+                  <a:alpha val="0"/>
+                </a:srgbClr>
+              </a:clrTo>
+            </a:clrChange>
+            <a:extLst>
+              <a:ext uri="{28A0092B-C50C-407E-A947-70E740481C1C}">
+                <a14:useLocalDpi xmlns:a14="http://schemas.microsoft.com/office/drawing/2010/main" val="0"/>
+              </a:ext>
+            </a:extLst>
+          </a:blip>
+          <a:srcRect l="70200" t="25715" r="12100" b="22143"/>
+          <a:stretch/>
+        </p:blipFill>
+        <p:spPr bwMode="auto">
+          <a:xfrm>
+            <a:off x="10680456" y="309142"/>
+            <a:ext cx="1104091" cy="1366079"/>
+          </a:xfrm>
+          <a:prstGeom prst="rect">
+            <a:avLst/>
+          </a:prstGeom>
+          <a:noFill/>
+          <a:extLst>
+            <a:ext uri="{909E8E84-426E-40DD-AFC4-6F175D3DCCD1}">
+              <a14:hiddenFill xmlns:a14="http://schemas.microsoft.com/office/drawing/2010/main">
+                <a:solidFill>
+                  <a:srgbClr val="FFFFFF"/>
+                </a:solidFill>
+              </a14:hiddenFill>
+            </a:ext>
+          </a:extLst>
+        </p:spPr>
+      </p:pic>
+      <p:sp>
+        <p:nvSpPr>
+          <p:cNvPr id="63" name="Google Shape;128;p34">
+            <a:extLst>
+              <a:ext uri="{FF2B5EF4-FFF2-40B4-BE49-F238E27FC236}">
+                <a16:creationId xmlns:a16="http://schemas.microsoft.com/office/drawing/2014/main" id="{5609CFF8-8B58-4AEB-AF04-D3EB36FC139C}"/>
+              </a:ext>
+            </a:extLst>
+          </p:cNvPr>
+          <p:cNvSpPr/>
+          <p:nvPr/>
+        </p:nvSpPr>
+        <p:spPr>
+          <a:xfrm>
+            <a:off x="716902" y="1945561"/>
+            <a:ext cx="10743578" cy="2062063"/>
+          </a:xfrm>
+          <a:prstGeom prst="rect">
+            <a:avLst/>
+          </a:prstGeom>
+          <a:noFill/>
+          <a:ln>
+            <a:noFill/>
+          </a:ln>
+        </p:spPr>
+        <p:txBody>
+          <a:bodyPr spcFirstLastPara="1" wrap="square" lIns="91425" tIns="45700" rIns="91425" bIns="45700" anchor="t" anchorCtr="0">
+            <a:spAutoFit/>
+          </a:bodyPr>
+          <a:lstStyle/>
+          <a:p>
+            <a:pPr marR="0" lvl="0" algn="ctr" rtl="0">
+              <a:lnSpc>
+                <a:spcPct val="100000"/>
+              </a:lnSpc>
+              <a:spcBef>
+                <a:spcPts val="0"/>
+              </a:spcBef>
+              <a:spcAft>
+                <a:spcPts val="0"/>
+              </a:spcAft>
+              <a:buClr>
+                <a:schemeClr val="bg1"/>
+              </a:buClr>
+              <a:buSzPts val="2400"/>
+            </a:pPr>
+            <a:r>
+              <a:rPr lang="es-ES" sz="3200" b="1" i="1" dirty="0">
+                <a:solidFill>
+                  <a:schemeClr val="bg1">
+                    <a:lumMod val="95000"/>
+                  </a:schemeClr>
+                </a:solidFill>
+                <a:latin typeface="Calibri"/>
+                <a:cs typeface="Calibri"/>
+                <a:sym typeface="Calibri"/>
+              </a:rPr>
+              <a:t>Es una librería que permite el procesado de imágenes, vídeos… que permite realizar </a:t>
+            </a:r>
+            <a:r>
+              <a:rPr lang="es-ES" sz="3200" b="1" i="1" dirty="0" err="1">
+                <a:solidFill>
+                  <a:schemeClr val="bg1">
+                    <a:lumMod val="95000"/>
+                  </a:schemeClr>
+                </a:solidFill>
+                <a:latin typeface="Calibri"/>
+                <a:cs typeface="Calibri"/>
+                <a:sym typeface="Calibri"/>
+              </a:rPr>
+              <a:t>PCA’s</a:t>
+            </a:r>
+            <a:r>
+              <a:rPr lang="es-ES" sz="3200" b="1" i="1" dirty="0">
+                <a:solidFill>
+                  <a:schemeClr val="bg1">
+                    <a:lumMod val="95000"/>
+                  </a:schemeClr>
+                </a:solidFill>
+                <a:latin typeface="Calibri"/>
+                <a:cs typeface="Calibri"/>
+                <a:sym typeface="Calibri"/>
+              </a:rPr>
+              <a:t> de nuestra muestra para optimizar el entrenamiento de nuestro modelo. Está disponible para C, C++ y Python.</a:t>
+            </a:r>
+          </a:p>
+        </p:txBody>
+      </p:sp>
+      <p:pic>
+        <p:nvPicPr>
+          <p:cNvPr id="7" name="Picture 4">
+            <a:extLst>
+              <a:ext uri="{FF2B5EF4-FFF2-40B4-BE49-F238E27FC236}">
+                <a16:creationId xmlns:a16="http://schemas.microsoft.com/office/drawing/2014/main" id="{D6BA61BA-097C-4DCE-8592-0AA5A571CE42}"/>
+              </a:ext>
+            </a:extLst>
+          </p:cNvPr>
+          <p:cNvPicPr>
+            <a:picLocks noChangeAspect="1" noChangeArrowheads="1"/>
+          </p:cNvPicPr>
+          <p:nvPr/>
+        </p:nvPicPr>
+        <p:blipFill>
+          <a:blip r:embed="rId4">
+            <a:extLst>
+              <a:ext uri="{28A0092B-C50C-407E-A947-70E740481C1C}">
+                <a14:useLocalDpi xmlns:a14="http://schemas.microsoft.com/office/drawing/2010/main" val="0"/>
+              </a:ext>
+            </a:extLst>
+          </a:blip>
+          <a:srcRect/>
+          <a:stretch>
+            <a:fillRect/>
+          </a:stretch>
+        </p:blipFill>
+        <p:spPr bwMode="auto">
+          <a:xfrm>
+            <a:off x="709986" y="4384896"/>
+            <a:ext cx="2774326" cy="2080744"/>
+          </a:xfrm>
+          <a:prstGeom prst="rect">
+            <a:avLst/>
+          </a:prstGeom>
+          <a:noFill/>
+          <a:ln>
+            <a:noFill/>
+          </a:ln>
+          <a:extLst>
+            <a:ext uri="{909E8E84-426E-40DD-AFC4-6F175D3DCCD1}">
+              <a14:hiddenFill xmlns:a14="http://schemas.microsoft.com/office/drawing/2010/main">
+                <a:solidFill>
+                  <a:srgbClr val="FFFFFF"/>
+                </a:solidFill>
+              </a14:hiddenFill>
+            </a:ext>
+            <a:ext uri="{91240B29-F687-4F45-9708-019B960494DF}">
+              <a14:hiddenLine xmlns:a14="http://schemas.microsoft.com/office/drawing/2010/main" w="12700" cap="flat">
+                <a:solidFill>
+                  <a:srgbClr val="000000"/>
+                </a:solidFill>
+                <a:miter lim="800000"/>
+                <a:headEnd/>
+                <a:tailEnd/>
+              </a14:hiddenLine>
+            </a:ext>
+          </a:extLst>
+        </p:spPr>
+      </p:pic>
+      <p:pic>
+        <p:nvPicPr>
+          <p:cNvPr id="8" name="Picture 5">
+            <a:extLst>
+              <a:ext uri="{FF2B5EF4-FFF2-40B4-BE49-F238E27FC236}">
+                <a16:creationId xmlns:a16="http://schemas.microsoft.com/office/drawing/2014/main" id="{19F6E6E8-A021-4FA2-8BAD-CB8E82BE6851}"/>
+              </a:ext>
+            </a:extLst>
+          </p:cNvPr>
+          <p:cNvPicPr>
+            <a:picLocks noChangeAspect="1" noChangeArrowheads="1"/>
+          </p:cNvPicPr>
+          <p:nvPr/>
+        </p:nvPicPr>
+        <p:blipFill>
+          <a:blip r:embed="rId5">
+            <a:extLst>
+              <a:ext uri="{28A0092B-C50C-407E-A947-70E740481C1C}">
+                <a14:useLocalDpi xmlns:a14="http://schemas.microsoft.com/office/drawing/2010/main" val="0"/>
+              </a:ext>
+            </a:extLst>
+          </a:blip>
+          <a:srcRect/>
+          <a:stretch>
+            <a:fillRect/>
+          </a:stretch>
+        </p:blipFill>
+        <p:spPr bwMode="auto">
+          <a:xfrm>
+            <a:off x="4707626" y="4384896"/>
+            <a:ext cx="2774326" cy="2080744"/>
+          </a:xfrm>
+          <a:prstGeom prst="rect">
+            <a:avLst/>
+          </a:prstGeom>
+          <a:noFill/>
+          <a:ln>
+            <a:noFill/>
+          </a:ln>
+          <a:extLst>
+            <a:ext uri="{909E8E84-426E-40DD-AFC4-6F175D3DCCD1}">
+              <a14:hiddenFill xmlns:a14="http://schemas.microsoft.com/office/drawing/2010/main">
+                <a:solidFill>
+                  <a:srgbClr val="FFFFFF"/>
+                </a:solidFill>
+              </a14:hiddenFill>
+            </a:ext>
+            <a:ext uri="{91240B29-F687-4F45-9708-019B960494DF}">
+              <a14:hiddenLine xmlns:a14="http://schemas.microsoft.com/office/drawing/2010/main" w="12700" cap="flat">
+                <a:solidFill>
+                  <a:srgbClr val="000000"/>
+                </a:solidFill>
+                <a:miter lim="800000"/>
+                <a:headEnd/>
+                <a:tailEnd/>
+              </a14:hiddenLine>
+            </a:ext>
+          </a:extLst>
+        </p:spPr>
+      </p:pic>
+      <p:pic>
+        <p:nvPicPr>
+          <p:cNvPr id="9" name="Picture 6">
+            <a:extLst>
+              <a:ext uri="{FF2B5EF4-FFF2-40B4-BE49-F238E27FC236}">
+                <a16:creationId xmlns:a16="http://schemas.microsoft.com/office/drawing/2014/main" id="{9580A349-A075-4678-91D9-32BFB55FEC54}"/>
+              </a:ext>
+            </a:extLst>
+          </p:cNvPr>
+          <p:cNvPicPr>
+            <a:picLocks noChangeAspect="1" noChangeArrowheads="1"/>
+          </p:cNvPicPr>
+          <p:nvPr/>
+        </p:nvPicPr>
+        <p:blipFill>
+          <a:blip r:embed="rId6">
+            <a:extLst>
+              <a:ext uri="{28A0092B-C50C-407E-A947-70E740481C1C}">
+                <a14:useLocalDpi xmlns:a14="http://schemas.microsoft.com/office/drawing/2010/main" val="0"/>
+              </a:ext>
+            </a:extLst>
+          </a:blip>
+          <a:srcRect/>
+          <a:stretch>
+            <a:fillRect/>
+          </a:stretch>
+        </p:blipFill>
+        <p:spPr bwMode="auto">
+          <a:xfrm>
+            <a:off x="8715098" y="4384896"/>
+            <a:ext cx="2774326" cy="2080744"/>
+          </a:xfrm>
+          <a:prstGeom prst="rect">
+            <a:avLst/>
+          </a:prstGeom>
+          <a:noFill/>
+          <a:ln>
+            <a:noFill/>
+          </a:ln>
+          <a:extLst>
+            <a:ext uri="{909E8E84-426E-40DD-AFC4-6F175D3DCCD1}">
+              <a14:hiddenFill xmlns:a14="http://schemas.microsoft.com/office/drawing/2010/main">
+                <a:solidFill>
+                  <a:srgbClr val="FFFFFF"/>
+                </a:solidFill>
+              </a14:hiddenFill>
+            </a:ext>
+            <a:ext uri="{91240B29-F687-4F45-9708-019B960494DF}">
+              <a14:hiddenLine xmlns:a14="http://schemas.microsoft.com/office/drawing/2010/main" w="12700" cap="flat">
+                <a:solidFill>
+                  <a:srgbClr val="000000"/>
+                </a:solidFill>
+                <a:miter lim="800000"/>
+                <a:headEnd/>
+                <a:tailEnd/>
+              </a14:hiddenLine>
+            </a:ext>
+          </a:extLst>
+        </p:spPr>
+      </p:pic>
+    </p:spTree>
+    <p:extLst>
+      <p:ext uri="{BB962C8B-B14F-4D97-AF65-F5344CB8AC3E}">
+        <p14:creationId xmlns:p14="http://schemas.microsoft.com/office/powerpoint/2010/main" val="1153717640"/>
+      </p:ext>
+    </p:extLst>
+  </p:cSld>
+  <p:clrMapOvr>
+    <a:masterClrMapping/>
+  </p:clrMapOvr>
+</p:sld>
+</file>
+
+<file path=ppt/slides/slide5.xml><?xml version="1.0" encoding="utf-8"?>
 <p:sld xmlns:a="http://schemas.openxmlformats.org/drawingml/2006/main" xmlns:r="http://schemas.openxmlformats.org/officeDocument/2006/relationships" xmlns:p="http://schemas.openxmlformats.org/presentationml/2006/main">
   <p:cSld>
     <p:spTree>
@@ -17911,7 +18805,7 @@
 </p:sld>
 </file>
 
-<file path=ppt/slides/slide5.xml><?xml version="1.0" encoding="utf-8"?>
+<file path=ppt/slides/slide6.xml><?xml version="1.0" encoding="utf-8"?>
 <p:sld xmlns:a="http://schemas.openxmlformats.org/drawingml/2006/main" xmlns:r="http://schemas.openxmlformats.org/officeDocument/2006/relationships" xmlns:p="http://schemas.openxmlformats.org/presentationml/2006/main">
   <p:cSld>
     <p:spTree>
@@ -18107,8 +19001,8 @@
         </p:nvSpPr>
         <p:spPr>
           <a:xfrm>
-            <a:off x="2004332" y="2519110"/>
-            <a:ext cx="8401049" cy="2554505"/>
+            <a:off x="2004332" y="2468310"/>
+            <a:ext cx="8401049" cy="3046948"/>
           </a:xfrm>
           <a:prstGeom prst="rect">
             <a:avLst/>
@@ -18150,20 +19044,7 @@
                 <a:cs typeface="Calibri"/>
                 <a:sym typeface="Calibri"/>
               </a:rPr>
-              <a:t>Limitaciones</a:t>
-            </a:r>
-            <a:r>
-              <a:rPr lang="es-ES" sz="3200" i="1" dirty="0">
-                <a:solidFill>
-                  <a:schemeClr val="bg1">
-                    <a:lumMod val="95000"/>
-                  </a:schemeClr>
-                </a:solidFill>
-                <a:latin typeface="Calibri"/>
-                <a:cs typeface="Calibri"/>
-                <a:sym typeface="Calibri"/>
-              </a:rPr>
-              <a:t>:</a:t>
+              <a:t>Aplicaciones:</a:t>
             </a:r>
           </a:p>
           <a:p>
@@ -18195,7 +19076,7 @@
                 <a:cs typeface="Calibri"/>
                 <a:sym typeface="Calibri"/>
               </a:rPr>
-              <a:t>Calidad de la muestra</a:t>
+              <a:t>Detección de objetos</a:t>
             </a:r>
           </a:p>
           <a:p>
@@ -18227,7 +19108,7 @@
                 <a:cs typeface="Calibri"/>
                 <a:sym typeface="Calibri"/>
               </a:rPr>
-              <a:t>Tamaño de la muestra</a:t>
+              <a:t>Seguimiento de movimiento</a:t>
             </a:r>
           </a:p>
           <a:p>
@@ -18259,7 +19140,39 @@
                 <a:cs typeface="Calibri"/>
                 <a:sym typeface="Calibri"/>
               </a:rPr>
-              <a:t>Recursos de computación</a:t>
+              <a:t>Reconocimiento de texto</a:t>
+            </a:r>
+          </a:p>
+          <a:p>
+            <a:pPr marL="342900" marR="0" lvl="0" indent="-342900" algn="ctr" rtl="0">
+              <a:lnSpc>
+                <a:spcPct val="100000"/>
+              </a:lnSpc>
+              <a:spcBef>
+                <a:spcPts val="0"/>
+              </a:spcBef>
+              <a:spcAft>
+                <a:spcPts val="0"/>
+              </a:spcAft>
+              <a:buClr>
+                <a:schemeClr val="bg1"/>
+              </a:buClr>
+              <a:buSzPts val="2400"/>
+              <a:buFont typeface="Arial" panose="020B0604020202020204" pitchFamily="34" charset="0"/>
+              <a:buChar char="•"/>
+            </a:pPr>
+            <a:r>
+              <a:rPr lang="es-ES" sz="3200" i="1" dirty="0">
+                <a:solidFill>
+                  <a:schemeClr val="bg1">
+                    <a:lumMod val="95000"/>
+                  </a:schemeClr>
+                </a:solidFill>
+                <a:latin typeface="Calibri"/>
+                <a:cs typeface="Calibri"/>
+                <a:sym typeface="Calibri"/>
+              </a:rPr>
+              <a:t>Reconocimiento facial</a:t>
             </a:r>
           </a:p>
           <a:p>
@@ -18295,474 +19208,6 @@
         </p:txBody>
       </p:sp>
     </p:spTree>
-    <p:extLst>
-      <p:ext uri="{BB962C8B-B14F-4D97-AF65-F5344CB8AC3E}">
-        <p14:creationId xmlns:p14="http://schemas.microsoft.com/office/powerpoint/2010/main" val="731692765"/>
-      </p:ext>
-    </p:extLst>
-  </p:cSld>
-  <p:clrMapOvr>
-    <a:masterClrMapping/>
-  </p:clrMapOvr>
-</p:sld>
-</file>
-
-<file path=ppt/slides/slide6.xml><?xml version="1.0" encoding="utf-8"?>
-<p:sld xmlns:a="http://schemas.openxmlformats.org/drawingml/2006/main" xmlns:r="http://schemas.openxmlformats.org/officeDocument/2006/relationships" xmlns:p="http://schemas.openxmlformats.org/presentationml/2006/main">
-  <p:cSld>
-    <p:spTree>
-      <p:nvGrpSpPr>
-        <p:cNvPr id="1" name="Shape 90"/>
-        <p:cNvGrpSpPr/>
-        <p:nvPr/>
-      </p:nvGrpSpPr>
-      <p:grpSpPr>
-        <a:xfrm>
-          <a:off x="0" y="0"/>
-          <a:ext cx="0" cy="0"/>
-          <a:chOff x="0" y="0"/>
-          <a:chExt cx="0" cy="0"/>
-        </a:xfrm>
-      </p:grpSpPr>
-      <p:sp>
-        <p:nvSpPr>
-          <p:cNvPr id="91" name="Google Shape;91;p2"/>
-          <p:cNvSpPr txBox="1">
-            <a:spLocks noGrp="1"/>
-          </p:cNvSpPr>
-          <p:nvPr>
-            <p:ph type="title"/>
-          </p:nvPr>
-        </p:nvSpPr>
-        <p:spPr>
-          <a:xfrm>
-            <a:off x="716902" y="290092"/>
-            <a:ext cx="10515600" cy="1325563"/>
-          </a:xfrm>
-          <a:prstGeom prst="rect">
-            <a:avLst/>
-          </a:prstGeom>
-          <a:noFill/>
-          <a:ln>
-            <a:noFill/>
-          </a:ln>
-        </p:spPr>
-        <p:txBody>
-          <a:bodyPr spcFirstLastPara="1" wrap="square" lIns="91425" tIns="45700" rIns="91425" bIns="45700" anchor="ctr" anchorCtr="0">
-            <a:normAutofit/>
-          </a:bodyPr>
-          <a:lstStyle/>
-          <a:p>
-            <a:pPr marL="0" lvl="0" indent="0" algn="l" rtl="0">
-              <a:lnSpc>
-                <a:spcPct val="90000"/>
-              </a:lnSpc>
-              <a:spcBef>
-                <a:spcPts val="0"/>
-              </a:spcBef>
-              <a:spcAft>
-                <a:spcPts val="0"/>
-              </a:spcAft>
-              <a:buClr>
-                <a:schemeClr val="lt1"/>
-              </a:buClr>
-              <a:buSzPts val="4400"/>
-              <a:buFont typeface="Calibri"/>
-              <a:buNone/>
-            </a:pPr>
-            <a:r>
-              <a:rPr lang="es-ES" dirty="0" err="1"/>
-              <a:t>OpenCV</a:t>
-            </a:r>
-            <a:endParaRPr dirty="0"/>
-          </a:p>
-        </p:txBody>
-      </p:sp>
-      <p:sp>
-        <p:nvSpPr>
-          <p:cNvPr id="93" name="Google Shape;93;p2"/>
-          <p:cNvSpPr/>
-          <p:nvPr/>
-        </p:nvSpPr>
-        <p:spPr>
-          <a:xfrm>
-            <a:off x="497691" y="763312"/>
-            <a:ext cx="90138" cy="654341"/>
-          </a:xfrm>
-          <a:prstGeom prst="rect">
-            <a:avLst/>
-          </a:prstGeom>
-          <a:solidFill>
-            <a:srgbClr val="C00000"/>
-          </a:solidFill>
-          <a:ln>
-            <a:noFill/>
-          </a:ln>
-        </p:spPr>
-        <p:txBody>
-          <a:bodyPr spcFirstLastPara="1" wrap="square" lIns="91425" tIns="45700" rIns="91425" bIns="45700" anchor="ctr" anchorCtr="0">
-            <a:noAutofit/>
-          </a:bodyPr>
-          <a:lstStyle/>
-          <a:p>
-            <a:pPr marL="0" marR="0" lvl="0" indent="0" algn="ctr" rtl="0">
-              <a:lnSpc>
-                <a:spcPct val="100000"/>
-              </a:lnSpc>
-              <a:spcBef>
-                <a:spcPts val="0"/>
-              </a:spcBef>
-              <a:spcAft>
-                <a:spcPts val="0"/>
-              </a:spcAft>
-              <a:buClr>
-                <a:srgbClr val="000000"/>
-              </a:buClr>
-              <a:buSzPts val="1800"/>
-              <a:buFont typeface="Arial"/>
-              <a:buNone/>
-            </a:pPr>
-            <a:endParaRPr sz="1800" b="0" i="0" u="none" strike="noStrike" cap="none">
-              <a:solidFill>
-                <a:schemeClr val="lt1"/>
-              </a:solidFill>
-              <a:latin typeface="Calibri"/>
-              <a:ea typeface="Calibri"/>
-              <a:cs typeface="Calibri"/>
-              <a:sym typeface="Calibri"/>
-            </a:endParaRPr>
-          </a:p>
-        </p:txBody>
-      </p:sp>
-      <p:pic>
-        <p:nvPicPr>
-          <p:cNvPr id="6" name="Picture 4" descr="Adding OpenCV 4.1.2 to Visual Studio 2019 Project in Windows using  Pre-built binaries | by Ye Joo Park | Medium">
-            <a:extLst>
-              <a:ext uri="{FF2B5EF4-FFF2-40B4-BE49-F238E27FC236}">
-                <a16:creationId xmlns:a16="http://schemas.microsoft.com/office/drawing/2014/main" id="{21C87F93-37F3-4740-B471-E34D243F6EAB}"/>
-              </a:ext>
-            </a:extLst>
-          </p:cNvPr>
-          <p:cNvPicPr>
-            <a:picLocks noChangeAspect="1" noChangeArrowheads="1"/>
-          </p:cNvPicPr>
-          <p:nvPr/>
-        </p:nvPicPr>
-        <p:blipFill rotWithShape="1">
-          <a:blip r:embed="rId3">
-            <a:clrChange>
-              <a:clrFrom>
-                <a:srgbClr val="000000"/>
-              </a:clrFrom>
-              <a:clrTo>
-                <a:srgbClr val="000000">
-                  <a:alpha val="0"/>
-                </a:srgbClr>
-              </a:clrTo>
-            </a:clrChange>
-            <a:extLst>
-              <a:ext uri="{28A0092B-C50C-407E-A947-70E740481C1C}">
-                <a14:useLocalDpi xmlns:a14="http://schemas.microsoft.com/office/drawing/2010/main" val="0"/>
-              </a:ext>
-            </a:extLst>
-          </a:blip>
-          <a:srcRect l="70200" t="25715" r="12100" b="22143"/>
-          <a:stretch/>
-        </p:blipFill>
-        <p:spPr bwMode="auto">
-          <a:xfrm>
-            <a:off x="10680456" y="309142"/>
-            <a:ext cx="1104091" cy="1366079"/>
-          </a:xfrm>
-          <a:prstGeom prst="rect">
-            <a:avLst/>
-          </a:prstGeom>
-          <a:noFill/>
-          <a:extLst>
-            <a:ext uri="{909E8E84-426E-40DD-AFC4-6F175D3DCCD1}">
-              <a14:hiddenFill xmlns:a14="http://schemas.microsoft.com/office/drawing/2010/main">
-                <a:solidFill>
-                  <a:srgbClr val="FFFFFF"/>
-                </a:solidFill>
-              </a14:hiddenFill>
-            </a:ext>
-          </a:extLst>
-        </p:spPr>
-      </p:pic>
-      <p:sp>
-        <p:nvSpPr>
-          <p:cNvPr id="63" name="Google Shape;128;p34">
-            <a:extLst>
-              <a:ext uri="{FF2B5EF4-FFF2-40B4-BE49-F238E27FC236}">
-                <a16:creationId xmlns:a16="http://schemas.microsoft.com/office/drawing/2014/main" id="{5609CFF8-8B58-4AEB-AF04-D3EB36FC139C}"/>
-              </a:ext>
-            </a:extLst>
-          </p:cNvPr>
-          <p:cNvSpPr/>
-          <p:nvPr/>
-        </p:nvSpPr>
-        <p:spPr>
-          <a:xfrm>
-            <a:off x="716902" y="1945561"/>
-            <a:ext cx="10743578" cy="2062063"/>
-          </a:xfrm>
-          <a:prstGeom prst="rect">
-            <a:avLst/>
-          </a:prstGeom>
-          <a:noFill/>
-          <a:ln>
-            <a:noFill/>
-          </a:ln>
-        </p:spPr>
-        <p:txBody>
-          <a:bodyPr spcFirstLastPara="1" wrap="square" lIns="91425" tIns="45700" rIns="91425" bIns="45700" anchor="t" anchorCtr="0">
-            <a:spAutoFit/>
-          </a:bodyPr>
-          <a:lstStyle/>
-          <a:p>
-            <a:pPr marR="0" lvl="0" algn="ctr" rtl="0">
-              <a:lnSpc>
-                <a:spcPct val="100000"/>
-              </a:lnSpc>
-              <a:spcBef>
-                <a:spcPts val="0"/>
-              </a:spcBef>
-              <a:spcAft>
-                <a:spcPts val="0"/>
-              </a:spcAft>
-              <a:buClr>
-                <a:schemeClr val="bg1"/>
-              </a:buClr>
-              <a:buSzPts val="2400"/>
-            </a:pPr>
-            <a:r>
-              <a:rPr lang="es-ES" sz="3200" b="1" i="1" dirty="0">
-                <a:solidFill>
-                  <a:schemeClr val="bg1">
-                    <a:lumMod val="95000"/>
-                  </a:schemeClr>
-                </a:solidFill>
-                <a:latin typeface="Calibri"/>
-                <a:cs typeface="Calibri"/>
-                <a:sym typeface="Calibri"/>
-              </a:rPr>
-              <a:t>Es una librería de Visión Artificial, que permite el procesado de imágenes, vídeos… que permite realizar </a:t>
-            </a:r>
-            <a:r>
-              <a:rPr lang="es-ES" sz="3200" b="1" i="1" dirty="0" err="1">
-                <a:solidFill>
-                  <a:schemeClr val="bg1">
-                    <a:lumMod val="95000"/>
-                  </a:schemeClr>
-                </a:solidFill>
-                <a:latin typeface="Calibri"/>
-                <a:cs typeface="Calibri"/>
-                <a:sym typeface="Calibri"/>
-              </a:rPr>
-              <a:t>PCA’s</a:t>
-            </a:r>
-            <a:r>
-              <a:rPr lang="es-ES" sz="3200" b="1" i="1" dirty="0">
-                <a:solidFill>
-                  <a:schemeClr val="bg1">
-                    <a:lumMod val="95000"/>
-                  </a:schemeClr>
-                </a:solidFill>
-                <a:latin typeface="Calibri"/>
-                <a:cs typeface="Calibri"/>
-                <a:sym typeface="Calibri"/>
-              </a:rPr>
-              <a:t> de nuestra muestra para optimizar el entrenamiento de nuestro modelo. Está disponible para C, C++ y Python.</a:t>
-            </a:r>
-          </a:p>
-        </p:txBody>
-      </p:sp>
-      <p:pic>
-        <p:nvPicPr>
-          <p:cNvPr id="7" name="Picture 4">
-            <a:extLst>
-              <a:ext uri="{FF2B5EF4-FFF2-40B4-BE49-F238E27FC236}">
-                <a16:creationId xmlns:a16="http://schemas.microsoft.com/office/drawing/2014/main" id="{D6BA61BA-097C-4DCE-8592-0AA5A571CE42}"/>
-              </a:ext>
-            </a:extLst>
-          </p:cNvPr>
-          <p:cNvPicPr>
-            <a:picLocks noChangeAspect="1" noChangeArrowheads="1"/>
-          </p:cNvPicPr>
-          <p:nvPr/>
-        </p:nvPicPr>
-        <p:blipFill>
-          <a:blip r:embed="rId4">
-            <a:extLst>
-              <a:ext uri="{28A0092B-C50C-407E-A947-70E740481C1C}">
-                <a14:useLocalDpi xmlns:a14="http://schemas.microsoft.com/office/drawing/2010/main" val="0"/>
-              </a:ext>
-            </a:extLst>
-          </a:blip>
-          <a:srcRect/>
-          <a:stretch>
-            <a:fillRect/>
-          </a:stretch>
-        </p:blipFill>
-        <p:spPr bwMode="auto">
-          <a:xfrm>
-            <a:off x="709986" y="4384896"/>
-            <a:ext cx="2774326" cy="2080744"/>
-          </a:xfrm>
-          <a:prstGeom prst="rect">
-            <a:avLst/>
-          </a:prstGeom>
-          <a:noFill/>
-          <a:ln>
-            <a:noFill/>
-          </a:ln>
-          <a:extLst>
-            <a:ext uri="{909E8E84-426E-40DD-AFC4-6F175D3DCCD1}">
-              <a14:hiddenFill xmlns:a14="http://schemas.microsoft.com/office/drawing/2010/main">
-                <a:solidFill>
-                  <a:srgbClr val="FFFFFF"/>
-                </a:solidFill>
-              </a14:hiddenFill>
-            </a:ext>
-            <a:ext uri="{91240B29-F687-4F45-9708-019B960494DF}">
-              <a14:hiddenLine xmlns:a14="http://schemas.microsoft.com/office/drawing/2010/main" w="12700" cap="flat">
-                <a:solidFill>
-                  <a:srgbClr val="000000"/>
-                </a:solidFill>
-                <a:miter lim="800000"/>
-                <a:headEnd/>
-                <a:tailEnd/>
-              </a14:hiddenLine>
-            </a:ext>
-          </a:extLst>
-        </p:spPr>
-      </p:pic>
-      <p:pic>
-        <p:nvPicPr>
-          <p:cNvPr id="8" name="Picture 5">
-            <a:extLst>
-              <a:ext uri="{FF2B5EF4-FFF2-40B4-BE49-F238E27FC236}">
-                <a16:creationId xmlns:a16="http://schemas.microsoft.com/office/drawing/2014/main" id="{19F6E6E8-A021-4FA2-8BAD-CB8E82BE6851}"/>
-              </a:ext>
-            </a:extLst>
-          </p:cNvPr>
-          <p:cNvPicPr>
-            <a:picLocks noChangeAspect="1" noChangeArrowheads="1"/>
-          </p:cNvPicPr>
-          <p:nvPr/>
-        </p:nvPicPr>
-        <p:blipFill>
-          <a:blip r:embed="rId5">
-            <a:extLst>
-              <a:ext uri="{28A0092B-C50C-407E-A947-70E740481C1C}">
-                <a14:useLocalDpi xmlns:a14="http://schemas.microsoft.com/office/drawing/2010/main" val="0"/>
-              </a:ext>
-            </a:extLst>
-          </a:blip>
-          <a:srcRect/>
-          <a:stretch>
-            <a:fillRect/>
-          </a:stretch>
-        </p:blipFill>
-        <p:spPr bwMode="auto">
-          <a:xfrm>
-            <a:off x="4707626" y="4384896"/>
-            <a:ext cx="2774326" cy="2080744"/>
-          </a:xfrm>
-          <a:prstGeom prst="rect">
-            <a:avLst/>
-          </a:prstGeom>
-          <a:noFill/>
-          <a:ln>
-            <a:noFill/>
-          </a:ln>
-          <a:extLst>
-            <a:ext uri="{909E8E84-426E-40DD-AFC4-6F175D3DCCD1}">
-              <a14:hiddenFill xmlns:a14="http://schemas.microsoft.com/office/drawing/2010/main">
-                <a:solidFill>
-                  <a:srgbClr val="FFFFFF"/>
-                </a:solidFill>
-              </a14:hiddenFill>
-            </a:ext>
-            <a:ext uri="{91240B29-F687-4F45-9708-019B960494DF}">
-              <a14:hiddenLine xmlns:a14="http://schemas.microsoft.com/office/drawing/2010/main" w="12700" cap="flat">
-                <a:solidFill>
-                  <a:srgbClr val="000000"/>
-                </a:solidFill>
-                <a:miter lim="800000"/>
-                <a:headEnd/>
-                <a:tailEnd/>
-              </a14:hiddenLine>
-            </a:ext>
-          </a:extLst>
-        </p:spPr>
-      </p:pic>
-      <p:pic>
-        <p:nvPicPr>
-          <p:cNvPr id="9" name="Picture 6">
-            <a:extLst>
-              <a:ext uri="{FF2B5EF4-FFF2-40B4-BE49-F238E27FC236}">
-                <a16:creationId xmlns:a16="http://schemas.microsoft.com/office/drawing/2014/main" id="{9580A349-A075-4678-91D9-32BFB55FEC54}"/>
-              </a:ext>
-            </a:extLst>
-          </p:cNvPr>
-          <p:cNvPicPr>
-            <a:picLocks noChangeAspect="1" noChangeArrowheads="1"/>
-          </p:cNvPicPr>
-          <p:nvPr/>
-        </p:nvPicPr>
-        <p:blipFill>
-          <a:blip r:embed="rId6">
-            <a:extLst>
-              <a:ext uri="{28A0092B-C50C-407E-A947-70E740481C1C}">
-                <a14:useLocalDpi xmlns:a14="http://schemas.microsoft.com/office/drawing/2010/main" val="0"/>
-              </a:ext>
-            </a:extLst>
-          </a:blip>
-          <a:srcRect/>
-          <a:stretch>
-            <a:fillRect/>
-          </a:stretch>
-        </p:blipFill>
-        <p:spPr bwMode="auto">
-          <a:xfrm>
-            <a:off x="8715098" y="4384896"/>
-            <a:ext cx="2774326" cy="2080744"/>
-          </a:xfrm>
-          <a:prstGeom prst="rect">
-            <a:avLst/>
-          </a:prstGeom>
-          <a:noFill/>
-          <a:ln>
-            <a:noFill/>
-          </a:ln>
-          <a:extLst>
-            <a:ext uri="{909E8E84-426E-40DD-AFC4-6F175D3DCCD1}">
-              <a14:hiddenFill xmlns:a14="http://schemas.microsoft.com/office/drawing/2010/main">
-                <a:solidFill>
-                  <a:srgbClr val="FFFFFF"/>
-                </a:solidFill>
-              </a14:hiddenFill>
-            </a:ext>
-            <a:ext uri="{91240B29-F687-4F45-9708-019B960494DF}">
-              <a14:hiddenLine xmlns:a14="http://schemas.microsoft.com/office/drawing/2010/main" w="12700" cap="flat">
-                <a:solidFill>
-                  <a:srgbClr val="000000"/>
-                </a:solidFill>
-                <a:miter lim="800000"/>
-                <a:headEnd/>
-                <a:tailEnd/>
-              </a14:hiddenLine>
-            </a:ext>
-          </a:extLst>
-        </p:spPr>
-      </p:pic>
-    </p:spTree>
-    <p:extLst>
-      <p:ext uri="{BB962C8B-B14F-4D97-AF65-F5344CB8AC3E}">
-        <p14:creationId xmlns:p14="http://schemas.microsoft.com/office/powerpoint/2010/main" val="1153717640"/>
-      </p:ext>
-    </p:extLst>
   </p:cSld>
   <p:clrMapOvr>
     <a:masterClrMapping/>
@@ -19536,6 +19981,13 @@
             <a:tailEnd type="none" w="sm" len="sm"/>
           </a:ln>
         </p:spPr>
+        <p:txBody>
+          <a:bodyPr/>
+          <a:lstStyle/>
+          <a:p>
+            <a:endParaRPr lang="es-ES"/>
+          </a:p>
+        </p:txBody>
       </p:sp>
       <p:sp>
         <p:nvSpPr>
@@ -19568,6 +20020,13 @@
             <a:tailEnd type="none" w="sm" len="sm"/>
           </a:ln>
         </p:spPr>
+        <p:txBody>
+          <a:bodyPr/>
+          <a:lstStyle/>
+          <a:p>
+            <a:endParaRPr lang="es-ES"/>
+          </a:p>
+        </p:txBody>
       </p:sp>
       <p:sp>
         <p:nvSpPr>
@@ -19600,6 +20059,13 @@
             <a:tailEnd type="none" w="sm" len="sm"/>
           </a:ln>
         </p:spPr>
+        <p:txBody>
+          <a:bodyPr/>
+          <a:lstStyle/>
+          <a:p>
+            <a:endParaRPr lang="es-ES"/>
+          </a:p>
+        </p:txBody>
       </p:sp>
       <p:sp>
         <p:nvSpPr>
@@ -19632,6 +20098,13 @@
             <a:tailEnd type="none" w="sm" len="sm"/>
           </a:ln>
         </p:spPr>
+        <p:txBody>
+          <a:bodyPr/>
+          <a:lstStyle/>
+          <a:p>
+            <a:endParaRPr lang="es-ES"/>
+          </a:p>
+        </p:txBody>
       </p:sp>
       <p:pic>
         <p:nvPicPr>
@@ -19695,6 +20168,13 @@
             <a:tailEnd type="none" w="sm" len="sm"/>
           </a:ln>
         </p:spPr>
+        <p:txBody>
+          <a:bodyPr/>
+          <a:lstStyle/>
+          <a:p>
+            <a:endParaRPr lang="es-ES"/>
+          </a:p>
+        </p:txBody>
       </p:sp>
       <p:sp>
         <p:nvSpPr>
@@ -19727,6 +20207,13 @@
             <a:tailEnd type="none" w="sm" len="sm"/>
           </a:ln>
         </p:spPr>
+        <p:txBody>
+          <a:bodyPr/>
+          <a:lstStyle/>
+          <a:p>
+            <a:endParaRPr lang="es-ES"/>
+          </a:p>
+        </p:txBody>
       </p:sp>
       <p:sp>
         <p:nvSpPr>
@@ -20537,6 +21024,13 @@
             <a:tailEnd type="none" w="sm" len="sm"/>
           </a:ln>
         </p:spPr>
+        <p:txBody>
+          <a:bodyPr/>
+          <a:lstStyle/>
+          <a:p>
+            <a:endParaRPr lang="es-ES"/>
+          </a:p>
+        </p:txBody>
       </p:sp>
       <p:pic>
         <p:nvPicPr>
@@ -20600,6 +21094,13 @@
             <a:tailEnd type="none" w="sm" len="sm"/>
           </a:ln>
         </p:spPr>
+        <p:txBody>
+          <a:bodyPr/>
+          <a:lstStyle/>
+          <a:p>
+            <a:endParaRPr lang="es-ES"/>
+          </a:p>
+        </p:txBody>
       </p:sp>
       <p:sp>
         <p:nvSpPr>
@@ -20632,6 +21133,13 @@
             <a:tailEnd type="none" w="sm" len="sm"/>
           </a:ln>
         </p:spPr>
+        <p:txBody>
+          <a:bodyPr/>
+          <a:lstStyle/>
+          <a:p>
+            <a:endParaRPr lang="es-ES"/>
+          </a:p>
+        </p:txBody>
       </p:sp>
       <p:sp>
         <p:nvSpPr>
@@ -20664,6 +21172,13 @@
             <a:tailEnd type="none" w="sm" len="sm"/>
           </a:ln>
         </p:spPr>
+        <p:txBody>
+          <a:bodyPr/>
+          <a:lstStyle/>
+          <a:p>
+            <a:endParaRPr lang="es-ES"/>
+          </a:p>
+        </p:txBody>
       </p:sp>
       <p:pic>
         <p:nvPicPr>

--- a/Presentacion_OpenCV.pptx
+++ b/Presentacion_OpenCV.pptx
@@ -5,22 +5,21 @@
     <p:sldMasterId id="2147483648" r:id="rId1"/>
   </p:sldMasterIdLst>
   <p:notesMasterIdLst>
-    <p:notesMasterId r:id="rId15"/>
+    <p:notesMasterId r:id="rId14"/>
   </p:notesMasterIdLst>
   <p:sldIdLst>
     <p:sldId id="256" r:id="rId2"/>
     <p:sldId id="285" r:id="rId3"/>
     <p:sldId id="286" r:id="rId4"/>
     <p:sldId id="277" r:id="rId5"/>
-    <p:sldId id="284" r:id="rId6"/>
-    <p:sldId id="257" r:id="rId7"/>
-    <p:sldId id="282" r:id="rId8"/>
-    <p:sldId id="276" r:id="rId9"/>
-    <p:sldId id="279" r:id="rId10"/>
-    <p:sldId id="283" r:id="rId11"/>
-    <p:sldId id="278" r:id="rId12"/>
-    <p:sldId id="281" r:id="rId13"/>
-    <p:sldId id="280" r:id="rId14"/>
+    <p:sldId id="257" r:id="rId6"/>
+    <p:sldId id="282" r:id="rId7"/>
+    <p:sldId id="276" r:id="rId8"/>
+    <p:sldId id="279" r:id="rId9"/>
+    <p:sldId id="283" r:id="rId10"/>
+    <p:sldId id="278" r:id="rId11"/>
+    <p:sldId id="281" r:id="rId12"/>
+    <p:sldId id="280" r:id="rId13"/>
   </p:sldIdLst>
   <p:sldSz cx="12192000" cy="6858000"/>
   <p:notesSz cx="6858000" cy="9144000"/>
@@ -258,7 +257,7 @@
       <p15:sldGuideLst xmlns:p15="http://schemas.microsoft.com/office/powerpoint/2012/main"/>
     </p:ext>
     <p:ext uri="http://customooxmlschemas.google.com/">
-      <go:slidesCustomData xmlns="" xmlns:mc="http://schemas.openxmlformats.org/markup-compatibility/2006" xmlns:mv="urn:schemas-microsoft-com:mac:vml" xmlns:c="http://schemas.openxmlformats.org/drawingml/2006/chart" xmlns:dgm="http://schemas.openxmlformats.org/drawingml/2006/diagram" xmlns:o="urn:schemas-microsoft-com:office:office" xmlns:v="urn:schemas-microsoft-com:vml" xmlns:pvml="urn:schemas-microsoft-com:office:powerpoint" xmlns:com="http://schemas.openxmlformats.org/drawingml/2006/compatibility" xmlns:p14="http://schemas.microsoft.com/office/powerpoint/2010/main" xmlns:p15="http://schemas.microsoft.com/office/powerpoint/2012/main" xmlns:ahyp="http://schemas.microsoft.com/office/drawing/2018/hyperlinkcolor" xmlns:go="http://customooxmlschemas.google.com/" r:id="rId26" roundtripDataSignature="AMtx7mi02RDWfi8lTjsz24NoUUQUySzOHA=="/>
+      <go:slidesCustomData xmlns:go="http://customooxmlschemas.google.com/" xmlns:ahyp="http://schemas.microsoft.com/office/drawing/2018/hyperlinkcolor" xmlns:p15="http://schemas.microsoft.com/office/powerpoint/2012/main" xmlns:p14="http://schemas.microsoft.com/office/powerpoint/2010/main" xmlns:com="http://schemas.openxmlformats.org/drawingml/2006/compatibility" xmlns:pvml="urn:schemas-microsoft-com:office:powerpoint" xmlns:v="urn:schemas-microsoft-com:vml" xmlns:o="urn:schemas-microsoft-com:office:office" xmlns:dgm="http://schemas.openxmlformats.org/drawingml/2006/diagram" xmlns:c="http://schemas.openxmlformats.org/drawingml/2006/chart" xmlns:mv="urn:schemas-microsoft-com:mac:vml" xmlns:mc="http://schemas.openxmlformats.org/markup-compatibility/2006" xmlns="" r:id="rId26" roundtripDataSignature="AMtx7mi02RDWfi8lTjsz24NoUUQUySzOHA=="/>
     </p:ext>
   </p:extLst>
 </p:presentation>
@@ -1082,7 +1081,7 @@
     </p:spTree>
     <p:extLst>
       <p:ext uri="{BB962C8B-B14F-4D97-AF65-F5344CB8AC3E}">
-        <p14:creationId xmlns:p14="http://schemas.microsoft.com/office/powerpoint/2010/main" val="4096017162"/>
+        <p14:creationId xmlns:p14="http://schemas.microsoft.com/office/powerpoint/2010/main" val="1970826575"/>
       </p:ext>
     </p:extLst>
   </p:cSld>
@@ -1093,133 +1092,6 @@
 </file>
 
 <file path=ppt/notesSlides/notesSlide11.xml><?xml version="1.0" encoding="utf-8"?>
-<p:notes xmlns:a="http://schemas.openxmlformats.org/drawingml/2006/main" xmlns:r="http://schemas.openxmlformats.org/officeDocument/2006/relationships" xmlns:p="http://schemas.openxmlformats.org/presentationml/2006/main" showMasterSp="0" showMasterPhAnim="0">
-  <p:cSld>
-    <p:spTree>
-      <p:nvGrpSpPr>
-        <p:cNvPr id="1" name="Shape 87"/>
-        <p:cNvGrpSpPr/>
-        <p:nvPr/>
-      </p:nvGrpSpPr>
-      <p:grpSpPr>
-        <a:xfrm>
-          <a:off x="0" y="0"/>
-          <a:ext cx="0" cy="0"/>
-          <a:chOff x="0" y="0"/>
-          <a:chExt cx="0" cy="0"/>
-        </a:xfrm>
-      </p:grpSpPr>
-      <p:sp>
-        <p:nvSpPr>
-          <p:cNvPr id="88" name="Google Shape;88;p2:notes"/>
-          <p:cNvSpPr txBox="1">
-            <a:spLocks noGrp="1"/>
-          </p:cNvSpPr>
-          <p:nvPr>
-            <p:ph type="body" idx="1"/>
-          </p:nvPr>
-        </p:nvSpPr>
-        <p:spPr>
-          <a:xfrm>
-            <a:off x="685800" y="4343400"/>
-            <a:ext cx="5486400" cy="4114800"/>
-          </a:xfrm>
-          <a:prstGeom prst="rect">
-            <a:avLst/>
-          </a:prstGeom>
-          <a:noFill/>
-          <a:ln>
-            <a:noFill/>
-          </a:ln>
-        </p:spPr>
-        <p:txBody>
-          <a:bodyPr spcFirstLastPara="1" wrap="square" lIns="91425" tIns="91425" rIns="91425" bIns="91425" anchor="t" anchorCtr="0">
-            <a:noAutofit/>
-          </a:bodyPr>
-          <a:lstStyle/>
-          <a:p>
-            <a:pPr marL="0" lvl="0" indent="0" algn="l" rtl="0">
-              <a:lnSpc>
-                <a:spcPct val="100000"/>
-              </a:lnSpc>
-              <a:spcBef>
-                <a:spcPts val="0"/>
-              </a:spcBef>
-              <a:spcAft>
-                <a:spcPts val="0"/>
-              </a:spcAft>
-              <a:buSzPts val="1100"/>
-              <a:buNone/>
-            </a:pPr>
-            <a:endParaRPr/>
-          </a:p>
-        </p:txBody>
-      </p:sp>
-      <p:sp>
-        <p:nvSpPr>
-          <p:cNvPr id="89" name="Google Shape;89;p2:notes"/>
-          <p:cNvSpPr>
-            <a:spLocks noGrp="1" noRot="1" noChangeAspect="1"/>
-          </p:cNvSpPr>
-          <p:nvPr>
-            <p:ph type="sldImg" idx="2"/>
-          </p:nvPr>
-        </p:nvSpPr>
-        <p:spPr>
-          <a:xfrm>
-            <a:off x="381000" y="685800"/>
-            <a:ext cx="6096000" cy="3429000"/>
-          </a:xfrm>
-          <a:custGeom>
-            <a:avLst/>
-            <a:gdLst/>
-            <a:ahLst/>
-            <a:cxnLst/>
-            <a:rect l="l" t="t" r="r" b="b"/>
-            <a:pathLst>
-              <a:path w="120000" h="120000" extrusionOk="0">
-                <a:moveTo>
-                  <a:pt x="0" y="0"/>
-                </a:moveTo>
-                <a:lnTo>
-                  <a:pt x="120000" y="0"/>
-                </a:lnTo>
-                <a:lnTo>
-                  <a:pt x="120000" y="120000"/>
-                </a:lnTo>
-                <a:lnTo>
-                  <a:pt x="0" y="120000"/>
-                </a:lnTo>
-                <a:close/>
-              </a:path>
-            </a:pathLst>
-          </a:custGeom>
-          <a:noFill/>
-          <a:ln w="9525" cap="flat" cmpd="sng">
-            <a:solidFill>
-              <a:srgbClr val="000000"/>
-            </a:solidFill>
-            <a:prstDash val="solid"/>
-            <a:round/>
-            <a:headEnd type="none" w="sm" len="sm"/>
-            <a:tailEnd type="none" w="sm" len="sm"/>
-          </a:ln>
-        </p:spPr>
-      </p:sp>
-    </p:spTree>
-    <p:extLst>
-      <p:ext uri="{BB962C8B-B14F-4D97-AF65-F5344CB8AC3E}">
-        <p14:creationId xmlns:p14="http://schemas.microsoft.com/office/powerpoint/2010/main" val="1970826575"/>
-      </p:ext>
-    </p:extLst>
-  </p:cSld>
-  <p:clrMapOvr>
-    <a:masterClrMapping/>
-  </p:clrMapOvr>
-</p:notes>
-</file>
-
-<file path=ppt/notesSlides/notesSlide12.xml><?xml version="1.0" encoding="utf-8"?>
 <p:notes xmlns:a="http://schemas.openxmlformats.org/drawingml/2006/main" xmlns:r="http://schemas.openxmlformats.org/officeDocument/2006/relationships" xmlns:p="http://schemas.openxmlformats.org/presentationml/2006/main" showMasterSp="0" showMasterPhAnim="0">
   <p:cSld>
     <p:spTree>
@@ -1346,7 +1218,7 @@
 </p:notes>
 </file>
 
-<file path=ppt/notesSlides/notesSlide13.xml><?xml version="1.0" encoding="utf-8"?>
+<file path=ppt/notesSlides/notesSlide12.xml><?xml version="1.0" encoding="utf-8"?>
 <p:notes xmlns:a="http://schemas.openxmlformats.org/drawingml/2006/main" xmlns:r="http://schemas.openxmlformats.org/officeDocument/2006/relationships" xmlns:p="http://schemas.openxmlformats.org/presentationml/2006/main" showMasterSp="0" showMasterPhAnim="0">
   <p:cSld>
     <p:spTree>
@@ -1969,11 +1841,6 @@
         </p:spPr>
       </p:sp>
     </p:spTree>
-    <p:extLst>
-      <p:ext uri="{BB962C8B-B14F-4D97-AF65-F5344CB8AC3E}">
-        <p14:creationId xmlns:p14="http://schemas.microsoft.com/office/powerpoint/2010/main" val="3339779495"/>
-      </p:ext>
-    </p:extLst>
   </p:cSld>
   <p:clrMapOvr>
     <a:masterClrMapping/>
@@ -1982,128 +1849,6 @@
 </file>
 
 <file path=ppt/notesSlides/notesSlide6.xml><?xml version="1.0" encoding="utf-8"?>
-<p:notes xmlns:a="http://schemas.openxmlformats.org/drawingml/2006/main" xmlns:r="http://schemas.openxmlformats.org/officeDocument/2006/relationships" xmlns:p="http://schemas.openxmlformats.org/presentationml/2006/main" showMasterSp="0" showMasterPhAnim="0">
-  <p:cSld>
-    <p:spTree>
-      <p:nvGrpSpPr>
-        <p:cNvPr id="1" name="Shape 87"/>
-        <p:cNvGrpSpPr/>
-        <p:nvPr/>
-      </p:nvGrpSpPr>
-      <p:grpSpPr>
-        <a:xfrm>
-          <a:off x="0" y="0"/>
-          <a:ext cx="0" cy="0"/>
-          <a:chOff x="0" y="0"/>
-          <a:chExt cx="0" cy="0"/>
-        </a:xfrm>
-      </p:grpSpPr>
-      <p:sp>
-        <p:nvSpPr>
-          <p:cNvPr id="88" name="Google Shape;88;p2:notes"/>
-          <p:cNvSpPr txBox="1">
-            <a:spLocks noGrp="1"/>
-          </p:cNvSpPr>
-          <p:nvPr>
-            <p:ph type="body" idx="1"/>
-          </p:nvPr>
-        </p:nvSpPr>
-        <p:spPr>
-          <a:xfrm>
-            <a:off x="685800" y="4343400"/>
-            <a:ext cx="5486400" cy="4114800"/>
-          </a:xfrm>
-          <a:prstGeom prst="rect">
-            <a:avLst/>
-          </a:prstGeom>
-          <a:noFill/>
-          <a:ln>
-            <a:noFill/>
-          </a:ln>
-        </p:spPr>
-        <p:txBody>
-          <a:bodyPr spcFirstLastPara="1" wrap="square" lIns="91425" tIns="91425" rIns="91425" bIns="91425" anchor="t" anchorCtr="0">
-            <a:noAutofit/>
-          </a:bodyPr>
-          <a:lstStyle/>
-          <a:p>
-            <a:pPr marL="0" lvl="0" indent="0" algn="l" rtl="0">
-              <a:lnSpc>
-                <a:spcPct val="100000"/>
-              </a:lnSpc>
-              <a:spcBef>
-                <a:spcPts val="0"/>
-              </a:spcBef>
-              <a:spcAft>
-                <a:spcPts val="0"/>
-              </a:spcAft>
-              <a:buSzPts val="1100"/>
-              <a:buNone/>
-            </a:pPr>
-            <a:endParaRPr/>
-          </a:p>
-        </p:txBody>
-      </p:sp>
-      <p:sp>
-        <p:nvSpPr>
-          <p:cNvPr id="89" name="Google Shape;89;p2:notes"/>
-          <p:cNvSpPr>
-            <a:spLocks noGrp="1" noRot="1" noChangeAspect="1"/>
-          </p:cNvSpPr>
-          <p:nvPr>
-            <p:ph type="sldImg" idx="2"/>
-          </p:nvPr>
-        </p:nvSpPr>
-        <p:spPr>
-          <a:xfrm>
-            <a:off x="381000" y="685800"/>
-            <a:ext cx="6096000" cy="3429000"/>
-          </a:xfrm>
-          <a:custGeom>
-            <a:avLst/>
-            <a:gdLst/>
-            <a:ahLst/>
-            <a:cxnLst/>
-            <a:rect l="l" t="t" r="r" b="b"/>
-            <a:pathLst>
-              <a:path w="120000" h="120000" extrusionOk="0">
-                <a:moveTo>
-                  <a:pt x="0" y="0"/>
-                </a:moveTo>
-                <a:lnTo>
-                  <a:pt x="120000" y="0"/>
-                </a:lnTo>
-                <a:lnTo>
-                  <a:pt x="120000" y="120000"/>
-                </a:lnTo>
-                <a:lnTo>
-                  <a:pt x="0" y="120000"/>
-                </a:lnTo>
-                <a:close/>
-              </a:path>
-            </a:pathLst>
-          </a:custGeom>
-          <a:noFill/>
-          <a:ln w="9525" cap="flat" cmpd="sng">
-            <a:solidFill>
-              <a:srgbClr val="000000"/>
-            </a:solidFill>
-            <a:prstDash val="solid"/>
-            <a:round/>
-            <a:headEnd type="none" w="sm" len="sm"/>
-            <a:tailEnd type="none" w="sm" len="sm"/>
-          </a:ln>
-        </p:spPr>
-      </p:sp>
-    </p:spTree>
-  </p:cSld>
-  <p:clrMapOvr>
-    <a:masterClrMapping/>
-  </p:clrMapOvr>
-</p:notes>
-</file>
-
-<file path=ppt/notesSlides/notesSlide7.xml><?xml version="1.0" encoding="utf-8"?>
 <p:notes xmlns:a="http://schemas.openxmlformats.org/drawingml/2006/main" xmlns:r="http://schemas.openxmlformats.org/officeDocument/2006/relationships" xmlns:p="http://schemas.openxmlformats.org/presentationml/2006/main" showMasterSp="0" showMasterPhAnim="0">
   <p:cSld>
     <p:spTree>
@@ -2230,7 +1975,7 @@
 </p:notes>
 </file>
 
-<file path=ppt/notesSlides/notesSlide8.xml><?xml version="1.0" encoding="utf-8"?>
+<file path=ppt/notesSlides/notesSlide7.xml><?xml version="1.0" encoding="utf-8"?>
 <p:notes xmlns:a="http://schemas.openxmlformats.org/drawingml/2006/main" xmlns:r="http://schemas.openxmlformats.org/officeDocument/2006/relationships" xmlns:p="http://schemas.openxmlformats.org/presentationml/2006/main" showMasterSp="0" showMasterPhAnim="0">
   <p:cSld>
     <p:spTree>
@@ -2357,7 +2102,7 @@
 </p:notes>
 </file>
 
-<file path=ppt/notesSlides/notesSlide9.xml><?xml version="1.0" encoding="utf-8"?>
+<file path=ppt/notesSlides/notesSlide8.xml><?xml version="1.0" encoding="utf-8"?>
 <p:notes xmlns:a="http://schemas.openxmlformats.org/drawingml/2006/main" xmlns:r="http://schemas.openxmlformats.org/officeDocument/2006/relationships" xmlns:p="http://schemas.openxmlformats.org/presentationml/2006/main" showMasterSp="0" showMasterPhAnim="0">
   <p:cSld>
     <p:spTree>
@@ -2475,6 +2220,133 @@
     <p:extLst>
       <p:ext uri="{BB962C8B-B14F-4D97-AF65-F5344CB8AC3E}">
         <p14:creationId xmlns:p14="http://schemas.microsoft.com/office/powerpoint/2010/main" val="2706333341"/>
+      </p:ext>
+    </p:extLst>
+  </p:cSld>
+  <p:clrMapOvr>
+    <a:masterClrMapping/>
+  </p:clrMapOvr>
+</p:notes>
+</file>
+
+<file path=ppt/notesSlides/notesSlide9.xml><?xml version="1.0" encoding="utf-8"?>
+<p:notes xmlns:a="http://schemas.openxmlformats.org/drawingml/2006/main" xmlns:r="http://schemas.openxmlformats.org/officeDocument/2006/relationships" xmlns:p="http://schemas.openxmlformats.org/presentationml/2006/main" showMasterSp="0" showMasterPhAnim="0">
+  <p:cSld>
+    <p:spTree>
+      <p:nvGrpSpPr>
+        <p:cNvPr id="1" name="Shape 87"/>
+        <p:cNvGrpSpPr/>
+        <p:nvPr/>
+      </p:nvGrpSpPr>
+      <p:grpSpPr>
+        <a:xfrm>
+          <a:off x="0" y="0"/>
+          <a:ext cx="0" cy="0"/>
+          <a:chOff x="0" y="0"/>
+          <a:chExt cx="0" cy="0"/>
+        </a:xfrm>
+      </p:grpSpPr>
+      <p:sp>
+        <p:nvSpPr>
+          <p:cNvPr id="88" name="Google Shape;88;p2:notes"/>
+          <p:cNvSpPr txBox="1">
+            <a:spLocks noGrp="1"/>
+          </p:cNvSpPr>
+          <p:nvPr>
+            <p:ph type="body" idx="1"/>
+          </p:nvPr>
+        </p:nvSpPr>
+        <p:spPr>
+          <a:xfrm>
+            <a:off x="685800" y="4343400"/>
+            <a:ext cx="5486400" cy="4114800"/>
+          </a:xfrm>
+          <a:prstGeom prst="rect">
+            <a:avLst/>
+          </a:prstGeom>
+          <a:noFill/>
+          <a:ln>
+            <a:noFill/>
+          </a:ln>
+        </p:spPr>
+        <p:txBody>
+          <a:bodyPr spcFirstLastPara="1" wrap="square" lIns="91425" tIns="91425" rIns="91425" bIns="91425" anchor="t" anchorCtr="0">
+            <a:noAutofit/>
+          </a:bodyPr>
+          <a:lstStyle/>
+          <a:p>
+            <a:pPr marL="0" lvl="0" indent="0" algn="l" rtl="0">
+              <a:lnSpc>
+                <a:spcPct val="100000"/>
+              </a:lnSpc>
+              <a:spcBef>
+                <a:spcPts val="0"/>
+              </a:spcBef>
+              <a:spcAft>
+                <a:spcPts val="0"/>
+              </a:spcAft>
+              <a:buSzPts val="1100"/>
+              <a:buNone/>
+            </a:pPr>
+            <a:endParaRPr/>
+          </a:p>
+        </p:txBody>
+      </p:sp>
+      <p:sp>
+        <p:nvSpPr>
+          <p:cNvPr id="89" name="Google Shape;89;p2:notes"/>
+          <p:cNvSpPr>
+            <a:spLocks noGrp="1" noRot="1" noChangeAspect="1"/>
+          </p:cNvSpPr>
+          <p:nvPr>
+            <p:ph type="sldImg" idx="2"/>
+          </p:nvPr>
+        </p:nvSpPr>
+        <p:spPr>
+          <a:xfrm>
+            <a:off x="381000" y="685800"/>
+            <a:ext cx="6096000" cy="3429000"/>
+          </a:xfrm>
+          <a:custGeom>
+            <a:avLst/>
+            <a:gdLst/>
+            <a:ahLst/>
+            <a:cxnLst/>
+            <a:rect l="l" t="t" r="r" b="b"/>
+            <a:pathLst>
+              <a:path w="120000" h="120000" extrusionOk="0">
+                <a:moveTo>
+                  <a:pt x="0" y="0"/>
+                </a:moveTo>
+                <a:lnTo>
+                  <a:pt x="120000" y="0"/>
+                </a:lnTo>
+                <a:lnTo>
+                  <a:pt x="120000" y="120000"/>
+                </a:lnTo>
+                <a:lnTo>
+                  <a:pt x="0" y="120000"/>
+                </a:lnTo>
+                <a:close/>
+              </a:path>
+            </a:pathLst>
+          </a:custGeom>
+          <a:noFill/>
+          <a:ln w="9525" cap="flat" cmpd="sng">
+            <a:solidFill>
+              <a:srgbClr val="000000"/>
+            </a:solidFill>
+            <a:prstDash val="solid"/>
+            <a:round/>
+            <a:headEnd type="none" w="sm" len="sm"/>
+            <a:tailEnd type="none" w="sm" len="sm"/>
+          </a:ln>
+        </p:spPr>
+      </p:sp>
+    </p:spTree>
+    <p:extLst>
+      <p:ext uri="{BB962C8B-B14F-4D97-AF65-F5344CB8AC3E}">
+        <p14:creationId xmlns:p14="http://schemas.microsoft.com/office/powerpoint/2010/main" val="4096017162"/>
       </p:ext>
     </p:extLst>
   </p:cSld>
@@ -16208,246 +16080,6 @@
           </a:extLst>
         </p:spPr>
       </p:pic>
-      <p:pic>
-        <p:nvPicPr>
-          <p:cNvPr id="1026" name="Picture 2">
-            <a:extLst>
-              <a:ext uri="{FF2B5EF4-FFF2-40B4-BE49-F238E27FC236}">
-                <a16:creationId xmlns:a16="http://schemas.microsoft.com/office/drawing/2014/main" id="{CDE4F1E1-E60C-4C33-8620-3379A291DB9B}"/>
-              </a:ext>
-            </a:extLst>
-          </p:cNvPr>
-          <p:cNvPicPr>
-            <a:picLocks noChangeAspect="1" noChangeArrowheads="1"/>
-          </p:cNvPicPr>
-          <p:nvPr/>
-        </p:nvPicPr>
-        <p:blipFill rotWithShape="1">
-          <a:blip r:embed="rId4">
-            <a:extLst>
-              <a:ext uri="{28A0092B-C50C-407E-A947-70E740481C1C}">
-                <a14:useLocalDpi xmlns:a14="http://schemas.microsoft.com/office/drawing/2010/main" val="0"/>
-              </a:ext>
-            </a:extLst>
-          </a:blip>
-          <a:srcRect l="15782" t="25681" r="20131" b="17545"/>
-          <a:stretch/>
-        </p:blipFill>
-        <p:spPr bwMode="auto">
-          <a:xfrm>
-            <a:off x="3426541" y="1990295"/>
-            <a:ext cx="5338917" cy="3547333"/>
-          </a:xfrm>
-          <a:prstGeom prst="rect">
-            <a:avLst/>
-          </a:prstGeom>
-          <a:noFill/>
-          <a:extLst>
-            <a:ext uri="{909E8E84-426E-40DD-AFC4-6F175D3DCCD1}">
-              <a14:hiddenFill xmlns:a14="http://schemas.microsoft.com/office/drawing/2010/main">
-                <a:solidFill>
-                  <a:srgbClr val="FFFFFF"/>
-                </a:solidFill>
-              </a14:hiddenFill>
-            </a:ext>
-          </a:extLst>
-        </p:spPr>
-      </p:pic>
-    </p:spTree>
-    <p:extLst>
-      <p:ext uri="{BB962C8B-B14F-4D97-AF65-F5344CB8AC3E}">
-        <p14:creationId xmlns:p14="http://schemas.microsoft.com/office/powerpoint/2010/main" val="1920300517"/>
-      </p:ext>
-    </p:extLst>
-  </p:cSld>
-  <p:clrMapOvr>
-    <a:masterClrMapping/>
-  </p:clrMapOvr>
-</p:sld>
-</file>
-
-<file path=ppt/slides/slide11.xml><?xml version="1.0" encoding="utf-8"?>
-<p:sld xmlns:a="http://schemas.openxmlformats.org/drawingml/2006/main" xmlns:r="http://schemas.openxmlformats.org/officeDocument/2006/relationships" xmlns:p="http://schemas.openxmlformats.org/presentationml/2006/main">
-  <p:cSld>
-    <p:spTree>
-      <p:nvGrpSpPr>
-        <p:cNvPr id="1" name="Shape 90"/>
-        <p:cNvGrpSpPr/>
-        <p:nvPr/>
-      </p:nvGrpSpPr>
-      <p:grpSpPr>
-        <a:xfrm>
-          <a:off x="0" y="0"/>
-          <a:ext cx="0" cy="0"/>
-          <a:chOff x="0" y="0"/>
-          <a:chExt cx="0" cy="0"/>
-        </a:xfrm>
-      </p:grpSpPr>
-      <p:sp>
-        <p:nvSpPr>
-          <p:cNvPr id="91" name="Google Shape;91;p2"/>
-          <p:cNvSpPr txBox="1">
-            <a:spLocks noGrp="1"/>
-          </p:cNvSpPr>
-          <p:nvPr>
-            <p:ph type="title"/>
-          </p:nvPr>
-        </p:nvSpPr>
-        <p:spPr>
-          <a:xfrm>
-            <a:off x="716902" y="290092"/>
-            <a:ext cx="10515600" cy="1325563"/>
-          </a:xfrm>
-          <a:prstGeom prst="rect">
-            <a:avLst/>
-          </a:prstGeom>
-          <a:noFill/>
-          <a:ln>
-            <a:noFill/>
-          </a:ln>
-        </p:spPr>
-        <p:txBody>
-          <a:bodyPr spcFirstLastPara="1" wrap="square" lIns="91425" tIns="45700" rIns="91425" bIns="45700" anchor="ctr" anchorCtr="0">
-            <a:normAutofit/>
-          </a:bodyPr>
-          <a:lstStyle/>
-          <a:p>
-            <a:pPr marL="0" lvl="0" indent="0" algn="l" rtl="0">
-              <a:lnSpc>
-                <a:spcPct val="90000"/>
-              </a:lnSpc>
-              <a:spcBef>
-                <a:spcPts val="0"/>
-              </a:spcBef>
-              <a:spcAft>
-                <a:spcPts val="0"/>
-              </a:spcAft>
-              <a:buClr>
-                <a:schemeClr val="lt1"/>
-              </a:buClr>
-              <a:buSzPts val="4400"/>
-              <a:buFont typeface="Calibri"/>
-              <a:buNone/>
-            </a:pPr>
-            <a:r>
-              <a:rPr lang="es-ES" dirty="0" err="1"/>
-              <a:t>OpenCV</a:t>
-            </a:r>
-            <a:endParaRPr dirty="0"/>
-          </a:p>
-        </p:txBody>
-      </p:sp>
-      <p:sp>
-        <p:nvSpPr>
-          <p:cNvPr id="93" name="Google Shape;93;p2"/>
-          <p:cNvSpPr/>
-          <p:nvPr/>
-        </p:nvSpPr>
-        <p:spPr>
-          <a:xfrm>
-            <a:off x="497691" y="763312"/>
-            <a:ext cx="90138" cy="654341"/>
-          </a:xfrm>
-          <a:prstGeom prst="rect">
-            <a:avLst/>
-          </a:prstGeom>
-          <a:solidFill>
-            <a:srgbClr val="C00000"/>
-          </a:solidFill>
-          <a:ln>
-            <a:noFill/>
-          </a:ln>
-        </p:spPr>
-        <p:txBody>
-          <a:bodyPr spcFirstLastPara="1" wrap="square" lIns="91425" tIns="45700" rIns="91425" bIns="45700" anchor="ctr" anchorCtr="0">
-            <a:noAutofit/>
-          </a:bodyPr>
-          <a:lstStyle/>
-          <a:p>
-            <a:pPr marL="0" marR="0" lvl="0" indent="0" algn="ctr" rtl="0">
-              <a:lnSpc>
-                <a:spcPct val="100000"/>
-              </a:lnSpc>
-              <a:spcBef>
-                <a:spcPts val="0"/>
-              </a:spcBef>
-              <a:spcAft>
-                <a:spcPts val="0"/>
-              </a:spcAft>
-              <a:buClr>
-                <a:srgbClr val="000000"/>
-              </a:buClr>
-              <a:buSzPts val="1800"/>
-              <a:buFont typeface="Arial"/>
-              <a:buNone/>
-            </a:pPr>
-            <a:endParaRPr sz="1800" b="0" i="0" u="none" strike="noStrike" cap="none">
-              <a:solidFill>
-                <a:schemeClr val="lt1"/>
-              </a:solidFill>
-              <a:latin typeface="Calibri"/>
-              <a:ea typeface="Calibri"/>
-              <a:cs typeface="Calibri"/>
-              <a:sym typeface="Calibri"/>
-            </a:endParaRPr>
-          </a:p>
-        </p:txBody>
-      </p:sp>
-      <p:pic>
-        <p:nvPicPr>
-          <p:cNvPr id="6" name="Picture 4" descr="Adding OpenCV 4.1.2 to Visual Studio 2019 Project in Windows using  Pre-built binaries | by Ye Joo Park | Medium">
-            <a:extLst>
-              <a:ext uri="{FF2B5EF4-FFF2-40B4-BE49-F238E27FC236}">
-                <a16:creationId xmlns:a16="http://schemas.microsoft.com/office/drawing/2014/main" id="{21C87F93-37F3-4740-B471-E34D243F6EAB}"/>
-              </a:ext>
-            </a:extLst>
-          </p:cNvPr>
-          <p:cNvPicPr>
-            <a:picLocks noChangeAspect="1" noChangeArrowheads="1"/>
-          </p:cNvPicPr>
-          <p:nvPr/>
-        </p:nvPicPr>
-        <p:blipFill rotWithShape="1">
-          <a:blip r:embed="rId3">
-            <a:clrChange>
-              <a:clrFrom>
-                <a:srgbClr val="000000"/>
-              </a:clrFrom>
-              <a:clrTo>
-                <a:srgbClr val="000000">
-                  <a:alpha val="0"/>
-                </a:srgbClr>
-              </a:clrTo>
-            </a:clrChange>
-            <a:extLst>
-              <a:ext uri="{28A0092B-C50C-407E-A947-70E740481C1C}">
-                <a14:useLocalDpi xmlns:a14="http://schemas.microsoft.com/office/drawing/2010/main" val="0"/>
-              </a:ext>
-            </a:extLst>
-          </a:blip>
-          <a:srcRect l="70200" t="25715" r="12100" b="22143"/>
-          <a:stretch/>
-        </p:blipFill>
-        <p:spPr bwMode="auto">
-          <a:xfrm>
-            <a:off x="10680456" y="309142"/>
-            <a:ext cx="1104091" cy="1366079"/>
-          </a:xfrm>
-          <a:prstGeom prst="rect">
-            <a:avLst/>
-          </a:prstGeom>
-          <a:noFill/>
-          <a:extLst>
-            <a:ext uri="{909E8E84-426E-40DD-AFC4-6F175D3DCCD1}">
-              <a14:hiddenFill xmlns:a14="http://schemas.microsoft.com/office/drawing/2010/main">
-                <a:solidFill>
-                  <a:srgbClr val="FFFFFF"/>
-                </a:solidFill>
-              </a14:hiddenFill>
-            </a:ext>
-          </a:extLst>
-        </p:spPr>
-      </p:pic>
       <p:sp>
         <p:nvSpPr>
           <p:cNvPr id="63" name="Google Shape;128;p34">
@@ -16721,7 +16353,7 @@
 </p:sld>
 </file>
 
-<file path=ppt/slides/slide12.xml><?xml version="1.0" encoding="utf-8"?>
+<file path=ppt/slides/slide11.xml><?xml version="1.0" encoding="utf-8"?>
 <p:sld xmlns:a="http://schemas.openxmlformats.org/drawingml/2006/main" xmlns:r="http://schemas.openxmlformats.org/officeDocument/2006/relationships" xmlns:p="http://schemas.openxmlformats.org/presentationml/2006/main">
   <p:cSld>
     <p:spTree>
@@ -17081,7 +16713,7 @@
 </p:sld>
 </file>
 
-<file path=ppt/slides/slide13.xml><?xml version="1.0" encoding="utf-8"?>
+<file path=ppt/slides/slide12.xml><?xml version="1.0" encoding="utf-8"?>
 <p:sld xmlns:a="http://schemas.openxmlformats.org/drawingml/2006/main" xmlns:r="http://schemas.openxmlformats.org/officeDocument/2006/relationships" xmlns:p="http://schemas.openxmlformats.org/presentationml/2006/main">
   <p:cSld>
     <p:spTree>
@@ -18421,7 +18053,7 @@
         <p:spPr>
           <a:xfrm>
             <a:off x="716902" y="1945561"/>
-            <a:ext cx="10743578" cy="2062063"/>
+            <a:ext cx="10743578" cy="1569620"/>
           </a:xfrm>
           <a:prstGeom prst="rect">
             <a:avLst/>
@@ -18463,33 +18095,7 @@
                 <a:cs typeface="Calibri"/>
                 <a:sym typeface="Calibri"/>
               </a:rPr>
-              <a:t>Es una librería que permite el procesado de imágenes, vídeos… que permite realizar </a:t>
-            </a:r>
-            <a:r>
-              <a:rPr lang="es-ES" sz="3200" b="1" i="1" dirty="0" err="1">
-                <a:solidFill>
-                  <a:schemeClr val="bg1">
-                    <a:lumMod val="95000"/>
-                  </a:schemeClr>
-                </a:solidFill>
-                <a:latin typeface="Calibri"/>
-                <a:cs typeface="Calibri"/>
-                <a:sym typeface="Calibri"/>
-              </a:rPr>
-              <a:t>PCA’s</a:t>
-            </a:r>
-            <a:r>
-              <a:rPr lang="es-ES" sz="3200" b="1" i="1" dirty="0">
-                <a:solidFill>
-                  <a:schemeClr val="bg1">
-                    <a:lumMod val="95000"/>
-                  </a:schemeClr>
-                </a:solidFill>
-                <a:latin typeface="Calibri"/>
-                <a:cs typeface="Calibri"/>
-                <a:sym typeface="Calibri"/>
-              </a:rPr>
-              <a:t> de nuestra muestra para optimizar el entrenamiento de nuestro modelo. Está disponible para C, C++ y Python.</a:t>
+              <a:t>Es una librería que permite el procesado de imágenes, vídeos… que optimizar el entrenamiento de nuestro modelo. Está disponible para C, C++ y Python.</a:t>
             </a:r>
           </a:p>
         </p:txBody>
@@ -18688,124 +18294,6 @@
 </file>
 
 <file path=ppt/slides/slide5.xml><?xml version="1.0" encoding="utf-8"?>
-<p:sld xmlns:a="http://schemas.openxmlformats.org/drawingml/2006/main" xmlns:r="http://schemas.openxmlformats.org/officeDocument/2006/relationships" xmlns:p="http://schemas.openxmlformats.org/presentationml/2006/main">
-  <p:cSld>
-    <p:spTree>
-      <p:nvGrpSpPr>
-        <p:cNvPr id="1" name="Shape 90"/>
-        <p:cNvGrpSpPr/>
-        <p:nvPr/>
-      </p:nvGrpSpPr>
-      <p:grpSpPr>
-        <a:xfrm>
-          <a:off x="0" y="0"/>
-          <a:ext cx="0" cy="0"/>
-          <a:chOff x="0" y="0"/>
-          <a:chExt cx="0" cy="0"/>
-        </a:xfrm>
-      </p:grpSpPr>
-      <p:pic>
-        <p:nvPicPr>
-          <p:cNvPr id="2" name="Imagen 1">
-            <a:extLst>
-              <a:ext uri="{FF2B5EF4-FFF2-40B4-BE49-F238E27FC236}">
-                <a16:creationId xmlns:a16="http://schemas.microsoft.com/office/drawing/2014/main" id="{488A293B-1274-20F7-BD6E-EFE211BAEDD3}"/>
-              </a:ext>
-            </a:extLst>
-          </p:cNvPr>
-          <p:cNvPicPr>
-            <a:picLocks noChangeAspect="1"/>
-          </p:cNvPicPr>
-          <p:nvPr/>
-        </p:nvPicPr>
-        <p:blipFill>
-          <a:blip r:embed="rId3"/>
-          <a:stretch>
-            <a:fillRect/>
-          </a:stretch>
-        </p:blipFill>
-        <p:spPr>
-          <a:xfrm>
-            <a:off x="-121298" y="-392404"/>
-            <a:ext cx="12313298" cy="7885404"/>
-          </a:xfrm>
-          <a:prstGeom prst="rect">
-            <a:avLst/>
-          </a:prstGeom>
-          <a:solidFill>
-            <a:schemeClr val="tx1"/>
-          </a:solidFill>
-        </p:spPr>
-      </p:pic>
-      <p:pic>
-        <p:nvPicPr>
-          <p:cNvPr id="6" name="Picture 4" descr="Adding OpenCV 4.1.2 to Visual Studio 2019 Project in Windows using  Pre-built binaries | by Ye Joo Park | Medium">
-            <a:extLst>
-              <a:ext uri="{FF2B5EF4-FFF2-40B4-BE49-F238E27FC236}">
-                <a16:creationId xmlns:a16="http://schemas.microsoft.com/office/drawing/2014/main" id="{21C87F93-37F3-4740-B471-E34D243F6EAB}"/>
-              </a:ext>
-            </a:extLst>
-          </p:cNvPr>
-          <p:cNvPicPr>
-            <a:picLocks noChangeAspect="1" noChangeArrowheads="1"/>
-          </p:cNvPicPr>
-          <p:nvPr/>
-        </p:nvPicPr>
-        <p:blipFill rotWithShape="1">
-          <a:blip r:embed="rId4">
-            <a:clrChange>
-              <a:clrFrom>
-                <a:srgbClr val="000000"/>
-              </a:clrFrom>
-              <a:clrTo>
-                <a:srgbClr val="000000">
-                  <a:alpha val="0"/>
-                </a:srgbClr>
-              </a:clrTo>
-            </a:clrChange>
-            <a:extLst>
-              <a:ext uri="{28A0092B-C50C-407E-A947-70E740481C1C}">
-                <a14:useLocalDpi xmlns:a14="http://schemas.microsoft.com/office/drawing/2010/main" val="0"/>
-              </a:ext>
-            </a:extLst>
-          </a:blip>
-          <a:srcRect l="70200" t="25715" r="12100" b="22143"/>
-          <a:stretch/>
-        </p:blipFill>
-        <p:spPr bwMode="auto">
-          <a:xfrm>
-            <a:off x="10680456" y="309142"/>
-            <a:ext cx="1104091" cy="1366079"/>
-          </a:xfrm>
-          <a:prstGeom prst="rect">
-            <a:avLst/>
-          </a:prstGeom>
-          <a:noFill/>
-          <a:extLst>
-            <a:ext uri="{909E8E84-426E-40DD-AFC4-6F175D3DCCD1}">
-              <a14:hiddenFill xmlns:a14="http://schemas.microsoft.com/office/drawing/2010/main">
-                <a:solidFill>
-                  <a:srgbClr val="FFFFFF"/>
-                </a:solidFill>
-              </a14:hiddenFill>
-            </a:ext>
-          </a:extLst>
-        </p:spPr>
-      </p:pic>
-    </p:spTree>
-    <p:extLst>
-      <p:ext uri="{BB962C8B-B14F-4D97-AF65-F5344CB8AC3E}">
-        <p14:creationId xmlns:p14="http://schemas.microsoft.com/office/powerpoint/2010/main" val="3626974701"/>
-      </p:ext>
-    </p:extLst>
-  </p:cSld>
-  <p:clrMapOvr>
-    <a:masterClrMapping/>
-  </p:clrMapOvr>
-</p:sld>
-</file>
-
-<file path=ppt/slides/slide6.xml><?xml version="1.0" encoding="utf-8"?>
 <p:sld xmlns:a="http://schemas.openxmlformats.org/drawingml/2006/main" xmlns:r="http://schemas.openxmlformats.org/officeDocument/2006/relationships" xmlns:p="http://schemas.openxmlformats.org/presentationml/2006/main">
   <p:cSld>
     <p:spTree>
@@ -19215,7 +18703,7 @@
 </p:sld>
 </file>
 
-<file path=ppt/slides/slide7.xml><?xml version="1.0" encoding="utf-8"?>
+<file path=ppt/slides/slide6.xml><?xml version="1.0" encoding="utf-8"?>
 <p:sld xmlns:a="http://schemas.openxmlformats.org/drawingml/2006/main" xmlns:r="http://schemas.openxmlformats.org/officeDocument/2006/relationships" xmlns:p="http://schemas.openxmlformats.org/presentationml/2006/main">
   <p:cSld>
     <p:spTree>
@@ -19790,7 +19278,7 @@
 </p:sld>
 </file>
 
-<file path=ppt/slides/slide8.xml><?xml version="1.0" encoding="utf-8"?>
+<file path=ppt/slides/slide7.xml><?xml version="1.0" encoding="utf-8"?>
 <p:sld xmlns:a="http://schemas.openxmlformats.org/drawingml/2006/main" xmlns:r="http://schemas.openxmlformats.org/officeDocument/2006/relationships" xmlns:p="http://schemas.openxmlformats.org/presentationml/2006/main">
   <p:cSld>
     <p:spTree>
@@ -20811,7 +20299,7 @@
 </p:sld>
 </file>
 
-<file path=ppt/slides/slide9.xml><?xml version="1.0" encoding="utf-8"?>
+<file path=ppt/slides/slide8.xml><?xml version="1.0" encoding="utf-8"?>
 <p:sld xmlns:a="http://schemas.openxmlformats.org/drawingml/2006/main" xmlns:r="http://schemas.openxmlformats.org/officeDocument/2006/relationships" xmlns:p="http://schemas.openxmlformats.org/presentationml/2006/main">
   <p:cSld>
     <p:spTree>
@@ -21246,6 +20734,246 @@
     <p:extLst>
       <p:ext uri="{BB962C8B-B14F-4D97-AF65-F5344CB8AC3E}">
         <p14:creationId xmlns:p14="http://schemas.microsoft.com/office/powerpoint/2010/main" val="569165686"/>
+      </p:ext>
+    </p:extLst>
+  </p:cSld>
+  <p:clrMapOvr>
+    <a:masterClrMapping/>
+  </p:clrMapOvr>
+</p:sld>
+</file>
+
+<file path=ppt/slides/slide9.xml><?xml version="1.0" encoding="utf-8"?>
+<p:sld xmlns:a="http://schemas.openxmlformats.org/drawingml/2006/main" xmlns:r="http://schemas.openxmlformats.org/officeDocument/2006/relationships" xmlns:p="http://schemas.openxmlformats.org/presentationml/2006/main">
+  <p:cSld>
+    <p:spTree>
+      <p:nvGrpSpPr>
+        <p:cNvPr id="1" name="Shape 90"/>
+        <p:cNvGrpSpPr/>
+        <p:nvPr/>
+      </p:nvGrpSpPr>
+      <p:grpSpPr>
+        <a:xfrm>
+          <a:off x="0" y="0"/>
+          <a:ext cx="0" cy="0"/>
+          <a:chOff x="0" y="0"/>
+          <a:chExt cx="0" cy="0"/>
+        </a:xfrm>
+      </p:grpSpPr>
+      <p:sp>
+        <p:nvSpPr>
+          <p:cNvPr id="91" name="Google Shape;91;p2"/>
+          <p:cNvSpPr txBox="1">
+            <a:spLocks noGrp="1"/>
+          </p:cNvSpPr>
+          <p:nvPr>
+            <p:ph type="title"/>
+          </p:nvPr>
+        </p:nvSpPr>
+        <p:spPr>
+          <a:xfrm>
+            <a:off x="716902" y="290092"/>
+            <a:ext cx="10515600" cy="1325563"/>
+          </a:xfrm>
+          <a:prstGeom prst="rect">
+            <a:avLst/>
+          </a:prstGeom>
+          <a:noFill/>
+          <a:ln>
+            <a:noFill/>
+          </a:ln>
+        </p:spPr>
+        <p:txBody>
+          <a:bodyPr spcFirstLastPara="1" wrap="square" lIns="91425" tIns="45700" rIns="91425" bIns="45700" anchor="ctr" anchorCtr="0">
+            <a:normAutofit/>
+          </a:bodyPr>
+          <a:lstStyle/>
+          <a:p>
+            <a:pPr marL="0" lvl="0" indent="0" algn="l" rtl="0">
+              <a:lnSpc>
+                <a:spcPct val="90000"/>
+              </a:lnSpc>
+              <a:spcBef>
+                <a:spcPts val="0"/>
+              </a:spcBef>
+              <a:spcAft>
+                <a:spcPts val="0"/>
+              </a:spcAft>
+              <a:buClr>
+                <a:schemeClr val="lt1"/>
+              </a:buClr>
+              <a:buSzPts val="4400"/>
+              <a:buFont typeface="Calibri"/>
+              <a:buNone/>
+            </a:pPr>
+            <a:r>
+              <a:rPr lang="es-ES" dirty="0" err="1"/>
+              <a:t>OpenCV</a:t>
+            </a:r>
+            <a:endParaRPr dirty="0"/>
+          </a:p>
+        </p:txBody>
+      </p:sp>
+      <p:sp>
+        <p:nvSpPr>
+          <p:cNvPr id="93" name="Google Shape;93;p2"/>
+          <p:cNvSpPr/>
+          <p:nvPr/>
+        </p:nvSpPr>
+        <p:spPr>
+          <a:xfrm>
+            <a:off x="497691" y="763312"/>
+            <a:ext cx="90138" cy="654341"/>
+          </a:xfrm>
+          <a:prstGeom prst="rect">
+            <a:avLst/>
+          </a:prstGeom>
+          <a:solidFill>
+            <a:srgbClr val="C00000"/>
+          </a:solidFill>
+          <a:ln>
+            <a:noFill/>
+          </a:ln>
+        </p:spPr>
+        <p:txBody>
+          <a:bodyPr spcFirstLastPara="1" wrap="square" lIns="91425" tIns="45700" rIns="91425" bIns="45700" anchor="ctr" anchorCtr="0">
+            <a:noAutofit/>
+          </a:bodyPr>
+          <a:lstStyle/>
+          <a:p>
+            <a:pPr marL="0" marR="0" lvl="0" indent="0" algn="ctr" rtl="0">
+              <a:lnSpc>
+                <a:spcPct val="100000"/>
+              </a:lnSpc>
+              <a:spcBef>
+                <a:spcPts val="0"/>
+              </a:spcBef>
+              <a:spcAft>
+                <a:spcPts val="0"/>
+              </a:spcAft>
+              <a:buClr>
+                <a:srgbClr val="000000"/>
+              </a:buClr>
+              <a:buSzPts val="1800"/>
+              <a:buFont typeface="Arial"/>
+              <a:buNone/>
+            </a:pPr>
+            <a:endParaRPr sz="1800" b="0" i="0" u="none" strike="noStrike" cap="none">
+              <a:solidFill>
+                <a:schemeClr val="lt1"/>
+              </a:solidFill>
+              <a:latin typeface="Calibri"/>
+              <a:ea typeface="Calibri"/>
+              <a:cs typeface="Calibri"/>
+              <a:sym typeface="Calibri"/>
+            </a:endParaRPr>
+          </a:p>
+        </p:txBody>
+      </p:sp>
+      <p:pic>
+        <p:nvPicPr>
+          <p:cNvPr id="6" name="Picture 4" descr="Adding OpenCV 4.1.2 to Visual Studio 2019 Project in Windows using  Pre-built binaries | by Ye Joo Park | Medium">
+            <a:extLst>
+              <a:ext uri="{FF2B5EF4-FFF2-40B4-BE49-F238E27FC236}">
+                <a16:creationId xmlns:a16="http://schemas.microsoft.com/office/drawing/2014/main" id="{21C87F93-37F3-4740-B471-E34D243F6EAB}"/>
+              </a:ext>
+            </a:extLst>
+          </p:cNvPr>
+          <p:cNvPicPr>
+            <a:picLocks noChangeAspect="1" noChangeArrowheads="1"/>
+          </p:cNvPicPr>
+          <p:nvPr/>
+        </p:nvPicPr>
+        <p:blipFill rotWithShape="1">
+          <a:blip r:embed="rId3">
+            <a:clrChange>
+              <a:clrFrom>
+                <a:srgbClr val="000000"/>
+              </a:clrFrom>
+              <a:clrTo>
+                <a:srgbClr val="000000">
+                  <a:alpha val="0"/>
+                </a:srgbClr>
+              </a:clrTo>
+            </a:clrChange>
+            <a:extLst>
+              <a:ext uri="{28A0092B-C50C-407E-A947-70E740481C1C}">
+                <a14:useLocalDpi xmlns:a14="http://schemas.microsoft.com/office/drawing/2010/main" val="0"/>
+              </a:ext>
+            </a:extLst>
+          </a:blip>
+          <a:srcRect l="70200" t="25715" r="12100" b="22143"/>
+          <a:stretch/>
+        </p:blipFill>
+        <p:spPr bwMode="auto">
+          <a:xfrm>
+            <a:off x="10680456" y="309142"/>
+            <a:ext cx="1104091" cy="1366079"/>
+          </a:xfrm>
+          <a:prstGeom prst="rect">
+            <a:avLst/>
+          </a:prstGeom>
+          <a:noFill/>
+          <a:extLst>
+            <a:ext uri="{909E8E84-426E-40DD-AFC4-6F175D3DCCD1}">
+              <a14:hiddenFill xmlns:a14="http://schemas.microsoft.com/office/drawing/2010/main">
+                <a:solidFill>
+                  <a:srgbClr val="FFFFFF"/>
+                </a:solidFill>
+              </a14:hiddenFill>
+            </a:ext>
+          </a:extLst>
+        </p:spPr>
+      </p:pic>
+      <p:pic>
+        <p:nvPicPr>
+          <p:cNvPr id="1026" name="Picture 2">
+            <a:extLst>
+              <a:ext uri="{FF2B5EF4-FFF2-40B4-BE49-F238E27FC236}">
+                <a16:creationId xmlns:a16="http://schemas.microsoft.com/office/drawing/2014/main" id="{CDE4F1E1-E60C-4C33-8620-3379A291DB9B}"/>
+              </a:ext>
+            </a:extLst>
+          </p:cNvPr>
+          <p:cNvPicPr>
+            <a:picLocks noChangeAspect="1" noChangeArrowheads="1"/>
+          </p:cNvPicPr>
+          <p:nvPr/>
+        </p:nvPicPr>
+        <p:blipFill rotWithShape="1">
+          <a:blip r:embed="rId4">
+            <a:extLst>
+              <a:ext uri="{28A0092B-C50C-407E-A947-70E740481C1C}">
+                <a14:useLocalDpi xmlns:a14="http://schemas.microsoft.com/office/drawing/2010/main" val="0"/>
+              </a:ext>
+            </a:extLst>
+          </a:blip>
+          <a:srcRect l="15782" t="25681" r="20131" b="17545"/>
+          <a:stretch/>
+        </p:blipFill>
+        <p:spPr bwMode="auto">
+          <a:xfrm>
+            <a:off x="3426541" y="1990295"/>
+            <a:ext cx="5338917" cy="3547333"/>
+          </a:xfrm>
+          <a:prstGeom prst="rect">
+            <a:avLst/>
+          </a:prstGeom>
+          <a:noFill/>
+          <a:extLst>
+            <a:ext uri="{909E8E84-426E-40DD-AFC4-6F175D3DCCD1}">
+              <a14:hiddenFill xmlns:a14="http://schemas.microsoft.com/office/drawing/2010/main">
+                <a:solidFill>
+                  <a:srgbClr val="FFFFFF"/>
+                </a:solidFill>
+              </a14:hiddenFill>
+            </a:ext>
+          </a:extLst>
+        </p:spPr>
+      </p:pic>
+    </p:spTree>
+    <p:extLst>
+      <p:ext uri="{BB962C8B-B14F-4D97-AF65-F5344CB8AC3E}">
+        <p14:creationId xmlns:p14="http://schemas.microsoft.com/office/powerpoint/2010/main" val="1920300517"/>
       </p:ext>
     </p:extLst>
   </p:cSld>

--- a/Presentacion_OpenCV.pptx
+++ b/Presentacion_OpenCV.pptx
@@ -257,10 +257,739 @@
       <p15:sldGuideLst xmlns:p15="http://schemas.microsoft.com/office/powerpoint/2012/main"/>
     </p:ext>
     <p:ext uri="http://customooxmlschemas.google.com/">
-      <go:slidesCustomData xmlns:go="http://customooxmlschemas.google.com/" xmlns:ahyp="http://schemas.microsoft.com/office/drawing/2018/hyperlinkcolor" xmlns:p15="http://schemas.microsoft.com/office/powerpoint/2012/main" xmlns:p14="http://schemas.microsoft.com/office/powerpoint/2010/main" xmlns:com="http://schemas.openxmlformats.org/drawingml/2006/compatibility" xmlns:pvml="urn:schemas-microsoft-com:office:powerpoint" xmlns:v="urn:schemas-microsoft-com:vml" xmlns:o="urn:schemas-microsoft-com:office:office" xmlns:dgm="http://schemas.openxmlformats.org/drawingml/2006/diagram" xmlns:c="http://schemas.openxmlformats.org/drawingml/2006/chart" xmlns:mv="urn:schemas-microsoft-com:mac:vml" xmlns:mc="http://schemas.openxmlformats.org/markup-compatibility/2006" xmlns="" r:id="rId26" roundtripDataSignature="AMtx7mi02RDWfi8lTjsz24NoUUQUySzOHA=="/>
+      <go:slidesCustomData xmlns="" xmlns:mc="http://schemas.openxmlformats.org/markup-compatibility/2006" xmlns:mv="urn:schemas-microsoft-com:mac:vml" xmlns:c="http://schemas.openxmlformats.org/drawingml/2006/chart" xmlns:dgm="http://schemas.openxmlformats.org/drawingml/2006/diagram" xmlns:o="urn:schemas-microsoft-com:office:office" xmlns:v="urn:schemas-microsoft-com:vml" xmlns:pvml="urn:schemas-microsoft-com:office:powerpoint" xmlns:com="http://schemas.openxmlformats.org/drawingml/2006/compatibility" xmlns:p14="http://schemas.microsoft.com/office/powerpoint/2010/main" xmlns:p15="http://schemas.microsoft.com/office/powerpoint/2012/main" xmlns:ahyp="http://schemas.microsoft.com/office/drawing/2018/hyperlinkcolor" xmlns:go="http://customooxmlschemas.google.com/" r:id="rId26" roundtripDataSignature="AMtx7mi02RDWfi8lTjsz24NoUUQUySzOHA=="/>
     </p:ext>
   </p:extLst>
 </p:presentation>
+</file>
+
+<file path=ppt/ink/ink1.xml><?xml version="1.0" encoding="utf-8"?>
+<inkml:ink xmlns:inkml="http://www.w3.org/2003/InkML">
+  <inkml:definitions>
+    <inkml:context xml:id="ctx0">
+      <inkml:inkSource xml:id="inkSrc0">
+        <inkml:traceFormat>
+          <inkml:channel name="X" type="integer" min="-2.14748E9" max="2.14748E9" units="cm"/>
+          <inkml:channel name="Y" type="integer" min="-2.14748E9" max="2.14748E9" units="cm"/>
+          <inkml:channel name="F" type="integer" max="32767" units="dev"/>
+        </inkml:traceFormat>
+        <inkml:channelProperties>
+          <inkml:channelProperty channel="X" name="resolution" value="1000" units="1/cm"/>
+          <inkml:channelProperty channel="Y" name="resolution" value="1000" units="1/cm"/>
+          <inkml:channelProperty channel="F" name="resolution" value="0" units="1/dev"/>
+        </inkml:channelProperties>
+      </inkml:inkSource>
+      <inkml:timestamp xml:id="ts0" timeString="2024-04-23T23:23:32.678"/>
+    </inkml:context>
+    <inkml:brush xml:id="br0">
+      <inkml:brushProperty name="width" value="0.035" units="cm"/>
+      <inkml:brushProperty name="height" value="0.035" units="cm"/>
+    </inkml:brush>
+  </inkml:definitions>
+  <inkml:trace contextRef="#ctx0" brushRef="#br0">723 53 24575,'-530'0'0,"522"1"0,0 0 0,-1 0 0,1 1 0,0 0 0,0 1 0,-14 5 0,14-4 0,-1-1 0,1 0 0,-1 0 0,0-1 0,-18 2 0,19-4 0,5 1 0,-1-1 0,1 1 0,0-1 0,0 0 0,0 0 0,0 0 0,-1-1 0,1 1 0,0-1 0,0 0 0,-6-2 0,9 2 0,0 1 0,1-1 0,-1 0 0,0 0 0,1 1 0,-1-1 0,0 0 0,1 1 0,-1-1 0,1 0 0,-1 1 0,1-1 0,-1 1 0,1-1 0,0 1 0,-1-1 0,1 1 0,-1-1 0,1 1 0,0-1 0,0 1 0,-1 0 0,1-1 0,0 1 0,1 0 0,21-11 0,-2 4 0,1 2 0,0 0 0,0 1 0,0 2 0,43-1 0,-54 3 22,0-1 0,-1-1 0,1 0 0,-1-1 1,19-6-1,30-7-1520,-43 14-5328</inkml:trace>
+</inkml:ink>
+</file>
+
+<file path=ppt/ink/ink10.xml><?xml version="1.0" encoding="utf-8"?>
+<inkml:ink xmlns:inkml="http://www.w3.org/2003/InkML">
+  <inkml:definitions>
+    <inkml:context xml:id="ctx0">
+      <inkml:inkSource xml:id="inkSrc0">
+        <inkml:traceFormat>
+          <inkml:channel name="X" type="integer" min="-2.14748E9" max="2.14748E9" units="cm"/>
+          <inkml:channel name="Y" type="integer" min="-2.14748E9" max="2.14748E9" units="cm"/>
+          <inkml:channel name="F" type="integer" max="32767" units="dev"/>
+        </inkml:traceFormat>
+        <inkml:channelProperties>
+          <inkml:channelProperty channel="X" name="resolution" value="1000" units="1/cm"/>
+          <inkml:channelProperty channel="Y" name="resolution" value="1000" units="1/cm"/>
+          <inkml:channelProperty channel="F" name="resolution" value="0" units="1/dev"/>
+        </inkml:channelProperties>
+      </inkml:inkSource>
+      <inkml:timestamp xml:id="ts0" timeString="2024-04-23T23:23:47.412"/>
+    </inkml:context>
+    <inkml:brush xml:id="br0">
+      <inkml:brushProperty name="width" value="0.35" units="cm"/>
+      <inkml:brushProperty name="height" value="0.35" units="cm"/>
+    </inkml:brush>
+  </inkml:definitions>
+  <inkml:trace contextRef="#ctx0" brushRef="#br0">0 1 24575</inkml:trace>
+</inkml:ink>
+</file>
+
+<file path=ppt/ink/ink11.xml><?xml version="1.0" encoding="utf-8"?>
+<inkml:ink xmlns:inkml="http://www.w3.org/2003/InkML">
+  <inkml:definitions>
+    <inkml:context xml:id="ctx0">
+      <inkml:inkSource xml:id="inkSrc0">
+        <inkml:traceFormat>
+          <inkml:channel name="X" type="integer" min="-2.14748E9" max="2.14748E9" units="cm"/>
+          <inkml:channel name="Y" type="integer" min="-2.14748E9" max="2.14748E9" units="cm"/>
+          <inkml:channel name="F" type="integer" max="32767" units="dev"/>
+        </inkml:traceFormat>
+        <inkml:channelProperties>
+          <inkml:channelProperty channel="X" name="resolution" value="1000" units="1/cm"/>
+          <inkml:channelProperty channel="Y" name="resolution" value="1000" units="1/cm"/>
+          <inkml:channelProperty channel="F" name="resolution" value="0" units="1/dev"/>
+        </inkml:channelProperties>
+      </inkml:inkSource>
+      <inkml:timestamp xml:id="ts0" timeString="2024-04-23T23:23:48.761"/>
+    </inkml:context>
+    <inkml:brush xml:id="br0">
+      <inkml:brushProperty name="width" value="0.35" units="cm"/>
+      <inkml:brushProperty name="height" value="0.35" units="cm"/>
+    </inkml:brush>
+  </inkml:definitions>
+  <inkml:trace contextRef="#ctx0" brushRef="#br0">1 1 24575</inkml:trace>
+</inkml:ink>
+</file>
+
+<file path=ppt/ink/ink12.xml><?xml version="1.0" encoding="utf-8"?>
+<inkml:ink xmlns:inkml="http://www.w3.org/2003/InkML">
+  <inkml:definitions>
+    <inkml:context xml:id="ctx0">
+      <inkml:inkSource xml:id="inkSrc0">
+        <inkml:traceFormat>
+          <inkml:channel name="X" type="integer" min="-2.14748E9" max="2.14748E9" units="cm"/>
+          <inkml:channel name="Y" type="integer" min="-2.14748E9" max="2.14748E9" units="cm"/>
+          <inkml:channel name="F" type="integer" max="32767" units="dev"/>
+        </inkml:traceFormat>
+        <inkml:channelProperties>
+          <inkml:channelProperty channel="X" name="resolution" value="1000" units="1/cm"/>
+          <inkml:channelProperty channel="Y" name="resolution" value="1000" units="1/cm"/>
+          <inkml:channelProperty channel="F" name="resolution" value="0" units="1/dev"/>
+        </inkml:channelProperties>
+      </inkml:inkSource>
+      <inkml:timestamp xml:id="ts0" timeString="2024-04-23T23:23:49.261"/>
+    </inkml:context>
+    <inkml:brush xml:id="br0">
+      <inkml:brushProperty name="width" value="0.35" units="cm"/>
+      <inkml:brushProperty name="height" value="0.35" units="cm"/>
+    </inkml:brush>
+  </inkml:definitions>
+  <inkml:trace contextRef="#ctx0" brushRef="#br0">0 1 24575</inkml:trace>
+</inkml:ink>
+</file>
+
+<file path=ppt/ink/ink13.xml><?xml version="1.0" encoding="utf-8"?>
+<inkml:ink xmlns:inkml="http://www.w3.org/2003/InkML">
+  <inkml:definitions>
+    <inkml:context xml:id="ctx0">
+      <inkml:inkSource xml:id="inkSrc0">
+        <inkml:traceFormat>
+          <inkml:channel name="X" type="integer" min="-2.14748E9" max="2.14748E9" units="cm"/>
+          <inkml:channel name="Y" type="integer" min="-2.14748E9" max="2.14748E9" units="cm"/>
+          <inkml:channel name="F" type="integer" max="32767" units="dev"/>
+        </inkml:traceFormat>
+        <inkml:channelProperties>
+          <inkml:channelProperty channel="X" name="resolution" value="1000" units="1/cm"/>
+          <inkml:channelProperty channel="Y" name="resolution" value="1000" units="1/cm"/>
+          <inkml:channelProperty channel="F" name="resolution" value="0" units="1/dev"/>
+        </inkml:channelProperties>
+      </inkml:inkSource>
+      <inkml:timestamp xml:id="ts0" timeString="2024-04-23T23:23:49.741"/>
+    </inkml:context>
+    <inkml:brush xml:id="br0">
+      <inkml:brushProperty name="width" value="0.35" units="cm"/>
+      <inkml:brushProperty name="height" value="0.35" units="cm"/>
+    </inkml:brush>
+  </inkml:definitions>
+  <inkml:trace contextRef="#ctx0" brushRef="#br0">0 1 24575,'0'0'-8191</inkml:trace>
+</inkml:ink>
+</file>
+
+<file path=ppt/ink/ink14.xml><?xml version="1.0" encoding="utf-8"?>
+<inkml:ink xmlns:inkml="http://www.w3.org/2003/InkML">
+  <inkml:definitions>
+    <inkml:context xml:id="ctx0">
+      <inkml:inkSource xml:id="inkSrc0">
+        <inkml:traceFormat>
+          <inkml:channel name="X" type="integer" min="-2.14748E9" max="2.14748E9" units="cm"/>
+          <inkml:channel name="Y" type="integer" min="-2.14748E9" max="2.14748E9" units="cm"/>
+          <inkml:channel name="F" type="integer" max="32767" units="dev"/>
+        </inkml:traceFormat>
+        <inkml:channelProperties>
+          <inkml:channelProperty channel="X" name="resolution" value="1000" units="1/cm"/>
+          <inkml:channelProperty channel="Y" name="resolution" value="1000" units="1/cm"/>
+          <inkml:channelProperty channel="F" name="resolution" value="0" units="1/dev"/>
+        </inkml:channelProperties>
+      </inkml:inkSource>
+      <inkml:timestamp xml:id="ts0" timeString="2024-04-23T23:23:50.239"/>
+    </inkml:context>
+    <inkml:brush xml:id="br0">
+      <inkml:brushProperty name="width" value="0.35" units="cm"/>
+      <inkml:brushProperty name="height" value="0.35" units="cm"/>
+    </inkml:brush>
+  </inkml:definitions>
+  <inkml:trace contextRef="#ctx0" brushRef="#br0">0 1 24575,'0'0'-8191</inkml:trace>
+</inkml:ink>
+</file>
+
+<file path=ppt/ink/ink15.xml><?xml version="1.0" encoding="utf-8"?>
+<inkml:ink xmlns:inkml="http://www.w3.org/2003/InkML">
+  <inkml:definitions>
+    <inkml:context xml:id="ctx0">
+      <inkml:inkSource xml:id="inkSrc0">
+        <inkml:traceFormat>
+          <inkml:channel name="X" type="integer" min="-2.14748E9" max="2.14748E9" units="cm"/>
+          <inkml:channel name="Y" type="integer" min="-2.14748E9" max="2.14748E9" units="cm"/>
+          <inkml:channel name="F" type="integer" max="32767" units="dev"/>
+        </inkml:traceFormat>
+        <inkml:channelProperties>
+          <inkml:channelProperty channel="X" name="resolution" value="1000" units="1/cm"/>
+          <inkml:channelProperty channel="Y" name="resolution" value="1000" units="1/cm"/>
+          <inkml:channelProperty channel="F" name="resolution" value="0" units="1/dev"/>
+        </inkml:channelProperties>
+      </inkml:inkSource>
+      <inkml:timestamp xml:id="ts0" timeString="2024-04-23T23:23:51.282"/>
+    </inkml:context>
+    <inkml:brush xml:id="br0">
+      <inkml:brushProperty name="width" value="0.35" units="cm"/>
+      <inkml:brushProperty name="height" value="0.35" units="cm"/>
+    </inkml:brush>
+  </inkml:definitions>
+  <inkml:trace contextRef="#ctx0" brushRef="#br0">0 1 24575,'0'0'-8191</inkml:trace>
+</inkml:ink>
+</file>
+
+<file path=ppt/ink/ink16.xml><?xml version="1.0" encoding="utf-8"?>
+<inkml:ink xmlns:inkml="http://www.w3.org/2003/InkML">
+  <inkml:definitions>
+    <inkml:context xml:id="ctx0">
+      <inkml:inkSource xml:id="inkSrc0">
+        <inkml:traceFormat>
+          <inkml:channel name="X" type="integer" min="-2.14748E9" max="2.14748E9" units="cm"/>
+          <inkml:channel name="Y" type="integer" min="-2.14748E9" max="2.14748E9" units="cm"/>
+          <inkml:channel name="F" type="integer" max="32767" units="dev"/>
+        </inkml:traceFormat>
+        <inkml:channelProperties>
+          <inkml:channelProperty channel="X" name="resolution" value="1000" units="1/cm"/>
+          <inkml:channelProperty channel="Y" name="resolution" value="1000" units="1/cm"/>
+          <inkml:channelProperty channel="F" name="resolution" value="0" units="1/dev"/>
+        </inkml:channelProperties>
+      </inkml:inkSource>
+      <inkml:timestamp xml:id="ts0" timeString="2024-04-23T23:23:52.398"/>
+    </inkml:context>
+    <inkml:brush xml:id="br0">
+      <inkml:brushProperty name="width" value="0.35" units="cm"/>
+      <inkml:brushProperty name="height" value="0.35" units="cm"/>
+    </inkml:brush>
+  </inkml:definitions>
+  <inkml:trace contextRef="#ctx0" brushRef="#br0">0 1 24575</inkml:trace>
+</inkml:ink>
+</file>
+
+<file path=ppt/ink/ink17.xml><?xml version="1.0" encoding="utf-8"?>
+<inkml:ink xmlns:inkml="http://www.w3.org/2003/InkML">
+  <inkml:definitions>
+    <inkml:context xml:id="ctx0">
+      <inkml:inkSource xml:id="inkSrc0">
+        <inkml:traceFormat>
+          <inkml:channel name="X" type="integer" min="-2.14748E9" max="2.14748E9" units="cm"/>
+          <inkml:channel name="Y" type="integer" min="-2.14748E9" max="2.14748E9" units="cm"/>
+          <inkml:channel name="F" type="integer" max="32767" units="dev"/>
+        </inkml:traceFormat>
+        <inkml:channelProperties>
+          <inkml:channelProperty channel="X" name="resolution" value="1000" units="1/cm"/>
+          <inkml:channelProperty channel="Y" name="resolution" value="1000" units="1/cm"/>
+          <inkml:channelProperty channel="F" name="resolution" value="0" units="1/dev"/>
+        </inkml:channelProperties>
+      </inkml:inkSource>
+      <inkml:timestamp xml:id="ts0" timeString="2024-04-23T23:23:53.444"/>
+    </inkml:context>
+    <inkml:brush xml:id="br0">
+      <inkml:brushProperty name="width" value="0.35" units="cm"/>
+      <inkml:brushProperty name="height" value="0.35" units="cm"/>
+    </inkml:brush>
+  </inkml:definitions>
+  <inkml:trace contextRef="#ctx0" brushRef="#br0">0 1 24575</inkml:trace>
+</inkml:ink>
+</file>
+
+<file path=ppt/ink/ink18.xml><?xml version="1.0" encoding="utf-8"?>
+<inkml:ink xmlns:inkml="http://www.w3.org/2003/InkML">
+  <inkml:definitions>
+    <inkml:context xml:id="ctx0">
+      <inkml:inkSource xml:id="inkSrc0">
+        <inkml:traceFormat>
+          <inkml:channel name="X" type="integer" min="-2.14748E9" max="2.14748E9" units="cm"/>
+          <inkml:channel name="Y" type="integer" min="-2.14748E9" max="2.14748E9" units="cm"/>
+          <inkml:channel name="F" type="integer" max="32767" units="dev"/>
+        </inkml:traceFormat>
+        <inkml:channelProperties>
+          <inkml:channelProperty channel="X" name="resolution" value="1000" units="1/cm"/>
+          <inkml:channelProperty channel="Y" name="resolution" value="1000" units="1/cm"/>
+          <inkml:channelProperty channel="F" name="resolution" value="0" units="1/dev"/>
+        </inkml:channelProperties>
+      </inkml:inkSource>
+      <inkml:timestamp xml:id="ts0" timeString="2024-04-23T23:23:54.440"/>
+    </inkml:context>
+    <inkml:brush xml:id="br0">
+      <inkml:brushProperty name="width" value="0.35" units="cm"/>
+      <inkml:brushProperty name="height" value="0.35" units="cm"/>
+    </inkml:brush>
+  </inkml:definitions>
+  <inkml:trace contextRef="#ctx0" brushRef="#br0">0 0 24575,'0'0'-8191</inkml:trace>
+</inkml:ink>
+</file>
+
+<file path=ppt/ink/ink19.xml><?xml version="1.0" encoding="utf-8"?>
+<inkml:ink xmlns:inkml="http://www.w3.org/2003/InkML">
+  <inkml:definitions>
+    <inkml:context xml:id="ctx0">
+      <inkml:inkSource xml:id="inkSrc0">
+        <inkml:traceFormat>
+          <inkml:channel name="X" type="integer" min="-2.14748E9" max="2.14748E9" units="cm"/>
+          <inkml:channel name="Y" type="integer" min="-2.14748E9" max="2.14748E9" units="cm"/>
+          <inkml:channel name="F" type="integer" max="32767" units="dev"/>
+        </inkml:traceFormat>
+        <inkml:channelProperties>
+          <inkml:channelProperty channel="X" name="resolution" value="1000" units="1/cm"/>
+          <inkml:channelProperty channel="Y" name="resolution" value="1000" units="1/cm"/>
+          <inkml:channelProperty channel="F" name="resolution" value="0" units="1/dev"/>
+        </inkml:channelProperties>
+      </inkml:inkSource>
+      <inkml:timestamp xml:id="ts0" timeString="2024-04-23T23:23:55.093"/>
+    </inkml:context>
+    <inkml:brush xml:id="br0">
+      <inkml:brushProperty name="width" value="0.35" units="cm"/>
+      <inkml:brushProperty name="height" value="0.35" units="cm"/>
+    </inkml:brush>
+  </inkml:definitions>
+  <inkml:trace contextRef="#ctx0" brushRef="#br0">0 3 24575,'0'-3'0</inkml:trace>
+</inkml:ink>
+</file>
+
+<file path=ppt/ink/ink2.xml><?xml version="1.0" encoding="utf-8"?>
+<inkml:ink xmlns:inkml="http://www.w3.org/2003/InkML">
+  <inkml:definitions>
+    <inkml:context xml:id="ctx0">
+      <inkml:inkSource xml:id="inkSrc0">
+        <inkml:traceFormat>
+          <inkml:channel name="X" type="integer" min="-2.14748E9" max="2.14748E9" units="cm"/>
+          <inkml:channel name="Y" type="integer" min="-2.14748E9" max="2.14748E9" units="cm"/>
+          <inkml:channel name="F" type="integer" max="32767" units="dev"/>
+        </inkml:traceFormat>
+        <inkml:channelProperties>
+          <inkml:channelProperty channel="X" name="resolution" value="1000" units="1/cm"/>
+          <inkml:channelProperty channel="Y" name="resolution" value="1000" units="1/cm"/>
+          <inkml:channelProperty channel="F" name="resolution" value="0" units="1/dev"/>
+        </inkml:channelProperties>
+      </inkml:inkSource>
+      <inkml:timestamp xml:id="ts0" timeString="2024-04-23T23:23:38.136"/>
+    </inkml:context>
+    <inkml:brush xml:id="br0">
+      <inkml:brushProperty name="width" value="0.35" units="cm"/>
+      <inkml:brushProperty name="height" value="0.35" units="cm"/>
+    </inkml:brush>
+  </inkml:definitions>
+  <inkml:trace contextRef="#ctx0" brushRef="#br0">1 1 24575,'0'0'-8191</inkml:trace>
+</inkml:ink>
+</file>
+
+<file path=ppt/ink/ink20.xml><?xml version="1.0" encoding="utf-8"?>
+<inkml:ink xmlns:inkml="http://www.w3.org/2003/InkML">
+  <inkml:definitions>
+    <inkml:context xml:id="ctx0">
+      <inkml:inkSource xml:id="inkSrc0">
+        <inkml:traceFormat>
+          <inkml:channel name="X" type="integer" min="-2.14748E9" max="2.14748E9" units="cm"/>
+          <inkml:channel name="Y" type="integer" min="-2.14748E9" max="2.14748E9" units="cm"/>
+          <inkml:channel name="F" type="integer" max="32767" units="dev"/>
+        </inkml:traceFormat>
+        <inkml:channelProperties>
+          <inkml:channelProperty channel="X" name="resolution" value="1000" units="1/cm"/>
+          <inkml:channelProperty channel="Y" name="resolution" value="1000" units="1/cm"/>
+          <inkml:channelProperty channel="F" name="resolution" value="0" units="1/dev"/>
+        </inkml:channelProperties>
+      </inkml:inkSource>
+      <inkml:timestamp xml:id="ts0" timeString="2024-04-23T23:23:56.162"/>
+    </inkml:context>
+    <inkml:brush xml:id="br0">
+      <inkml:brushProperty name="width" value="0.35" units="cm"/>
+      <inkml:brushProperty name="height" value="0.35" units="cm"/>
+    </inkml:brush>
+  </inkml:definitions>
+  <inkml:trace contextRef="#ctx0" brushRef="#br0">0 1 24575,'0'0'-8191</inkml:trace>
+</inkml:ink>
+</file>
+
+<file path=ppt/ink/ink21.xml><?xml version="1.0" encoding="utf-8"?>
+<inkml:ink xmlns:inkml="http://www.w3.org/2003/InkML">
+  <inkml:definitions>
+    <inkml:context xml:id="ctx0">
+      <inkml:inkSource xml:id="inkSrc0">
+        <inkml:traceFormat>
+          <inkml:channel name="X" type="integer" min="-2.14748E9" max="2.14748E9" units="cm"/>
+          <inkml:channel name="Y" type="integer" min="-2.14748E9" max="2.14748E9" units="cm"/>
+          <inkml:channel name="F" type="integer" max="32767" units="dev"/>
+        </inkml:traceFormat>
+        <inkml:channelProperties>
+          <inkml:channelProperty channel="X" name="resolution" value="1000" units="1/cm"/>
+          <inkml:channelProperty channel="Y" name="resolution" value="1000" units="1/cm"/>
+          <inkml:channelProperty channel="F" name="resolution" value="0" units="1/dev"/>
+        </inkml:channelProperties>
+      </inkml:inkSource>
+      <inkml:timestamp xml:id="ts0" timeString="2024-04-23T23:23:56.860"/>
+    </inkml:context>
+    <inkml:brush xml:id="br0">
+      <inkml:brushProperty name="width" value="0.35" units="cm"/>
+      <inkml:brushProperty name="height" value="0.35" units="cm"/>
+    </inkml:brush>
+  </inkml:definitions>
+  <inkml:trace contextRef="#ctx0" brushRef="#br0">0 1 24575,'0'0'-8191</inkml:trace>
+</inkml:ink>
+</file>
+
+<file path=ppt/ink/ink22.xml><?xml version="1.0" encoding="utf-8"?>
+<inkml:ink xmlns:inkml="http://www.w3.org/2003/InkML">
+  <inkml:definitions>
+    <inkml:context xml:id="ctx0">
+      <inkml:inkSource xml:id="inkSrc0">
+        <inkml:traceFormat>
+          <inkml:channel name="X" type="integer" min="-2.14748E9" max="2.14748E9" units="cm"/>
+          <inkml:channel name="Y" type="integer" min="-2.14748E9" max="2.14748E9" units="cm"/>
+          <inkml:channel name="F" type="integer" max="32767" units="dev"/>
+        </inkml:traceFormat>
+        <inkml:channelProperties>
+          <inkml:channelProperty channel="X" name="resolution" value="1000" units="1/cm"/>
+          <inkml:channelProperty channel="Y" name="resolution" value="1000" units="1/cm"/>
+          <inkml:channelProperty channel="F" name="resolution" value="0" units="1/dev"/>
+        </inkml:channelProperties>
+      </inkml:inkSource>
+      <inkml:timestamp xml:id="ts0" timeString="2024-04-23T23:23:57.915"/>
+    </inkml:context>
+    <inkml:brush xml:id="br0">
+      <inkml:brushProperty name="width" value="0.35" units="cm"/>
+      <inkml:brushProperty name="height" value="0.35" units="cm"/>
+    </inkml:brush>
+  </inkml:definitions>
+  <inkml:trace contextRef="#ctx0" brushRef="#br0">0 1 24575,'0'0'-8191</inkml:trace>
+</inkml:ink>
+</file>
+
+<file path=ppt/ink/ink23.xml><?xml version="1.0" encoding="utf-8"?>
+<inkml:ink xmlns:inkml="http://www.w3.org/2003/InkML">
+  <inkml:definitions>
+    <inkml:context xml:id="ctx0">
+      <inkml:inkSource xml:id="inkSrc0">
+        <inkml:traceFormat>
+          <inkml:channel name="X" type="integer" min="-2.14748E9" max="2.14748E9" units="cm"/>
+          <inkml:channel name="Y" type="integer" min="-2.14748E9" max="2.14748E9" units="cm"/>
+          <inkml:channel name="F" type="integer" max="32767" units="dev"/>
+        </inkml:traceFormat>
+        <inkml:channelProperties>
+          <inkml:channelProperty channel="X" name="resolution" value="1000" units="1/cm"/>
+          <inkml:channelProperty channel="Y" name="resolution" value="1000" units="1/cm"/>
+          <inkml:channelProperty channel="F" name="resolution" value="0" units="1/dev"/>
+        </inkml:channelProperties>
+      </inkml:inkSource>
+      <inkml:timestamp xml:id="ts0" timeString="2024-04-23T23:23:59.237"/>
+    </inkml:context>
+    <inkml:brush xml:id="br0">
+      <inkml:brushProperty name="width" value="0.35" units="cm"/>
+      <inkml:brushProperty name="height" value="0.35" units="cm"/>
+    </inkml:brush>
+  </inkml:definitions>
+  <inkml:trace contextRef="#ctx0" brushRef="#br0">0 1 24575</inkml:trace>
+</inkml:ink>
+</file>
+
+<file path=ppt/ink/ink24.xml><?xml version="1.0" encoding="utf-8"?>
+<inkml:ink xmlns:inkml="http://www.w3.org/2003/InkML">
+  <inkml:definitions>
+    <inkml:context xml:id="ctx0">
+      <inkml:inkSource xml:id="inkSrc0">
+        <inkml:traceFormat>
+          <inkml:channel name="X" type="integer" min="-2.14748E9" max="2.14748E9" units="cm"/>
+          <inkml:channel name="Y" type="integer" min="-2.14748E9" max="2.14748E9" units="cm"/>
+          <inkml:channel name="F" type="integer" max="32767" units="dev"/>
+        </inkml:traceFormat>
+        <inkml:channelProperties>
+          <inkml:channelProperty channel="X" name="resolution" value="1000" units="1/cm"/>
+          <inkml:channelProperty channel="Y" name="resolution" value="1000" units="1/cm"/>
+          <inkml:channelProperty channel="F" name="resolution" value="0" units="1/dev"/>
+        </inkml:channelProperties>
+      </inkml:inkSource>
+      <inkml:timestamp xml:id="ts0" timeString="2024-04-23T23:23:59.985"/>
+    </inkml:context>
+    <inkml:brush xml:id="br0">
+      <inkml:brushProperty name="width" value="0.35" units="cm"/>
+      <inkml:brushProperty name="height" value="0.35" units="cm"/>
+    </inkml:brush>
+  </inkml:definitions>
+  <inkml:trace contextRef="#ctx0" brushRef="#br0">1 3 24575,'0'-3'0</inkml:trace>
+</inkml:ink>
+</file>
+
+<file path=ppt/ink/ink25.xml><?xml version="1.0" encoding="utf-8"?>
+<inkml:ink xmlns:inkml="http://www.w3.org/2003/InkML">
+  <inkml:definitions>
+    <inkml:context xml:id="ctx0">
+      <inkml:inkSource xml:id="inkSrc0">
+        <inkml:traceFormat>
+          <inkml:channel name="X" type="integer" min="-2.14748E9" max="2.14748E9" units="cm"/>
+          <inkml:channel name="Y" type="integer" min="-2.14748E9" max="2.14748E9" units="cm"/>
+          <inkml:channel name="F" type="integer" max="32767" units="dev"/>
+        </inkml:traceFormat>
+        <inkml:channelProperties>
+          <inkml:channelProperty channel="X" name="resolution" value="1000" units="1/cm"/>
+          <inkml:channelProperty channel="Y" name="resolution" value="1000" units="1/cm"/>
+          <inkml:channelProperty channel="F" name="resolution" value="0" units="1/dev"/>
+        </inkml:channelProperties>
+      </inkml:inkSource>
+      <inkml:timestamp xml:id="ts0" timeString="2024-04-23T23:24:00.636"/>
+    </inkml:context>
+    <inkml:brush xml:id="br0">
+      <inkml:brushProperty name="width" value="0.35" units="cm"/>
+      <inkml:brushProperty name="height" value="0.35" units="cm"/>
+    </inkml:brush>
+  </inkml:definitions>
+  <inkml:trace contextRef="#ctx0" brushRef="#br0">0 1 24575,'0'0'-8191</inkml:trace>
+</inkml:ink>
+</file>
+
+<file path=ppt/ink/ink26.xml><?xml version="1.0" encoding="utf-8"?>
+<inkml:ink xmlns:inkml="http://www.w3.org/2003/InkML">
+  <inkml:definitions>
+    <inkml:context xml:id="ctx0">
+      <inkml:inkSource xml:id="inkSrc0">
+        <inkml:traceFormat>
+          <inkml:channel name="X" type="integer" min="-2.14748E9" max="2.14748E9" units="cm"/>
+          <inkml:channel name="Y" type="integer" min="-2.14748E9" max="2.14748E9" units="cm"/>
+          <inkml:channel name="F" type="integer" max="32767" units="dev"/>
+        </inkml:traceFormat>
+        <inkml:channelProperties>
+          <inkml:channelProperty channel="X" name="resolution" value="1000" units="1/cm"/>
+          <inkml:channelProperty channel="Y" name="resolution" value="1000" units="1/cm"/>
+          <inkml:channelProperty channel="F" name="resolution" value="0" units="1/dev"/>
+        </inkml:channelProperties>
+      </inkml:inkSource>
+      <inkml:timestamp xml:id="ts0" timeString="2024-04-23T23:24:01.259"/>
+    </inkml:context>
+    <inkml:brush xml:id="br0">
+      <inkml:brushProperty name="width" value="0.35" units="cm"/>
+      <inkml:brushProperty name="height" value="0.35" units="cm"/>
+    </inkml:brush>
+  </inkml:definitions>
+  <inkml:trace contextRef="#ctx0" brushRef="#br0">1 1 24575,'0'0'-8191</inkml:trace>
+</inkml:ink>
+</file>
+
+<file path=ppt/ink/ink27.xml><?xml version="1.0" encoding="utf-8"?>
+<inkml:ink xmlns:inkml="http://www.w3.org/2003/InkML">
+  <inkml:definitions>
+    <inkml:context xml:id="ctx0">
+      <inkml:inkSource xml:id="inkSrc0">
+        <inkml:traceFormat>
+          <inkml:channel name="X" type="integer" min="-2.14748E9" max="2.14748E9" units="cm"/>
+          <inkml:channel name="Y" type="integer" min="-2.14748E9" max="2.14748E9" units="cm"/>
+          <inkml:channel name="F" type="integer" max="32767" units="dev"/>
+        </inkml:traceFormat>
+        <inkml:channelProperties>
+          <inkml:channelProperty channel="X" name="resolution" value="1000" units="1/cm"/>
+          <inkml:channelProperty channel="Y" name="resolution" value="1000" units="1/cm"/>
+          <inkml:channelProperty channel="F" name="resolution" value="0" units="1/dev"/>
+        </inkml:channelProperties>
+      </inkml:inkSource>
+      <inkml:timestamp xml:id="ts0" timeString="2024-04-23T23:24:01.630"/>
+    </inkml:context>
+    <inkml:brush xml:id="br0">
+      <inkml:brushProperty name="width" value="0.35" units="cm"/>
+      <inkml:brushProperty name="height" value="0.35" units="cm"/>
+    </inkml:brush>
+  </inkml:definitions>
+  <inkml:trace contextRef="#ctx0" brushRef="#br0">1 1 24575,'0'0'-8191</inkml:trace>
+</inkml:ink>
+</file>
+
+<file path=ppt/ink/ink3.xml><?xml version="1.0" encoding="utf-8"?>
+<inkml:ink xmlns:inkml="http://www.w3.org/2003/InkML">
+  <inkml:definitions>
+    <inkml:context xml:id="ctx0">
+      <inkml:inkSource xml:id="inkSrc0">
+        <inkml:traceFormat>
+          <inkml:channel name="X" type="integer" min="-2.14748E9" max="2.14748E9" units="cm"/>
+          <inkml:channel name="Y" type="integer" min="-2.14748E9" max="2.14748E9" units="cm"/>
+          <inkml:channel name="F" type="integer" max="32767" units="dev"/>
+        </inkml:traceFormat>
+        <inkml:channelProperties>
+          <inkml:channelProperty channel="X" name="resolution" value="1000" units="1/cm"/>
+          <inkml:channelProperty channel="Y" name="resolution" value="1000" units="1/cm"/>
+          <inkml:channelProperty channel="F" name="resolution" value="0" units="1/dev"/>
+        </inkml:channelProperties>
+      </inkml:inkSource>
+      <inkml:timestamp xml:id="ts0" timeString="2024-04-23T23:23:41.113"/>
+    </inkml:context>
+    <inkml:brush xml:id="br0">
+      <inkml:brushProperty name="width" value="0.35" units="cm"/>
+      <inkml:brushProperty name="height" value="0.35" units="cm"/>
+    </inkml:brush>
+  </inkml:definitions>
+  <inkml:trace contextRef="#ctx0" brushRef="#br0">1235 3 24575,'-54'-1'0,"22"-1"0,1 2 0,-1 2 0,-56 9 0,32-2 0,44-8 0,-1 1 0,1 0 0,0 1 0,0 0 0,-17 7 0,13-5 0,-1-1 0,1 0 0,-1-2 0,0 0 0,0-1 0,1 0 0,-1-1 0,-25-4 0,-18 1 0,-43 13 0,70-6 0,-42 1 0,-331-6-1365</inkml:trace>
+</inkml:ink>
+</file>
+
+<file path=ppt/ink/ink4.xml><?xml version="1.0" encoding="utf-8"?>
+<inkml:ink xmlns:inkml="http://www.w3.org/2003/InkML">
+  <inkml:definitions>
+    <inkml:context xml:id="ctx0">
+      <inkml:inkSource xml:id="inkSrc0">
+        <inkml:traceFormat>
+          <inkml:channel name="X" type="integer" min="-2.14748E9" max="2.14748E9" units="cm"/>
+          <inkml:channel name="Y" type="integer" min="-2.14748E9" max="2.14748E9" units="cm"/>
+          <inkml:channel name="F" type="integer" max="32767" units="dev"/>
+        </inkml:traceFormat>
+        <inkml:channelProperties>
+          <inkml:channelProperty channel="X" name="resolution" value="1000" units="1/cm"/>
+          <inkml:channelProperty channel="Y" name="resolution" value="1000" units="1/cm"/>
+          <inkml:channelProperty channel="F" name="resolution" value="0" units="1/dev"/>
+        </inkml:channelProperties>
+      </inkml:inkSource>
+      <inkml:timestamp xml:id="ts0" timeString="2024-04-23T23:23:42.458"/>
+    </inkml:context>
+    <inkml:brush xml:id="br0">
+      <inkml:brushProperty name="width" value="0.35" units="cm"/>
+      <inkml:brushProperty name="height" value="0.35" units="cm"/>
+    </inkml:brush>
+  </inkml:definitions>
+  <inkml:trace contextRef="#ctx0" brushRef="#br0">0 1 24575,'0'0'-8191</inkml:trace>
+</inkml:ink>
+</file>
+
+<file path=ppt/ink/ink5.xml><?xml version="1.0" encoding="utf-8"?>
+<inkml:ink xmlns:inkml="http://www.w3.org/2003/InkML">
+  <inkml:definitions>
+    <inkml:context xml:id="ctx0">
+      <inkml:inkSource xml:id="inkSrc0">
+        <inkml:traceFormat>
+          <inkml:channel name="X" type="integer" min="-2.14748E9" max="2.14748E9" units="cm"/>
+          <inkml:channel name="Y" type="integer" min="-2.14748E9" max="2.14748E9" units="cm"/>
+          <inkml:channel name="F" type="integer" max="32767" units="dev"/>
+        </inkml:traceFormat>
+        <inkml:channelProperties>
+          <inkml:channelProperty channel="X" name="resolution" value="1000" units="1/cm"/>
+          <inkml:channelProperty channel="Y" name="resolution" value="1000" units="1/cm"/>
+          <inkml:channelProperty channel="F" name="resolution" value="0" units="1/dev"/>
+        </inkml:channelProperties>
+      </inkml:inkSource>
+      <inkml:timestamp xml:id="ts0" timeString="2024-04-23T23:23:42.802"/>
+    </inkml:context>
+    <inkml:brush xml:id="br0">
+      <inkml:brushProperty name="width" value="0.35" units="cm"/>
+      <inkml:brushProperty name="height" value="0.35" units="cm"/>
+    </inkml:brush>
+  </inkml:definitions>
+  <inkml:trace contextRef="#ctx0" brushRef="#br0">14 0 24575,'-2'0'0,"-2"3"0,-3 1 0</inkml:trace>
+</inkml:ink>
+</file>
+
+<file path=ppt/ink/ink6.xml><?xml version="1.0" encoding="utf-8"?>
+<inkml:ink xmlns:inkml="http://www.w3.org/2003/InkML">
+  <inkml:definitions>
+    <inkml:context xml:id="ctx0">
+      <inkml:inkSource xml:id="inkSrc0">
+        <inkml:traceFormat>
+          <inkml:channel name="X" type="integer" min="-2.14748E9" max="2.14748E9" units="cm"/>
+          <inkml:channel name="Y" type="integer" min="-2.14748E9" max="2.14748E9" units="cm"/>
+          <inkml:channel name="F" type="integer" max="32767" units="dev"/>
+        </inkml:traceFormat>
+        <inkml:channelProperties>
+          <inkml:channelProperty channel="X" name="resolution" value="1000" units="1/cm"/>
+          <inkml:channelProperty channel="Y" name="resolution" value="1000" units="1/cm"/>
+          <inkml:channelProperty channel="F" name="resolution" value="0" units="1/dev"/>
+        </inkml:channelProperties>
+      </inkml:inkSource>
+      <inkml:timestamp xml:id="ts0" timeString="2024-04-23T23:23:43.437"/>
+    </inkml:context>
+    <inkml:brush xml:id="br0">
+      <inkml:brushProperty name="width" value="0.35" units="cm"/>
+      <inkml:brushProperty name="height" value="0.35" units="cm"/>
+    </inkml:brush>
+  </inkml:definitions>
+  <inkml:trace contextRef="#ctx0" brushRef="#br0">0 1 24575,'0'0'-8191</inkml:trace>
+</inkml:ink>
+</file>
+
+<file path=ppt/ink/ink7.xml><?xml version="1.0" encoding="utf-8"?>
+<inkml:ink xmlns:inkml="http://www.w3.org/2003/InkML">
+  <inkml:definitions>
+    <inkml:context xml:id="ctx0">
+      <inkml:inkSource xml:id="inkSrc0">
+        <inkml:traceFormat>
+          <inkml:channel name="X" type="integer" min="-2.14748E9" max="2.14748E9" units="cm"/>
+          <inkml:channel name="Y" type="integer" min="-2.14748E9" max="2.14748E9" units="cm"/>
+          <inkml:channel name="F" type="integer" max="32767" units="dev"/>
+        </inkml:traceFormat>
+        <inkml:channelProperties>
+          <inkml:channelProperty channel="X" name="resolution" value="1000" units="1/cm"/>
+          <inkml:channelProperty channel="Y" name="resolution" value="1000" units="1/cm"/>
+          <inkml:channelProperty channel="F" name="resolution" value="0" units="1/dev"/>
+        </inkml:channelProperties>
+      </inkml:inkSource>
+      <inkml:timestamp xml:id="ts0" timeString="2024-04-23T23:23:44.165"/>
+    </inkml:context>
+    <inkml:brush xml:id="br0">
+      <inkml:brushProperty name="width" value="0.35" units="cm"/>
+      <inkml:brushProperty name="height" value="0.35" units="cm"/>
+    </inkml:brush>
+  </inkml:definitions>
+  <inkml:trace contextRef="#ctx0" brushRef="#br0">0 1 24575,'0'0'-8191</inkml:trace>
+</inkml:ink>
+</file>
+
+<file path=ppt/ink/ink8.xml><?xml version="1.0" encoding="utf-8"?>
+<inkml:ink xmlns:inkml="http://www.w3.org/2003/InkML">
+  <inkml:definitions>
+    <inkml:context xml:id="ctx0">
+      <inkml:inkSource xml:id="inkSrc0">
+        <inkml:traceFormat>
+          <inkml:channel name="X" type="integer" min="-2.14748E9" max="2.14748E9" units="cm"/>
+          <inkml:channel name="Y" type="integer" min="-2.14748E9" max="2.14748E9" units="cm"/>
+          <inkml:channel name="F" type="integer" max="32767" units="dev"/>
+        </inkml:traceFormat>
+        <inkml:channelProperties>
+          <inkml:channelProperty channel="X" name="resolution" value="1000" units="1/cm"/>
+          <inkml:channelProperty channel="Y" name="resolution" value="1000" units="1/cm"/>
+          <inkml:channelProperty channel="F" name="resolution" value="0" units="1/dev"/>
+        </inkml:channelProperties>
+      </inkml:inkSource>
+      <inkml:timestamp xml:id="ts0" timeString="2024-04-23T23:23:44.856"/>
+    </inkml:context>
+    <inkml:brush xml:id="br0">
+      <inkml:brushProperty name="width" value="0.35" units="cm"/>
+      <inkml:brushProperty name="height" value="0.35" units="cm"/>
+    </inkml:brush>
+  </inkml:definitions>
+  <inkml:trace contextRef="#ctx0" brushRef="#br0">0 1 24575,'0'0'-8191</inkml:trace>
+</inkml:ink>
+</file>
+
+<file path=ppt/ink/ink9.xml><?xml version="1.0" encoding="utf-8"?>
+<inkml:ink xmlns:inkml="http://www.w3.org/2003/InkML">
+  <inkml:definitions>
+    <inkml:context xml:id="ctx0">
+      <inkml:inkSource xml:id="inkSrc0">
+        <inkml:traceFormat>
+          <inkml:channel name="X" type="integer" min="-2.14748E9" max="2.14748E9" units="cm"/>
+          <inkml:channel name="Y" type="integer" min="-2.14748E9" max="2.14748E9" units="cm"/>
+          <inkml:channel name="F" type="integer" max="32767" units="dev"/>
+        </inkml:traceFormat>
+        <inkml:channelProperties>
+          <inkml:channelProperty channel="X" name="resolution" value="1000" units="1/cm"/>
+          <inkml:channelProperty channel="Y" name="resolution" value="1000" units="1/cm"/>
+          <inkml:channelProperty channel="F" name="resolution" value="0" units="1/dev"/>
+        </inkml:channelProperties>
+      </inkml:inkSource>
+      <inkml:timestamp xml:id="ts0" timeString="2024-04-23T23:23:45.396"/>
+    </inkml:context>
+    <inkml:brush xml:id="br0">
+      <inkml:brushProperty name="width" value="0.35" units="cm"/>
+      <inkml:brushProperty name="height" value="0.35" units="cm"/>
+    </inkml:brush>
+  </inkml:definitions>
+  <inkml:trace contextRef="#ctx0" brushRef="#br0">0 1 24575,'0'0'-8191</inkml:trace>
+</inkml:ink>
 </file>
 
 <file path=ppt/notesMasters/notesMaster1.xml><?xml version="1.0" encoding="utf-8"?>
@@ -16094,7 +16823,7 @@
         </p:nvSpPr>
         <p:spPr>
           <a:xfrm>
-            <a:off x="2004332" y="2519110"/>
+            <a:off x="1895475" y="1922210"/>
             <a:ext cx="8401049" cy="3539390"/>
           </a:xfrm>
           <a:prstGeom prst="rect">
@@ -17768,7 +18497,7 @@
         </p:nvSpPr>
         <p:spPr>
           <a:xfrm>
-            <a:off x="2004332" y="2468310"/>
+            <a:off x="1895475" y="1763460"/>
             <a:ext cx="8401049" cy="1415732"/>
           </a:xfrm>
           <a:prstGeom prst="rect">
@@ -17843,6 +18572,42 @@
           </a:p>
         </p:txBody>
       </p:sp>
+      <p:pic>
+        <p:nvPicPr>
+          <p:cNvPr id="3" name="Imagen 2" descr="Imagen que contiene persona, hombre, viendo, frente&#10;&#10;Descripción generada automáticamente">
+            <a:extLst>
+              <a:ext uri="{FF2B5EF4-FFF2-40B4-BE49-F238E27FC236}">
+                <a16:creationId xmlns:a16="http://schemas.microsoft.com/office/drawing/2014/main" id="{3C6792A1-9D63-A35A-1100-EA4AC1812E5C}"/>
+              </a:ext>
+            </a:extLst>
+          </p:cNvPr>
+          <p:cNvPicPr>
+            <a:picLocks noChangeAspect="1"/>
+          </p:cNvPicPr>
+          <p:nvPr/>
+        </p:nvPicPr>
+        <p:blipFill>
+          <a:blip r:embed="rId4"/>
+          <a:stretch>
+            <a:fillRect/>
+          </a:stretch>
+        </p:blipFill>
+        <p:spPr>
+          <a:xfrm>
+            <a:off x="3879850" y="3352397"/>
+            <a:ext cx="4432299" cy="2770187"/>
+          </a:xfrm>
+          <a:prstGeom prst="rect">
+            <a:avLst/>
+          </a:prstGeom>
+          <a:ln>
+            <a:noFill/>
+          </a:ln>
+          <a:effectLst>
+            <a:softEdge rad="112500"/>
+          </a:effectLst>
+        </p:spPr>
+      </p:pic>
     </p:spTree>
     <p:extLst>
       <p:ext uri="{BB962C8B-B14F-4D97-AF65-F5344CB8AC3E}">
@@ -18052,7 +18817,7 @@
         </p:nvSpPr>
         <p:spPr>
           <a:xfrm>
-            <a:off x="716902" y="1945561"/>
+            <a:off x="724211" y="2694861"/>
             <a:ext cx="10743578" cy="1569620"/>
           </a:xfrm>
           <a:prstGeom prst="rect">
@@ -18100,186 +18865,6 @@
           </a:p>
         </p:txBody>
       </p:sp>
-      <p:pic>
-        <p:nvPicPr>
-          <p:cNvPr id="7" name="Picture 4">
-            <a:extLst>
-              <a:ext uri="{FF2B5EF4-FFF2-40B4-BE49-F238E27FC236}">
-                <a16:creationId xmlns:a16="http://schemas.microsoft.com/office/drawing/2014/main" id="{D6BA61BA-097C-4DCE-8592-0AA5A571CE42}"/>
-              </a:ext>
-            </a:extLst>
-          </p:cNvPr>
-          <p:cNvPicPr>
-            <a:picLocks noChangeAspect="1" noChangeArrowheads="1"/>
-          </p:cNvPicPr>
-          <p:nvPr/>
-        </p:nvPicPr>
-        <p:blipFill>
-          <a:blip r:embed="rId4">
-            <a:extLst>
-              <a:ext uri="{28A0092B-C50C-407E-A947-70E740481C1C}">
-                <a14:useLocalDpi xmlns:a14="http://schemas.microsoft.com/office/drawing/2010/main" val="0"/>
-              </a:ext>
-            </a:extLst>
-          </a:blip>
-          <a:srcRect/>
-          <a:stretch>
-            <a:fillRect/>
-          </a:stretch>
-        </p:blipFill>
-        <p:spPr bwMode="auto">
-          <a:xfrm>
-            <a:off x="709986" y="4384896"/>
-            <a:ext cx="2774326" cy="2080744"/>
-          </a:xfrm>
-          <a:prstGeom prst="rect">
-            <a:avLst/>
-          </a:prstGeom>
-          <a:noFill/>
-          <a:ln>
-            <a:noFill/>
-          </a:ln>
-          <a:extLst>
-            <a:ext uri="{909E8E84-426E-40DD-AFC4-6F175D3DCCD1}">
-              <a14:hiddenFill xmlns:a14="http://schemas.microsoft.com/office/drawing/2010/main">
-                <a:solidFill>
-                  <a:srgbClr val="FFFFFF"/>
-                </a:solidFill>
-              </a14:hiddenFill>
-            </a:ext>
-            <a:ext uri="{91240B29-F687-4F45-9708-019B960494DF}">
-              <a14:hiddenLine xmlns:a14="http://schemas.microsoft.com/office/drawing/2010/main" w="12700" cap="flat">
-                <a:solidFill>
-                  <a:srgbClr val="000000"/>
-                </a:solidFill>
-                <a:miter lim="800000"/>
-                <a:headEnd/>
-                <a:tailEnd/>
-              </a14:hiddenLine>
-            </a:ext>
-          </a:extLst>
-        </p:spPr>
-      </p:pic>
-      <p:pic>
-        <p:nvPicPr>
-          <p:cNvPr id="8" name="Picture 5">
-            <a:extLst>
-              <a:ext uri="{FF2B5EF4-FFF2-40B4-BE49-F238E27FC236}">
-                <a16:creationId xmlns:a16="http://schemas.microsoft.com/office/drawing/2014/main" id="{19F6E6E8-A021-4FA2-8BAD-CB8E82BE6851}"/>
-              </a:ext>
-            </a:extLst>
-          </p:cNvPr>
-          <p:cNvPicPr>
-            <a:picLocks noChangeAspect="1" noChangeArrowheads="1"/>
-          </p:cNvPicPr>
-          <p:nvPr/>
-        </p:nvPicPr>
-        <p:blipFill>
-          <a:blip r:embed="rId5">
-            <a:extLst>
-              <a:ext uri="{28A0092B-C50C-407E-A947-70E740481C1C}">
-                <a14:useLocalDpi xmlns:a14="http://schemas.microsoft.com/office/drawing/2010/main" val="0"/>
-              </a:ext>
-            </a:extLst>
-          </a:blip>
-          <a:srcRect/>
-          <a:stretch>
-            <a:fillRect/>
-          </a:stretch>
-        </p:blipFill>
-        <p:spPr bwMode="auto">
-          <a:xfrm>
-            <a:off x="4707626" y="4384896"/>
-            <a:ext cx="2774326" cy="2080744"/>
-          </a:xfrm>
-          <a:prstGeom prst="rect">
-            <a:avLst/>
-          </a:prstGeom>
-          <a:noFill/>
-          <a:ln>
-            <a:noFill/>
-          </a:ln>
-          <a:extLst>
-            <a:ext uri="{909E8E84-426E-40DD-AFC4-6F175D3DCCD1}">
-              <a14:hiddenFill xmlns:a14="http://schemas.microsoft.com/office/drawing/2010/main">
-                <a:solidFill>
-                  <a:srgbClr val="FFFFFF"/>
-                </a:solidFill>
-              </a14:hiddenFill>
-            </a:ext>
-            <a:ext uri="{91240B29-F687-4F45-9708-019B960494DF}">
-              <a14:hiddenLine xmlns:a14="http://schemas.microsoft.com/office/drawing/2010/main" w="12700" cap="flat">
-                <a:solidFill>
-                  <a:srgbClr val="000000"/>
-                </a:solidFill>
-                <a:miter lim="800000"/>
-                <a:headEnd/>
-                <a:tailEnd/>
-              </a14:hiddenLine>
-            </a:ext>
-          </a:extLst>
-        </p:spPr>
-      </p:pic>
-      <p:pic>
-        <p:nvPicPr>
-          <p:cNvPr id="9" name="Picture 6">
-            <a:extLst>
-              <a:ext uri="{FF2B5EF4-FFF2-40B4-BE49-F238E27FC236}">
-                <a16:creationId xmlns:a16="http://schemas.microsoft.com/office/drawing/2014/main" id="{9580A349-A075-4678-91D9-32BFB55FEC54}"/>
-              </a:ext>
-            </a:extLst>
-          </p:cNvPr>
-          <p:cNvPicPr>
-            <a:picLocks noChangeAspect="1" noChangeArrowheads="1"/>
-          </p:cNvPicPr>
-          <p:nvPr/>
-        </p:nvPicPr>
-        <p:blipFill>
-          <a:blip r:embed="rId6">
-            <a:extLst>
-              <a:ext uri="{28A0092B-C50C-407E-A947-70E740481C1C}">
-                <a14:useLocalDpi xmlns:a14="http://schemas.microsoft.com/office/drawing/2010/main" val="0"/>
-              </a:ext>
-            </a:extLst>
-          </a:blip>
-          <a:srcRect/>
-          <a:stretch>
-            <a:fillRect/>
-          </a:stretch>
-        </p:blipFill>
-        <p:spPr bwMode="auto">
-          <a:xfrm>
-            <a:off x="8715098" y="4384896"/>
-            <a:ext cx="2774326" cy="2080744"/>
-          </a:xfrm>
-          <a:prstGeom prst="rect">
-            <a:avLst/>
-          </a:prstGeom>
-          <a:noFill/>
-          <a:ln>
-            <a:noFill/>
-          </a:ln>
-          <a:extLst>
-            <a:ext uri="{909E8E84-426E-40DD-AFC4-6F175D3DCCD1}">
-              <a14:hiddenFill xmlns:a14="http://schemas.microsoft.com/office/drawing/2010/main">
-                <a:solidFill>
-                  <a:srgbClr val="FFFFFF"/>
-                </a:solidFill>
-              </a14:hiddenFill>
-            </a:ext>
-            <a:ext uri="{91240B29-F687-4F45-9708-019B960494DF}">
-              <a14:hiddenLine xmlns:a14="http://schemas.microsoft.com/office/drawing/2010/main" w="12700" cap="flat">
-                <a:solidFill>
-                  <a:srgbClr val="000000"/>
-                </a:solidFill>
-                <a:miter lim="800000"/>
-                <a:headEnd/>
-                <a:tailEnd/>
-              </a14:hiddenLine>
-            </a:ext>
-          </a:extLst>
-        </p:spPr>
-      </p:pic>
     </p:spTree>
     <p:extLst>
       <p:ext uri="{BB962C8B-B14F-4D97-AF65-F5344CB8AC3E}">
@@ -18489,7 +19074,7 @@
         </p:nvSpPr>
         <p:spPr>
           <a:xfrm>
-            <a:off x="2004332" y="2468310"/>
+            <a:off x="112032" y="1675221"/>
             <a:ext cx="8401049" cy="3046948"/>
           </a:xfrm>
           <a:prstGeom prst="rect">
@@ -18695,6 +19280,1434 @@
           </a:p>
         </p:txBody>
       </p:sp>
+      <p:pic>
+        <p:nvPicPr>
+          <p:cNvPr id="3" name="Imagen 2" descr="Imagen que contiene persona, foto, sostener, mujer&#10;&#10;Descripción generada automáticamente">
+            <a:extLst>
+              <a:ext uri="{FF2B5EF4-FFF2-40B4-BE49-F238E27FC236}">
+                <a16:creationId xmlns:a16="http://schemas.microsoft.com/office/drawing/2014/main" id="{29DA1859-CC22-48F7-C219-3C5973D08E71}"/>
+              </a:ext>
+            </a:extLst>
+          </p:cNvPr>
+          <p:cNvPicPr>
+            <a:picLocks noChangeAspect="1"/>
+          </p:cNvPicPr>
+          <p:nvPr/>
+        </p:nvPicPr>
+        <p:blipFill>
+          <a:blip r:embed="rId4"/>
+          <a:stretch>
+            <a:fillRect/>
+          </a:stretch>
+        </p:blipFill>
+        <p:spPr>
+          <a:xfrm>
+            <a:off x="7809851" y="2738858"/>
+            <a:ext cx="3810000" cy="3810000"/>
+          </a:xfrm>
+          <a:prstGeom prst="rect">
+            <a:avLst/>
+          </a:prstGeom>
+        </p:spPr>
+      </p:pic>
+      <mc:AlternateContent xmlns:mc="http://schemas.openxmlformats.org/markup-compatibility/2006">
+        <mc:Choice xmlns:p14="http://schemas.microsoft.com/office/powerpoint/2010/main" Requires="p14">
+          <p:contentPart p14:bwMode="auto" r:id="rId5">
+            <p14:nvContentPartPr>
+              <p14:cNvPr id="4" name="Entrada de lápiz 3">
+                <a:extLst>
+                  <a:ext uri="{FF2B5EF4-FFF2-40B4-BE49-F238E27FC236}">
+                    <a16:creationId xmlns:a16="http://schemas.microsoft.com/office/drawing/2014/main" id="{6B13BC77-3FB0-691C-B0A5-A0035EA8FD05}"/>
+                  </a:ext>
+                </a:extLst>
+              </p14:cNvPr>
+              <p14:cNvContentPartPr/>
+              <p14:nvPr/>
+            </p14:nvContentPartPr>
+            <p14:xfrm>
+              <a:off x="10998130" y="6445060"/>
+              <a:ext cx="260640" cy="33480"/>
+            </p14:xfrm>
+          </p:contentPart>
+        </mc:Choice>
+        <mc:Fallback>
+          <p:pic>
+            <p:nvPicPr>
+              <p:cNvPr id="4" name="Entrada de lápiz 3">
+                <a:extLst>
+                  <a:ext uri="{FF2B5EF4-FFF2-40B4-BE49-F238E27FC236}">
+                    <a16:creationId xmlns:a16="http://schemas.microsoft.com/office/drawing/2014/main" id="{6B13BC77-3FB0-691C-B0A5-A0035EA8FD05}"/>
+                  </a:ext>
+                </a:extLst>
+              </p:cNvPr>
+              <p:cNvPicPr/>
+              <p:nvPr/>
+            </p:nvPicPr>
+            <p:blipFill>
+              <a:blip r:embed="rId6"/>
+              <a:stretch>
+                <a:fillRect/>
+              </a:stretch>
+            </p:blipFill>
+            <p:spPr>
+              <a:xfrm>
+                <a:off x="10992010" y="6438940"/>
+                <a:ext cx="272880" cy="45720"/>
+              </a:xfrm>
+              <a:prstGeom prst="rect">
+                <a:avLst/>
+              </a:prstGeom>
+            </p:spPr>
+          </p:pic>
+        </mc:Fallback>
+      </mc:AlternateContent>
+      <p:grpSp>
+        <p:nvGrpSpPr>
+          <p:cNvPr id="40" name="Grupo 39">
+            <a:extLst>
+              <a:ext uri="{FF2B5EF4-FFF2-40B4-BE49-F238E27FC236}">
+                <a16:creationId xmlns:a16="http://schemas.microsoft.com/office/drawing/2014/main" id="{A44CC3FE-C443-A248-67CC-B776DF7F2B77}"/>
+              </a:ext>
+            </a:extLst>
+          </p:cNvPr>
+          <p:cNvGrpSpPr/>
+          <p:nvPr/>
+        </p:nvGrpSpPr>
+        <p:grpSpPr>
+          <a:xfrm>
+            <a:off x="10178770" y="6425980"/>
+            <a:ext cx="1391040" cy="76680"/>
+            <a:chOff x="10178770" y="6425980"/>
+            <a:chExt cx="1391040" cy="76680"/>
+          </a:xfrm>
+        </p:grpSpPr>
+        <mc:AlternateContent xmlns:mc="http://schemas.openxmlformats.org/markup-compatibility/2006">
+          <mc:Choice xmlns:p14="http://schemas.microsoft.com/office/powerpoint/2010/main" Requires="p14">
+            <p:contentPart p14:bwMode="auto" r:id="rId7">
+              <p14:nvContentPartPr>
+                <p14:cNvPr id="5" name="Entrada de lápiz 4">
+                  <a:extLst>
+                    <a:ext uri="{FF2B5EF4-FFF2-40B4-BE49-F238E27FC236}">
+                      <a16:creationId xmlns:a16="http://schemas.microsoft.com/office/drawing/2014/main" id="{928FB746-E550-B86C-E812-F07E2D9081A4}"/>
+                    </a:ext>
+                  </a:extLst>
+                </p14:cNvPr>
+                <p14:cNvContentPartPr/>
+                <p14:nvPr/>
+              </p14:nvContentPartPr>
+              <p14:xfrm>
+                <a:off x="11550370" y="6445060"/>
+                <a:ext cx="360" cy="360"/>
+              </p14:xfrm>
+            </p:contentPart>
+          </mc:Choice>
+          <mc:Fallback>
+            <p:pic>
+              <p:nvPicPr>
+                <p:cNvPr id="5" name="Entrada de lápiz 4">
+                  <a:extLst>
+                    <a:ext uri="{FF2B5EF4-FFF2-40B4-BE49-F238E27FC236}">
+                      <a16:creationId xmlns:a16="http://schemas.microsoft.com/office/drawing/2014/main" id="{928FB746-E550-B86C-E812-F07E2D9081A4}"/>
+                    </a:ext>
+                  </a:extLst>
+                </p:cNvPr>
+                <p:cNvPicPr/>
+                <p:nvPr/>
+              </p:nvPicPr>
+              <p:blipFill>
+                <a:blip r:embed="rId8"/>
+                <a:stretch>
+                  <a:fillRect/>
+                </a:stretch>
+              </p:blipFill>
+              <p:spPr>
+                <a:xfrm>
+                  <a:off x="11487730" y="6382420"/>
+                  <a:ext cx="126000" cy="126000"/>
+                </a:xfrm>
+                <a:prstGeom prst="rect">
+                  <a:avLst/>
+                </a:prstGeom>
+              </p:spPr>
+            </p:pic>
+          </mc:Fallback>
+        </mc:AlternateContent>
+        <mc:AlternateContent xmlns:mc="http://schemas.openxmlformats.org/markup-compatibility/2006">
+          <mc:Choice xmlns:p14="http://schemas.microsoft.com/office/powerpoint/2010/main" Requires="p14">
+            <p:contentPart p14:bwMode="auto" r:id="rId9">
+              <p14:nvContentPartPr>
+                <p14:cNvPr id="7" name="Entrada de lápiz 6">
+                  <a:extLst>
+                    <a:ext uri="{FF2B5EF4-FFF2-40B4-BE49-F238E27FC236}">
+                      <a16:creationId xmlns:a16="http://schemas.microsoft.com/office/drawing/2014/main" id="{F02BB367-851F-5022-4C6F-AD4CF48CEB40}"/>
+                    </a:ext>
+                  </a:extLst>
+                </p14:cNvPr>
+                <p14:cNvContentPartPr/>
+                <p14:nvPr/>
+              </p14:nvContentPartPr>
+              <p14:xfrm>
+                <a:off x="11124850" y="6444340"/>
+                <a:ext cx="444960" cy="26640"/>
+              </p14:xfrm>
+            </p:contentPart>
+          </mc:Choice>
+          <mc:Fallback>
+            <p:pic>
+              <p:nvPicPr>
+                <p:cNvPr id="7" name="Entrada de lápiz 6">
+                  <a:extLst>
+                    <a:ext uri="{FF2B5EF4-FFF2-40B4-BE49-F238E27FC236}">
+                      <a16:creationId xmlns:a16="http://schemas.microsoft.com/office/drawing/2014/main" id="{F02BB367-851F-5022-4C6F-AD4CF48CEB40}"/>
+                    </a:ext>
+                  </a:extLst>
+                </p:cNvPr>
+                <p:cNvPicPr/>
+                <p:nvPr/>
+              </p:nvPicPr>
+              <p:blipFill>
+                <a:blip r:embed="rId10"/>
+                <a:stretch>
+                  <a:fillRect/>
+                </a:stretch>
+              </p:blipFill>
+              <p:spPr>
+                <a:xfrm>
+                  <a:off x="11061850" y="6381340"/>
+                  <a:ext cx="570600" cy="152280"/>
+                </a:xfrm>
+                <a:prstGeom prst="rect">
+                  <a:avLst/>
+                </a:prstGeom>
+              </p:spPr>
+            </p:pic>
+          </mc:Fallback>
+        </mc:AlternateContent>
+        <mc:AlternateContent xmlns:mc="http://schemas.openxmlformats.org/markup-compatibility/2006">
+          <mc:Choice xmlns:p14="http://schemas.microsoft.com/office/powerpoint/2010/main" Requires="p14">
+            <p:contentPart p14:bwMode="auto" r:id="rId11">
+              <p14:nvContentPartPr>
+                <p14:cNvPr id="9" name="Entrada de lápiz 8">
+                  <a:extLst>
+                    <a:ext uri="{FF2B5EF4-FFF2-40B4-BE49-F238E27FC236}">
+                      <a16:creationId xmlns:a16="http://schemas.microsoft.com/office/drawing/2014/main" id="{65EEEBF2-21EE-C8FB-BC96-A2EFEEB8C1DC}"/>
+                    </a:ext>
+                  </a:extLst>
+                </p14:cNvPr>
+                <p14:cNvContentPartPr/>
+                <p14:nvPr/>
+              </p14:nvContentPartPr>
+              <p14:xfrm>
+                <a:off x="11175970" y="6425980"/>
+                <a:ext cx="360" cy="360"/>
+              </p14:xfrm>
+            </p:contentPart>
+          </mc:Choice>
+          <mc:Fallback>
+            <p:pic>
+              <p:nvPicPr>
+                <p:cNvPr id="9" name="Entrada de lápiz 8">
+                  <a:extLst>
+                    <a:ext uri="{FF2B5EF4-FFF2-40B4-BE49-F238E27FC236}">
+                      <a16:creationId xmlns:a16="http://schemas.microsoft.com/office/drawing/2014/main" id="{65EEEBF2-21EE-C8FB-BC96-A2EFEEB8C1DC}"/>
+                    </a:ext>
+                  </a:extLst>
+                </p:cNvPr>
+                <p:cNvPicPr/>
+                <p:nvPr/>
+              </p:nvPicPr>
+              <p:blipFill>
+                <a:blip r:embed="rId8"/>
+                <a:stretch>
+                  <a:fillRect/>
+                </a:stretch>
+              </p:blipFill>
+              <p:spPr>
+                <a:xfrm>
+                  <a:off x="11112970" y="6363340"/>
+                  <a:ext cx="126000" cy="126000"/>
+                </a:xfrm>
+                <a:prstGeom prst="rect">
+                  <a:avLst/>
+                </a:prstGeom>
+              </p:spPr>
+            </p:pic>
+          </mc:Fallback>
+        </mc:AlternateContent>
+        <mc:AlternateContent xmlns:mc="http://schemas.openxmlformats.org/markup-compatibility/2006">
+          <mc:Choice xmlns:p14="http://schemas.microsoft.com/office/powerpoint/2010/main" Requires="p14">
+            <p:contentPart p14:bwMode="auto" r:id="rId12">
+              <p14:nvContentPartPr>
+                <p14:cNvPr id="10" name="Entrada de lápiz 9">
+                  <a:extLst>
+                    <a:ext uri="{FF2B5EF4-FFF2-40B4-BE49-F238E27FC236}">
+                      <a16:creationId xmlns:a16="http://schemas.microsoft.com/office/drawing/2014/main" id="{18B41FDE-DC50-EDE4-23E3-8B0EB08C772C}"/>
+                    </a:ext>
+                  </a:extLst>
+                </p14:cNvPr>
+                <p14:cNvContentPartPr/>
+                <p14:nvPr/>
+              </p14:nvContentPartPr>
+              <p14:xfrm>
+                <a:off x="11145370" y="6432460"/>
+                <a:ext cx="5400" cy="2880"/>
+              </p14:xfrm>
+            </p:contentPart>
+          </mc:Choice>
+          <mc:Fallback>
+            <p:pic>
+              <p:nvPicPr>
+                <p:cNvPr id="10" name="Entrada de lápiz 9">
+                  <a:extLst>
+                    <a:ext uri="{FF2B5EF4-FFF2-40B4-BE49-F238E27FC236}">
+                      <a16:creationId xmlns:a16="http://schemas.microsoft.com/office/drawing/2014/main" id="{18B41FDE-DC50-EDE4-23E3-8B0EB08C772C}"/>
+                    </a:ext>
+                  </a:extLst>
+                </p:cNvPr>
+                <p:cNvPicPr/>
+                <p:nvPr/>
+              </p:nvPicPr>
+              <p:blipFill>
+                <a:blip r:embed="rId13"/>
+                <a:stretch>
+                  <a:fillRect/>
+                </a:stretch>
+              </p:blipFill>
+              <p:spPr>
+                <a:xfrm>
+                  <a:off x="11082730" y="6369460"/>
+                  <a:ext cx="131040" cy="128520"/>
+                </a:xfrm>
+                <a:prstGeom prst="rect">
+                  <a:avLst/>
+                </a:prstGeom>
+              </p:spPr>
+            </p:pic>
+          </mc:Fallback>
+        </mc:AlternateContent>
+        <mc:AlternateContent xmlns:mc="http://schemas.openxmlformats.org/markup-compatibility/2006">
+          <mc:Choice xmlns:p14="http://schemas.microsoft.com/office/powerpoint/2010/main" Requires="p14">
+            <p:contentPart p14:bwMode="auto" r:id="rId14">
+              <p14:nvContentPartPr>
+                <p14:cNvPr id="11" name="Entrada de lápiz 10">
+                  <a:extLst>
+                    <a:ext uri="{FF2B5EF4-FFF2-40B4-BE49-F238E27FC236}">
+                      <a16:creationId xmlns:a16="http://schemas.microsoft.com/office/drawing/2014/main" id="{42A68EDF-0AB8-4BA5-D720-E3E384F8391A}"/>
+                    </a:ext>
+                  </a:extLst>
+                </p14:cNvPr>
+                <p14:cNvContentPartPr/>
+                <p14:nvPr/>
+              </p14:nvContentPartPr>
+              <p14:xfrm>
+                <a:off x="11048890" y="6476740"/>
+                <a:ext cx="360" cy="360"/>
+              </p14:xfrm>
+            </p:contentPart>
+          </mc:Choice>
+          <mc:Fallback>
+            <p:pic>
+              <p:nvPicPr>
+                <p:cNvPr id="11" name="Entrada de lápiz 10">
+                  <a:extLst>
+                    <a:ext uri="{FF2B5EF4-FFF2-40B4-BE49-F238E27FC236}">
+                      <a16:creationId xmlns:a16="http://schemas.microsoft.com/office/drawing/2014/main" id="{42A68EDF-0AB8-4BA5-D720-E3E384F8391A}"/>
+                    </a:ext>
+                  </a:extLst>
+                </p:cNvPr>
+                <p:cNvPicPr/>
+                <p:nvPr/>
+              </p:nvPicPr>
+              <p:blipFill>
+                <a:blip r:embed="rId8"/>
+                <a:stretch>
+                  <a:fillRect/>
+                </a:stretch>
+              </p:blipFill>
+              <p:spPr>
+                <a:xfrm>
+                  <a:off x="10985890" y="6414100"/>
+                  <a:ext cx="126000" cy="126000"/>
+                </a:xfrm>
+                <a:prstGeom prst="rect">
+                  <a:avLst/>
+                </a:prstGeom>
+              </p:spPr>
+            </p:pic>
+          </mc:Fallback>
+        </mc:AlternateContent>
+        <mc:AlternateContent xmlns:mc="http://schemas.openxmlformats.org/markup-compatibility/2006">
+          <mc:Choice xmlns:p14="http://schemas.microsoft.com/office/powerpoint/2010/main" Requires="p14">
+            <p:contentPart p14:bwMode="auto" r:id="rId15">
+              <p14:nvContentPartPr>
+                <p14:cNvPr id="12" name="Entrada de lápiz 11">
+                  <a:extLst>
+                    <a:ext uri="{FF2B5EF4-FFF2-40B4-BE49-F238E27FC236}">
+                      <a16:creationId xmlns:a16="http://schemas.microsoft.com/office/drawing/2014/main" id="{F22475B6-73CB-1DD1-50FC-8E9280DDE124}"/>
+                    </a:ext>
+                  </a:extLst>
+                </p14:cNvPr>
+                <p14:cNvContentPartPr/>
+                <p14:nvPr/>
+              </p14:nvContentPartPr>
+              <p14:xfrm>
+                <a:off x="10998130" y="6476740"/>
+                <a:ext cx="360" cy="360"/>
+              </p14:xfrm>
+            </p:contentPart>
+          </mc:Choice>
+          <mc:Fallback>
+            <p:pic>
+              <p:nvPicPr>
+                <p:cNvPr id="12" name="Entrada de lápiz 11">
+                  <a:extLst>
+                    <a:ext uri="{FF2B5EF4-FFF2-40B4-BE49-F238E27FC236}">
+                      <a16:creationId xmlns:a16="http://schemas.microsoft.com/office/drawing/2014/main" id="{F22475B6-73CB-1DD1-50FC-8E9280DDE124}"/>
+                    </a:ext>
+                  </a:extLst>
+                </p:cNvPr>
+                <p:cNvPicPr/>
+                <p:nvPr/>
+              </p:nvPicPr>
+              <p:blipFill>
+                <a:blip r:embed="rId8"/>
+                <a:stretch>
+                  <a:fillRect/>
+                </a:stretch>
+              </p:blipFill>
+              <p:spPr>
+                <a:xfrm>
+                  <a:off x="10935130" y="6414100"/>
+                  <a:ext cx="126000" cy="126000"/>
+                </a:xfrm>
+                <a:prstGeom prst="rect">
+                  <a:avLst/>
+                </a:prstGeom>
+              </p:spPr>
+            </p:pic>
+          </mc:Fallback>
+        </mc:AlternateContent>
+        <mc:AlternateContent xmlns:mc="http://schemas.openxmlformats.org/markup-compatibility/2006">
+          <mc:Choice xmlns:p14="http://schemas.microsoft.com/office/powerpoint/2010/main" Requires="p14">
+            <p:contentPart p14:bwMode="auto" r:id="rId16">
+              <p14:nvContentPartPr>
+                <p14:cNvPr id="13" name="Entrada de lápiz 12">
+                  <a:extLst>
+                    <a:ext uri="{FF2B5EF4-FFF2-40B4-BE49-F238E27FC236}">
+                      <a16:creationId xmlns:a16="http://schemas.microsoft.com/office/drawing/2014/main" id="{7E8856F8-8C3A-DA96-3573-02DF3ABE5EB4}"/>
+                    </a:ext>
+                  </a:extLst>
+                </p14:cNvPr>
+                <p14:cNvContentPartPr/>
+                <p14:nvPr/>
+              </p14:nvContentPartPr>
+              <p14:xfrm>
+                <a:off x="10940890" y="6476740"/>
+                <a:ext cx="360" cy="360"/>
+              </p14:xfrm>
+            </p:contentPart>
+          </mc:Choice>
+          <mc:Fallback>
+            <p:pic>
+              <p:nvPicPr>
+                <p:cNvPr id="13" name="Entrada de lápiz 12">
+                  <a:extLst>
+                    <a:ext uri="{FF2B5EF4-FFF2-40B4-BE49-F238E27FC236}">
+                      <a16:creationId xmlns:a16="http://schemas.microsoft.com/office/drawing/2014/main" id="{7E8856F8-8C3A-DA96-3573-02DF3ABE5EB4}"/>
+                    </a:ext>
+                  </a:extLst>
+                </p:cNvPr>
+                <p:cNvPicPr/>
+                <p:nvPr/>
+              </p:nvPicPr>
+              <p:blipFill>
+                <a:blip r:embed="rId8"/>
+                <a:stretch>
+                  <a:fillRect/>
+                </a:stretch>
+              </p:blipFill>
+              <p:spPr>
+                <a:xfrm>
+                  <a:off x="10877890" y="6414100"/>
+                  <a:ext cx="126000" cy="126000"/>
+                </a:xfrm>
+                <a:prstGeom prst="rect">
+                  <a:avLst/>
+                </a:prstGeom>
+              </p:spPr>
+            </p:pic>
+          </mc:Fallback>
+        </mc:AlternateContent>
+        <mc:AlternateContent xmlns:mc="http://schemas.openxmlformats.org/markup-compatibility/2006">
+          <mc:Choice xmlns:p14="http://schemas.microsoft.com/office/powerpoint/2010/main" Requires="p14">
+            <p:contentPart p14:bwMode="auto" r:id="rId17">
+              <p14:nvContentPartPr>
+                <p14:cNvPr id="14" name="Entrada de lápiz 13">
+                  <a:extLst>
+                    <a:ext uri="{FF2B5EF4-FFF2-40B4-BE49-F238E27FC236}">
+                      <a16:creationId xmlns:a16="http://schemas.microsoft.com/office/drawing/2014/main" id="{A759590D-E36A-BC1D-F59F-FD16C91FD817}"/>
+                    </a:ext>
+                  </a:extLst>
+                </p14:cNvPr>
+                <p14:cNvContentPartPr/>
+                <p14:nvPr/>
+              </p14:nvContentPartPr>
+              <p14:xfrm>
+                <a:off x="10909210" y="6476740"/>
+                <a:ext cx="360" cy="360"/>
+              </p14:xfrm>
+            </p:contentPart>
+          </mc:Choice>
+          <mc:Fallback>
+            <p:pic>
+              <p:nvPicPr>
+                <p:cNvPr id="14" name="Entrada de lápiz 13">
+                  <a:extLst>
+                    <a:ext uri="{FF2B5EF4-FFF2-40B4-BE49-F238E27FC236}">
+                      <a16:creationId xmlns:a16="http://schemas.microsoft.com/office/drawing/2014/main" id="{A759590D-E36A-BC1D-F59F-FD16C91FD817}"/>
+                    </a:ext>
+                  </a:extLst>
+                </p:cNvPr>
+                <p:cNvPicPr/>
+                <p:nvPr/>
+              </p:nvPicPr>
+              <p:blipFill>
+                <a:blip r:embed="rId8"/>
+                <a:stretch>
+                  <a:fillRect/>
+                </a:stretch>
+              </p:blipFill>
+              <p:spPr>
+                <a:xfrm>
+                  <a:off x="10846210" y="6414100"/>
+                  <a:ext cx="126000" cy="126000"/>
+                </a:xfrm>
+                <a:prstGeom prst="rect">
+                  <a:avLst/>
+                </a:prstGeom>
+              </p:spPr>
+            </p:pic>
+          </mc:Fallback>
+        </mc:AlternateContent>
+        <mc:AlternateContent xmlns:mc="http://schemas.openxmlformats.org/markup-compatibility/2006">
+          <mc:Choice xmlns:p14="http://schemas.microsoft.com/office/powerpoint/2010/main" Requires="p14">
+            <p:contentPart p14:bwMode="auto" r:id="rId18">
+              <p14:nvContentPartPr>
+                <p14:cNvPr id="16" name="Entrada de lápiz 15">
+                  <a:extLst>
+                    <a:ext uri="{FF2B5EF4-FFF2-40B4-BE49-F238E27FC236}">
+                      <a16:creationId xmlns:a16="http://schemas.microsoft.com/office/drawing/2014/main" id="{B5022C94-3761-DFD6-A4A0-283478BA23D8}"/>
+                    </a:ext>
+                  </a:extLst>
+                </p14:cNvPr>
+                <p14:cNvContentPartPr/>
+                <p14:nvPr/>
+              </p14:nvContentPartPr>
+              <p14:xfrm>
+                <a:off x="10820290" y="6483220"/>
+                <a:ext cx="360" cy="360"/>
+              </p14:xfrm>
+            </p:contentPart>
+          </mc:Choice>
+          <mc:Fallback>
+            <p:pic>
+              <p:nvPicPr>
+                <p:cNvPr id="16" name="Entrada de lápiz 15">
+                  <a:extLst>
+                    <a:ext uri="{FF2B5EF4-FFF2-40B4-BE49-F238E27FC236}">
+                      <a16:creationId xmlns:a16="http://schemas.microsoft.com/office/drawing/2014/main" id="{B5022C94-3761-DFD6-A4A0-283478BA23D8}"/>
+                    </a:ext>
+                  </a:extLst>
+                </p:cNvPr>
+                <p:cNvPicPr/>
+                <p:nvPr/>
+              </p:nvPicPr>
+              <p:blipFill>
+                <a:blip r:embed="rId8"/>
+                <a:stretch>
+                  <a:fillRect/>
+                </a:stretch>
+              </p:blipFill>
+              <p:spPr>
+                <a:xfrm>
+                  <a:off x="10757290" y="6420580"/>
+                  <a:ext cx="126000" cy="126000"/>
+                </a:xfrm>
+                <a:prstGeom prst="rect">
+                  <a:avLst/>
+                </a:prstGeom>
+              </p:spPr>
+            </p:pic>
+          </mc:Fallback>
+        </mc:AlternateContent>
+        <mc:AlternateContent xmlns:mc="http://schemas.openxmlformats.org/markup-compatibility/2006">
+          <mc:Choice xmlns:p14="http://schemas.microsoft.com/office/powerpoint/2010/main" Requires="p14">
+            <p:contentPart p14:bwMode="auto" r:id="rId19">
+              <p14:nvContentPartPr>
+                <p14:cNvPr id="18" name="Entrada de lápiz 17">
+                  <a:extLst>
+                    <a:ext uri="{FF2B5EF4-FFF2-40B4-BE49-F238E27FC236}">
+                      <a16:creationId xmlns:a16="http://schemas.microsoft.com/office/drawing/2014/main" id="{B50409D7-E037-668C-8B89-207B1F9C2FBA}"/>
+                    </a:ext>
+                  </a:extLst>
+                </p14:cNvPr>
+                <p14:cNvContentPartPr/>
+                <p14:nvPr/>
+              </p14:nvContentPartPr>
+              <p14:xfrm>
+                <a:off x="10743970" y="6483220"/>
+                <a:ext cx="360" cy="360"/>
+              </p14:xfrm>
+            </p:contentPart>
+          </mc:Choice>
+          <mc:Fallback>
+            <p:pic>
+              <p:nvPicPr>
+                <p:cNvPr id="18" name="Entrada de lápiz 17">
+                  <a:extLst>
+                    <a:ext uri="{FF2B5EF4-FFF2-40B4-BE49-F238E27FC236}">
+                      <a16:creationId xmlns:a16="http://schemas.microsoft.com/office/drawing/2014/main" id="{B50409D7-E037-668C-8B89-207B1F9C2FBA}"/>
+                    </a:ext>
+                  </a:extLst>
+                </p:cNvPr>
+                <p:cNvPicPr/>
+                <p:nvPr/>
+              </p:nvPicPr>
+              <p:blipFill>
+                <a:blip r:embed="rId8"/>
+                <a:stretch>
+                  <a:fillRect/>
+                </a:stretch>
+              </p:blipFill>
+              <p:spPr>
+                <a:xfrm>
+                  <a:off x="10681330" y="6420580"/>
+                  <a:ext cx="126000" cy="126000"/>
+                </a:xfrm>
+                <a:prstGeom prst="rect">
+                  <a:avLst/>
+                </a:prstGeom>
+              </p:spPr>
+            </p:pic>
+          </mc:Fallback>
+        </mc:AlternateContent>
+        <mc:AlternateContent xmlns:mc="http://schemas.openxmlformats.org/markup-compatibility/2006">
+          <mc:Choice xmlns:p14="http://schemas.microsoft.com/office/powerpoint/2010/main" Requires="p14">
+            <p:contentPart p14:bwMode="auto" r:id="rId20">
+              <p14:nvContentPartPr>
+                <p14:cNvPr id="19" name="Entrada de lápiz 18">
+                  <a:extLst>
+                    <a:ext uri="{FF2B5EF4-FFF2-40B4-BE49-F238E27FC236}">
+                      <a16:creationId xmlns:a16="http://schemas.microsoft.com/office/drawing/2014/main" id="{0E419103-4375-670C-7C52-75620004DD57}"/>
+                    </a:ext>
+                  </a:extLst>
+                </p14:cNvPr>
+                <p14:cNvContentPartPr/>
+                <p14:nvPr/>
+              </p14:nvContentPartPr>
+              <p14:xfrm>
+                <a:off x="10718770" y="6483220"/>
+                <a:ext cx="360" cy="360"/>
+              </p14:xfrm>
+            </p:contentPart>
+          </mc:Choice>
+          <mc:Fallback>
+            <p:pic>
+              <p:nvPicPr>
+                <p:cNvPr id="19" name="Entrada de lápiz 18">
+                  <a:extLst>
+                    <a:ext uri="{FF2B5EF4-FFF2-40B4-BE49-F238E27FC236}">
+                      <a16:creationId xmlns:a16="http://schemas.microsoft.com/office/drawing/2014/main" id="{0E419103-4375-670C-7C52-75620004DD57}"/>
+                    </a:ext>
+                  </a:extLst>
+                </p:cNvPr>
+                <p:cNvPicPr/>
+                <p:nvPr/>
+              </p:nvPicPr>
+              <p:blipFill>
+                <a:blip r:embed="rId8"/>
+                <a:stretch>
+                  <a:fillRect/>
+                </a:stretch>
+              </p:blipFill>
+              <p:spPr>
+                <a:xfrm>
+                  <a:off x="10655770" y="6420580"/>
+                  <a:ext cx="126000" cy="126000"/>
+                </a:xfrm>
+                <a:prstGeom prst="rect">
+                  <a:avLst/>
+                </a:prstGeom>
+              </p:spPr>
+            </p:pic>
+          </mc:Fallback>
+        </mc:AlternateContent>
+        <mc:AlternateContent xmlns:mc="http://schemas.openxmlformats.org/markup-compatibility/2006">
+          <mc:Choice xmlns:p14="http://schemas.microsoft.com/office/powerpoint/2010/main" Requires="p14">
+            <p:contentPart p14:bwMode="auto" r:id="rId21">
+              <p14:nvContentPartPr>
+                <p14:cNvPr id="20" name="Entrada de lápiz 19">
+                  <a:extLst>
+                    <a:ext uri="{FF2B5EF4-FFF2-40B4-BE49-F238E27FC236}">
+                      <a16:creationId xmlns:a16="http://schemas.microsoft.com/office/drawing/2014/main" id="{18AE4EC9-4EA0-AFF5-D421-CFE86C8A4535}"/>
+                    </a:ext>
+                  </a:extLst>
+                </p14:cNvPr>
+                <p14:cNvContentPartPr/>
+                <p14:nvPr/>
+              </p14:nvContentPartPr>
+              <p14:xfrm>
+                <a:off x="10680610" y="6489340"/>
+                <a:ext cx="360" cy="360"/>
+              </p14:xfrm>
+            </p:contentPart>
+          </mc:Choice>
+          <mc:Fallback>
+            <p:pic>
+              <p:nvPicPr>
+                <p:cNvPr id="20" name="Entrada de lápiz 19">
+                  <a:extLst>
+                    <a:ext uri="{FF2B5EF4-FFF2-40B4-BE49-F238E27FC236}">
+                      <a16:creationId xmlns:a16="http://schemas.microsoft.com/office/drawing/2014/main" id="{18AE4EC9-4EA0-AFF5-D421-CFE86C8A4535}"/>
+                    </a:ext>
+                  </a:extLst>
+                </p:cNvPr>
+                <p:cNvPicPr/>
+                <p:nvPr/>
+              </p:nvPicPr>
+              <p:blipFill>
+                <a:blip r:embed="rId8"/>
+                <a:stretch>
+                  <a:fillRect/>
+                </a:stretch>
+              </p:blipFill>
+              <p:spPr>
+                <a:xfrm>
+                  <a:off x="10617610" y="6426700"/>
+                  <a:ext cx="126000" cy="126000"/>
+                </a:xfrm>
+                <a:prstGeom prst="rect">
+                  <a:avLst/>
+                </a:prstGeom>
+              </p:spPr>
+            </p:pic>
+          </mc:Fallback>
+        </mc:AlternateContent>
+        <mc:AlternateContent xmlns:mc="http://schemas.openxmlformats.org/markup-compatibility/2006">
+          <mc:Choice xmlns:p14="http://schemas.microsoft.com/office/powerpoint/2010/main" Requires="p14">
+            <p:contentPart p14:bwMode="auto" r:id="rId22">
+              <p14:nvContentPartPr>
+                <p14:cNvPr id="21" name="Entrada de lápiz 20">
+                  <a:extLst>
+                    <a:ext uri="{FF2B5EF4-FFF2-40B4-BE49-F238E27FC236}">
+                      <a16:creationId xmlns:a16="http://schemas.microsoft.com/office/drawing/2014/main" id="{EEF3DB4A-292D-F356-A46A-1B0D8FA4F82D}"/>
+                    </a:ext>
+                  </a:extLst>
+                </p14:cNvPr>
+                <p14:cNvContentPartPr/>
+                <p14:nvPr/>
+              </p14:nvContentPartPr>
+              <p14:xfrm>
+                <a:off x="10661530" y="6489340"/>
+                <a:ext cx="360" cy="360"/>
+              </p14:xfrm>
+            </p:contentPart>
+          </mc:Choice>
+          <mc:Fallback>
+            <p:pic>
+              <p:nvPicPr>
+                <p:cNvPr id="21" name="Entrada de lápiz 20">
+                  <a:extLst>
+                    <a:ext uri="{FF2B5EF4-FFF2-40B4-BE49-F238E27FC236}">
+                      <a16:creationId xmlns:a16="http://schemas.microsoft.com/office/drawing/2014/main" id="{EEF3DB4A-292D-F356-A46A-1B0D8FA4F82D}"/>
+                    </a:ext>
+                  </a:extLst>
+                </p:cNvPr>
+                <p:cNvPicPr/>
+                <p:nvPr/>
+              </p:nvPicPr>
+              <p:blipFill>
+                <a:blip r:embed="rId8"/>
+                <a:stretch>
+                  <a:fillRect/>
+                </a:stretch>
+              </p:blipFill>
+              <p:spPr>
+                <a:xfrm>
+                  <a:off x="10598530" y="6426700"/>
+                  <a:ext cx="126000" cy="126000"/>
+                </a:xfrm>
+                <a:prstGeom prst="rect">
+                  <a:avLst/>
+                </a:prstGeom>
+              </p:spPr>
+            </p:pic>
+          </mc:Fallback>
+        </mc:AlternateContent>
+        <mc:AlternateContent xmlns:mc="http://schemas.openxmlformats.org/markup-compatibility/2006">
+          <mc:Choice xmlns:p14="http://schemas.microsoft.com/office/powerpoint/2010/main" Requires="p14">
+            <p:contentPart p14:bwMode="auto" r:id="rId23">
+              <p14:nvContentPartPr>
+                <p14:cNvPr id="22" name="Entrada de lápiz 21">
+                  <a:extLst>
+                    <a:ext uri="{FF2B5EF4-FFF2-40B4-BE49-F238E27FC236}">
+                      <a16:creationId xmlns:a16="http://schemas.microsoft.com/office/drawing/2014/main" id="{D0169A3E-0B6A-C9F2-525E-2847D08857F4}"/>
+                    </a:ext>
+                  </a:extLst>
+                </p14:cNvPr>
+                <p14:cNvContentPartPr/>
+                <p14:nvPr/>
+              </p14:nvContentPartPr>
+              <p14:xfrm>
+                <a:off x="10629850" y="6483220"/>
+                <a:ext cx="360" cy="360"/>
+              </p14:xfrm>
+            </p:contentPart>
+          </mc:Choice>
+          <mc:Fallback>
+            <p:pic>
+              <p:nvPicPr>
+                <p:cNvPr id="22" name="Entrada de lápiz 21">
+                  <a:extLst>
+                    <a:ext uri="{FF2B5EF4-FFF2-40B4-BE49-F238E27FC236}">
+                      <a16:creationId xmlns:a16="http://schemas.microsoft.com/office/drawing/2014/main" id="{D0169A3E-0B6A-C9F2-525E-2847D08857F4}"/>
+                    </a:ext>
+                  </a:extLst>
+                </p:cNvPr>
+                <p:cNvPicPr/>
+                <p:nvPr/>
+              </p:nvPicPr>
+              <p:blipFill>
+                <a:blip r:embed="rId8"/>
+                <a:stretch>
+                  <a:fillRect/>
+                </a:stretch>
+              </p:blipFill>
+              <p:spPr>
+                <a:xfrm>
+                  <a:off x="10566850" y="6420580"/>
+                  <a:ext cx="126000" cy="126000"/>
+                </a:xfrm>
+                <a:prstGeom prst="rect">
+                  <a:avLst/>
+                </a:prstGeom>
+              </p:spPr>
+            </p:pic>
+          </mc:Fallback>
+        </mc:AlternateContent>
+        <mc:AlternateContent xmlns:mc="http://schemas.openxmlformats.org/markup-compatibility/2006">
+          <mc:Choice xmlns:p14="http://schemas.microsoft.com/office/powerpoint/2010/main" Requires="p14">
+            <p:contentPart p14:bwMode="auto" r:id="rId24">
+              <p14:nvContentPartPr>
+                <p14:cNvPr id="24" name="Entrada de lápiz 23">
+                  <a:extLst>
+                    <a:ext uri="{FF2B5EF4-FFF2-40B4-BE49-F238E27FC236}">
+                      <a16:creationId xmlns:a16="http://schemas.microsoft.com/office/drawing/2014/main" id="{DAF88CC2-BFDE-1AD3-F001-50B30B6AA417}"/>
+                    </a:ext>
+                  </a:extLst>
+                </p14:cNvPr>
+                <p14:cNvContentPartPr/>
+                <p14:nvPr/>
+              </p14:nvContentPartPr>
+              <p14:xfrm>
+                <a:off x="10560010" y="6495820"/>
+                <a:ext cx="360" cy="360"/>
+              </p14:xfrm>
+            </p:contentPart>
+          </mc:Choice>
+          <mc:Fallback>
+            <p:pic>
+              <p:nvPicPr>
+                <p:cNvPr id="24" name="Entrada de lápiz 23">
+                  <a:extLst>
+                    <a:ext uri="{FF2B5EF4-FFF2-40B4-BE49-F238E27FC236}">
+                      <a16:creationId xmlns:a16="http://schemas.microsoft.com/office/drawing/2014/main" id="{DAF88CC2-BFDE-1AD3-F001-50B30B6AA417}"/>
+                    </a:ext>
+                  </a:extLst>
+                </p:cNvPr>
+                <p:cNvPicPr/>
+                <p:nvPr/>
+              </p:nvPicPr>
+              <p:blipFill>
+                <a:blip r:embed="rId8"/>
+                <a:stretch>
+                  <a:fillRect/>
+                </a:stretch>
+              </p:blipFill>
+              <p:spPr>
+                <a:xfrm>
+                  <a:off x="10497010" y="6433180"/>
+                  <a:ext cx="126000" cy="126000"/>
+                </a:xfrm>
+                <a:prstGeom prst="rect">
+                  <a:avLst/>
+                </a:prstGeom>
+              </p:spPr>
+            </p:pic>
+          </mc:Fallback>
+        </mc:AlternateContent>
+        <mc:AlternateContent xmlns:mc="http://schemas.openxmlformats.org/markup-compatibility/2006">
+          <mc:Choice xmlns:p14="http://schemas.microsoft.com/office/powerpoint/2010/main" Requires="p14">
+            <p:contentPart p14:bwMode="auto" r:id="rId25">
+              <p14:nvContentPartPr>
+                <p14:cNvPr id="25" name="Entrada de lápiz 24">
+                  <a:extLst>
+                    <a:ext uri="{FF2B5EF4-FFF2-40B4-BE49-F238E27FC236}">
+                      <a16:creationId xmlns:a16="http://schemas.microsoft.com/office/drawing/2014/main" id="{74920118-9611-36EE-F36D-FDF5D399C826}"/>
+                    </a:ext>
+                  </a:extLst>
+                </p14:cNvPr>
+                <p14:cNvContentPartPr/>
+                <p14:nvPr/>
+              </p14:nvContentPartPr>
+              <p14:xfrm>
+                <a:off x="10521850" y="6495820"/>
+                <a:ext cx="360" cy="360"/>
+              </p14:xfrm>
+            </p:contentPart>
+          </mc:Choice>
+          <mc:Fallback>
+            <p:pic>
+              <p:nvPicPr>
+                <p:cNvPr id="25" name="Entrada de lápiz 24">
+                  <a:extLst>
+                    <a:ext uri="{FF2B5EF4-FFF2-40B4-BE49-F238E27FC236}">
+                      <a16:creationId xmlns:a16="http://schemas.microsoft.com/office/drawing/2014/main" id="{74920118-9611-36EE-F36D-FDF5D399C826}"/>
+                    </a:ext>
+                  </a:extLst>
+                </p:cNvPr>
+                <p:cNvPicPr/>
+                <p:nvPr/>
+              </p:nvPicPr>
+              <p:blipFill>
+                <a:blip r:embed="rId8"/>
+                <a:stretch>
+                  <a:fillRect/>
+                </a:stretch>
+              </p:blipFill>
+              <p:spPr>
+                <a:xfrm>
+                  <a:off x="10458850" y="6433180"/>
+                  <a:ext cx="126000" cy="126000"/>
+                </a:xfrm>
+                <a:prstGeom prst="rect">
+                  <a:avLst/>
+                </a:prstGeom>
+              </p:spPr>
+            </p:pic>
+          </mc:Fallback>
+        </mc:AlternateContent>
+        <mc:AlternateContent xmlns:mc="http://schemas.openxmlformats.org/markup-compatibility/2006">
+          <mc:Choice xmlns:p14="http://schemas.microsoft.com/office/powerpoint/2010/main" Requires="p14">
+            <p:contentPart p14:bwMode="auto" r:id="rId26">
+              <p14:nvContentPartPr>
+                <p14:cNvPr id="27" name="Entrada de lápiz 26">
+                  <a:extLst>
+                    <a:ext uri="{FF2B5EF4-FFF2-40B4-BE49-F238E27FC236}">
+                      <a16:creationId xmlns:a16="http://schemas.microsoft.com/office/drawing/2014/main" id="{283A8BC8-F4E0-74F2-0BD1-CB2B9FA4ACE1}"/>
+                    </a:ext>
+                  </a:extLst>
+                </p14:cNvPr>
+                <p14:cNvContentPartPr/>
+                <p14:nvPr/>
+              </p14:nvContentPartPr>
+              <p14:xfrm>
+                <a:off x="10477570" y="6502300"/>
+                <a:ext cx="360" cy="360"/>
+              </p14:xfrm>
+            </p:contentPart>
+          </mc:Choice>
+          <mc:Fallback>
+            <p:pic>
+              <p:nvPicPr>
+                <p:cNvPr id="27" name="Entrada de lápiz 26">
+                  <a:extLst>
+                    <a:ext uri="{FF2B5EF4-FFF2-40B4-BE49-F238E27FC236}">
+                      <a16:creationId xmlns:a16="http://schemas.microsoft.com/office/drawing/2014/main" id="{283A8BC8-F4E0-74F2-0BD1-CB2B9FA4ACE1}"/>
+                    </a:ext>
+                  </a:extLst>
+                </p:cNvPr>
+                <p:cNvPicPr/>
+                <p:nvPr/>
+              </p:nvPicPr>
+              <p:blipFill>
+                <a:blip r:embed="rId8"/>
+                <a:stretch>
+                  <a:fillRect/>
+                </a:stretch>
+              </p:blipFill>
+              <p:spPr>
+                <a:xfrm>
+                  <a:off x="10414570" y="6439300"/>
+                  <a:ext cx="126000" cy="126000"/>
+                </a:xfrm>
+                <a:prstGeom prst="rect">
+                  <a:avLst/>
+                </a:prstGeom>
+              </p:spPr>
+            </p:pic>
+          </mc:Fallback>
+        </mc:AlternateContent>
+        <mc:AlternateContent xmlns:mc="http://schemas.openxmlformats.org/markup-compatibility/2006">
+          <mc:Choice xmlns:p14="http://schemas.microsoft.com/office/powerpoint/2010/main" Requires="p14">
+            <p:contentPart p14:bwMode="auto" r:id="rId27">
+              <p14:nvContentPartPr>
+                <p14:cNvPr id="28" name="Entrada de lápiz 27">
+                  <a:extLst>
+                    <a:ext uri="{FF2B5EF4-FFF2-40B4-BE49-F238E27FC236}">
+                      <a16:creationId xmlns:a16="http://schemas.microsoft.com/office/drawing/2014/main" id="{A6AD8BC1-6099-2891-BF95-8C98E36B8F20}"/>
+                    </a:ext>
+                  </a:extLst>
+                </p14:cNvPr>
+                <p14:cNvContentPartPr/>
+                <p14:nvPr/>
+              </p14:nvContentPartPr>
+              <p14:xfrm>
+                <a:off x="10452010" y="6501220"/>
+                <a:ext cx="360" cy="1440"/>
+              </p14:xfrm>
+            </p:contentPart>
+          </mc:Choice>
+          <mc:Fallback>
+            <p:pic>
+              <p:nvPicPr>
+                <p:cNvPr id="28" name="Entrada de lápiz 27">
+                  <a:extLst>
+                    <a:ext uri="{FF2B5EF4-FFF2-40B4-BE49-F238E27FC236}">
+                      <a16:creationId xmlns:a16="http://schemas.microsoft.com/office/drawing/2014/main" id="{A6AD8BC1-6099-2891-BF95-8C98E36B8F20}"/>
+                    </a:ext>
+                  </a:extLst>
+                </p:cNvPr>
+                <p:cNvPicPr/>
+                <p:nvPr/>
+              </p:nvPicPr>
+              <p:blipFill>
+                <a:blip r:embed="rId28"/>
+                <a:stretch>
+                  <a:fillRect/>
+                </a:stretch>
+              </p:blipFill>
+              <p:spPr>
+                <a:xfrm>
+                  <a:off x="10389010" y="6438220"/>
+                  <a:ext cx="126000" cy="127080"/>
+                </a:xfrm>
+                <a:prstGeom prst="rect">
+                  <a:avLst/>
+                </a:prstGeom>
+              </p:spPr>
+            </p:pic>
+          </mc:Fallback>
+        </mc:AlternateContent>
+        <mc:AlternateContent xmlns:mc="http://schemas.openxmlformats.org/markup-compatibility/2006">
+          <mc:Choice xmlns:p14="http://schemas.microsoft.com/office/powerpoint/2010/main" Requires="p14">
+            <p:contentPart p14:bwMode="auto" r:id="rId29">
+              <p14:nvContentPartPr>
+                <p14:cNvPr id="30" name="Entrada de lápiz 29">
+                  <a:extLst>
+                    <a:ext uri="{FF2B5EF4-FFF2-40B4-BE49-F238E27FC236}">
+                      <a16:creationId xmlns:a16="http://schemas.microsoft.com/office/drawing/2014/main" id="{33B01F47-384A-74A6-F75F-A87E17AD3346}"/>
+                    </a:ext>
+                  </a:extLst>
+                </p14:cNvPr>
+                <p14:cNvContentPartPr/>
+                <p14:nvPr/>
+              </p14:nvContentPartPr>
+              <p14:xfrm>
+                <a:off x="10471090" y="6483220"/>
+                <a:ext cx="360" cy="360"/>
+              </p14:xfrm>
+            </p:contentPart>
+          </mc:Choice>
+          <mc:Fallback>
+            <p:pic>
+              <p:nvPicPr>
+                <p:cNvPr id="30" name="Entrada de lápiz 29">
+                  <a:extLst>
+                    <a:ext uri="{FF2B5EF4-FFF2-40B4-BE49-F238E27FC236}">
+                      <a16:creationId xmlns:a16="http://schemas.microsoft.com/office/drawing/2014/main" id="{33B01F47-384A-74A6-F75F-A87E17AD3346}"/>
+                    </a:ext>
+                  </a:extLst>
+                </p:cNvPr>
+                <p:cNvPicPr/>
+                <p:nvPr/>
+              </p:nvPicPr>
+              <p:blipFill>
+                <a:blip r:embed="rId8"/>
+                <a:stretch>
+                  <a:fillRect/>
+                </a:stretch>
+              </p:blipFill>
+              <p:spPr>
+                <a:xfrm>
+                  <a:off x="10408090" y="6420580"/>
+                  <a:ext cx="126000" cy="126000"/>
+                </a:xfrm>
+                <a:prstGeom prst="rect">
+                  <a:avLst/>
+                </a:prstGeom>
+              </p:spPr>
+            </p:pic>
+          </mc:Fallback>
+        </mc:AlternateContent>
+        <mc:AlternateContent xmlns:mc="http://schemas.openxmlformats.org/markup-compatibility/2006">
+          <mc:Choice xmlns:p14="http://schemas.microsoft.com/office/powerpoint/2010/main" Requires="p14">
+            <p:contentPart p14:bwMode="auto" r:id="rId30">
+              <p14:nvContentPartPr>
+                <p14:cNvPr id="31" name="Entrada de lápiz 30">
+                  <a:extLst>
+                    <a:ext uri="{FF2B5EF4-FFF2-40B4-BE49-F238E27FC236}">
+                      <a16:creationId xmlns:a16="http://schemas.microsoft.com/office/drawing/2014/main" id="{DAC02CF3-7CCF-371C-9FAD-58C78942A49C}"/>
+                    </a:ext>
+                  </a:extLst>
+                </p14:cNvPr>
+                <p14:cNvContentPartPr/>
+                <p14:nvPr/>
+              </p14:nvContentPartPr>
+              <p14:xfrm>
+                <a:off x="10439410" y="6495820"/>
+                <a:ext cx="360" cy="360"/>
+              </p14:xfrm>
+            </p:contentPart>
+          </mc:Choice>
+          <mc:Fallback>
+            <p:pic>
+              <p:nvPicPr>
+                <p:cNvPr id="31" name="Entrada de lápiz 30">
+                  <a:extLst>
+                    <a:ext uri="{FF2B5EF4-FFF2-40B4-BE49-F238E27FC236}">
+                      <a16:creationId xmlns:a16="http://schemas.microsoft.com/office/drawing/2014/main" id="{DAC02CF3-7CCF-371C-9FAD-58C78942A49C}"/>
+                    </a:ext>
+                  </a:extLst>
+                </p:cNvPr>
+                <p:cNvPicPr/>
+                <p:nvPr/>
+              </p:nvPicPr>
+              <p:blipFill>
+                <a:blip r:embed="rId8"/>
+                <a:stretch>
+                  <a:fillRect/>
+                </a:stretch>
+              </p:blipFill>
+              <p:spPr>
+                <a:xfrm>
+                  <a:off x="10376410" y="6433180"/>
+                  <a:ext cx="126000" cy="126000"/>
+                </a:xfrm>
+                <a:prstGeom prst="rect">
+                  <a:avLst/>
+                </a:prstGeom>
+              </p:spPr>
+            </p:pic>
+          </mc:Fallback>
+        </mc:AlternateContent>
+        <mc:AlternateContent xmlns:mc="http://schemas.openxmlformats.org/markup-compatibility/2006">
+          <mc:Choice xmlns:p14="http://schemas.microsoft.com/office/powerpoint/2010/main" Requires="p14">
+            <p:contentPart p14:bwMode="auto" r:id="rId31">
+              <p14:nvContentPartPr>
+                <p14:cNvPr id="33" name="Entrada de lápiz 32">
+                  <a:extLst>
+                    <a:ext uri="{FF2B5EF4-FFF2-40B4-BE49-F238E27FC236}">
+                      <a16:creationId xmlns:a16="http://schemas.microsoft.com/office/drawing/2014/main" id="{EC8C5973-B529-1A86-62D5-CD4FAB88FEE2}"/>
+                    </a:ext>
+                  </a:extLst>
+                </p14:cNvPr>
+                <p14:cNvContentPartPr/>
+                <p14:nvPr/>
+              </p14:nvContentPartPr>
+              <p14:xfrm>
+                <a:off x="10413850" y="6489340"/>
+                <a:ext cx="360" cy="360"/>
+              </p14:xfrm>
+            </p:contentPart>
+          </mc:Choice>
+          <mc:Fallback>
+            <p:pic>
+              <p:nvPicPr>
+                <p:cNvPr id="33" name="Entrada de lápiz 32">
+                  <a:extLst>
+                    <a:ext uri="{FF2B5EF4-FFF2-40B4-BE49-F238E27FC236}">
+                      <a16:creationId xmlns:a16="http://schemas.microsoft.com/office/drawing/2014/main" id="{EC8C5973-B529-1A86-62D5-CD4FAB88FEE2}"/>
+                    </a:ext>
+                  </a:extLst>
+                </p:cNvPr>
+                <p:cNvPicPr/>
+                <p:nvPr/>
+              </p:nvPicPr>
+              <p:blipFill>
+                <a:blip r:embed="rId8"/>
+                <a:stretch>
+                  <a:fillRect/>
+                </a:stretch>
+              </p:blipFill>
+              <p:spPr>
+                <a:xfrm>
+                  <a:off x="10350850" y="6426700"/>
+                  <a:ext cx="126000" cy="126000"/>
+                </a:xfrm>
+                <a:prstGeom prst="rect">
+                  <a:avLst/>
+                </a:prstGeom>
+              </p:spPr>
+            </p:pic>
+          </mc:Fallback>
+        </mc:AlternateContent>
+        <mc:AlternateContent xmlns:mc="http://schemas.openxmlformats.org/markup-compatibility/2006">
+          <mc:Choice xmlns:p14="http://schemas.microsoft.com/office/powerpoint/2010/main" Requires="p14">
+            <p:contentPart p14:bwMode="auto" r:id="rId32">
+              <p14:nvContentPartPr>
+                <p14:cNvPr id="35" name="Entrada de lápiz 34">
+                  <a:extLst>
+                    <a:ext uri="{FF2B5EF4-FFF2-40B4-BE49-F238E27FC236}">
+                      <a16:creationId xmlns:a16="http://schemas.microsoft.com/office/drawing/2014/main" id="{824B2246-D23F-103F-5B60-C4FCE45E3777}"/>
+                    </a:ext>
+                  </a:extLst>
+                </p14:cNvPr>
+                <p14:cNvContentPartPr/>
+                <p14:nvPr/>
+              </p14:nvContentPartPr>
+              <p14:xfrm>
+                <a:off x="10331410" y="6483220"/>
+                <a:ext cx="360" cy="360"/>
+              </p14:xfrm>
+            </p:contentPart>
+          </mc:Choice>
+          <mc:Fallback>
+            <p:pic>
+              <p:nvPicPr>
+                <p:cNvPr id="35" name="Entrada de lápiz 34">
+                  <a:extLst>
+                    <a:ext uri="{FF2B5EF4-FFF2-40B4-BE49-F238E27FC236}">
+                      <a16:creationId xmlns:a16="http://schemas.microsoft.com/office/drawing/2014/main" id="{824B2246-D23F-103F-5B60-C4FCE45E3777}"/>
+                    </a:ext>
+                  </a:extLst>
+                </p:cNvPr>
+                <p:cNvPicPr/>
+                <p:nvPr/>
+              </p:nvPicPr>
+              <p:blipFill>
+                <a:blip r:embed="rId8"/>
+                <a:stretch>
+                  <a:fillRect/>
+                </a:stretch>
+              </p:blipFill>
+              <p:spPr>
+                <a:xfrm>
+                  <a:off x="10268410" y="6420580"/>
+                  <a:ext cx="126000" cy="126000"/>
+                </a:xfrm>
+                <a:prstGeom prst="rect">
+                  <a:avLst/>
+                </a:prstGeom>
+              </p:spPr>
+            </p:pic>
+          </mc:Fallback>
+        </mc:AlternateContent>
+        <mc:AlternateContent xmlns:mc="http://schemas.openxmlformats.org/markup-compatibility/2006">
+          <mc:Choice xmlns:p14="http://schemas.microsoft.com/office/powerpoint/2010/main" Requires="p14">
+            <p:contentPart p14:bwMode="auto" r:id="rId33">
+              <p14:nvContentPartPr>
+                <p14:cNvPr id="36" name="Entrada de lápiz 35">
+                  <a:extLst>
+                    <a:ext uri="{FF2B5EF4-FFF2-40B4-BE49-F238E27FC236}">
+                      <a16:creationId xmlns:a16="http://schemas.microsoft.com/office/drawing/2014/main" id="{6A44E835-CC10-D2B2-1A90-D6390E5ED65C}"/>
+                    </a:ext>
+                  </a:extLst>
+                </p14:cNvPr>
+                <p14:cNvContentPartPr/>
+                <p14:nvPr/>
+              </p14:nvContentPartPr>
+              <p14:xfrm>
+                <a:off x="10255090" y="6501220"/>
+                <a:ext cx="360" cy="1440"/>
+              </p14:xfrm>
+            </p:contentPart>
+          </mc:Choice>
+          <mc:Fallback>
+            <p:pic>
+              <p:nvPicPr>
+                <p:cNvPr id="36" name="Entrada de lápiz 35">
+                  <a:extLst>
+                    <a:ext uri="{FF2B5EF4-FFF2-40B4-BE49-F238E27FC236}">
+                      <a16:creationId xmlns:a16="http://schemas.microsoft.com/office/drawing/2014/main" id="{6A44E835-CC10-D2B2-1A90-D6390E5ED65C}"/>
+                    </a:ext>
+                  </a:extLst>
+                </p:cNvPr>
+                <p:cNvPicPr/>
+                <p:nvPr/>
+              </p:nvPicPr>
+              <p:blipFill>
+                <a:blip r:embed="rId28"/>
+                <a:stretch>
+                  <a:fillRect/>
+                </a:stretch>
+              </p:blipFill>
+              <p:spPr>
+                <a:xfrm>
+                  <a:off x="10192450" y="6438220"/>
+                  <a:ext cx="126000" cy="127080"/>
+                </a:xfrm>
+                <a:prstGeom prst="rect">
+                  <a:avLst/>
+                </a:prstGeom>
+              </p:spPr>
+            </p:pic>
+          </mc:Fallback>
+        </mc:AlternateContent>
+        <mc:AlternateContent xmlns:mc="http://schemas.openxmlformats.org/markup-compatibility/2006">
+          <mc:Choice xmlns:p14="http://schemas.microsoft.com/office/powerpoint/2010/main" Requires="p14">
+            <p:contentPart p14:bwMode="auto" r:id="rId34">
+              <p14:nvContentPartPr>
+                <p14:cNvPr id="37" name="Entrada de lápiz 36">
+                  <a:extLst>
+                    <a:ext uri="{FF2B5EF4-FFF2-40B4-BE49-F238E27FC236}">
+                      <a16:creationId xmlns:a16="http://schemas.microsoft.com/office/drawing/2014/main" id="{2F8CA1CC-9C5B-7072-02F2-5F43E4FB97EB}"/>
+                    </a:ext>
+                  </a:extLst>
+                </p14:cNvPr>
+                <p14:cNvContentPartPr/>
+                <p14:nvPr/>
+              </p14:nvContentPartPr>
+              <p14:xfrm>
+                <a:off x="10242490" y="6476740"/>
+                <a:ext cx="360" cy="360"/>
+              </p14:xfrm>
+            </p:contentPart>
+          </mc:Choice>
+          <mc:Fallback>
+            <p:pic>
+              <p:nvPicPr>
+                <p:cNvPr id="37" name="Entrada de lápiz 36">
+                  <a:extLst>
+                    <a:ext uri="{FF2B5EF4-FFF2-40B4-BE49-F238E27FC236}">
+                      <a16:creationId xmlns:a16="http://schemas.microsoft.com/office/drawing/2014/main" id="{2F8CA1CC-9C5B-7072-02F2-5F43E4FB97EB}"/>
+                    </a:ext>
+                  </a:extLst>
+                </p:cNvPr>
+                <p:cNvPicPr/>
+                <p:nvPr/>
+              </p:nvPicPr>
+              <p:blipFill>
+                <a:blip r:embed="rId8"/>
+                <a:stretch>
+                  <a:fillRect/>
+                </a:stretch>
+              </p:blipFill>
+              <p:spPr>
+                <a:xfrm>
+                  <a:off x="10179490" y="6414100"/>
+                  <a:ext cx="126000" cy="126000"/>
+                </a:xfrm>
+                <a:prstGeom prst="rect">
+                  <a:avLst/>
+                </a:prstGeom>
+              </p:spPr>
+            </p:pic>
+          </mc:Fallback>
+        </mc:AlternateContent>
+        <mc:AlternateContent xmlns:mc="http://schemas.openxmlformats.org/markup-compatibility/2006">
+          <mc:Choice xmlns:p14="http://schemas.microsoft.com/office/powerpoint/2010/main" Requires="p14">
+            <p:contentPart p14:bwMode="auto" r:id="rId35">
+              <p14:nvContentPartPr>
+                <p14:cNvPr id="38" name="Entrada de lápiz 37">
+                  <a:extLst>
+                    <a:ext uri="{FF2B5EF4-FFF2-40B4-BE49-F238E27FC236}">
+                      <a16:creationId xmlns:a16="http://schemas.microsoft.com/office/drawing/2014/main" id="{4ECB6957-AFC5-41EE-1E78-90299131AD26}"/>
+                    </a:ext>
+                  </a:extLst>
+                </p14:cNvPr>
+                <p14:cNvContentPartPr/>
+                <p14:nvPr/>
+              </p14:nvContentPartPr>
+              <p14:xfrm>
+                <a:off x="10216930" y="6495820"/>
+                <a:ext cx="360" cy="360"/>
+              </p14:xfrm>
+            </p:contentPart>
+          </mc:Choice>
+          <mc:Fallback>
+            <p:pic>
+              <p:nvPicPr>
+                <p:cNvPr id="38" name="Entrada de lápiz 37">
+                  <a:extLst>
+                    <a:ext uri="{FF2B5EF4-FFF2-40B4-BE49-F238E27FC236}">
+                      <a16:creationId xmlns:a16="http://schemas.microsoft.com/office/drawing/2014/main" id="{4ECB6957-AFC5-41EE-1E78-90299131AD26}"/>
+                    </a:ext>
+                  </a:extLst>
+                </p:cNvPr>
+                <p:cNvPicPr/>
+                <p:nvPr/>
+              </p:nvPicPr>
+              <p:blipFill>
+                <a:blip r:embed="rId8"/>
+                <a:stretch>
+                  <a:fillRect/>
+                </a:stretch>
+              </p:blipFill>
+              <p:spPr>
+                <a:xfrm>
+                  <a:off x="10154290" y="6433180"/>
+                  <a:ext cx="126000" cy="126000"/>
+                </a:xfrm>
+                <a:prstGeom prst="rect">
+                  <a:avLst/>
+                </a:prstGeom>
+              </p:spPr>
+            </p:pic>
+          </mc:Fallback>
+        </mc:AlternateContent>
+        <mc:AlternateContent xmlns:mc="http://schemas.openxmlformats.org/markup-compatibility/2006">
+          <mc:Choice xmlns:p14="http://schemas.microsoft.com/office/powerpoint/2010/main" Requires="p14">
+            <p:contentPart p14:bwMode="auto" r:id="rId36">
+              <p14:nvContentPartPr>
+                <p14:cNvPr id="39" name="Entrada de lápiz 38">
+                  <a:extLst>
+                    <a:ext uri="{FF2B5EF4-FFF2-40B4-BE49-F238E27FC236}">
+                      <a16:creationId xmlns:a16="http://schemas.microsoft.com/office/drawing/2014/main" id="{11B6FF7A-106B-782A-92CF-AC051441D186}"/>
+                    </a:ext>
+                  </a:extLst>
+                </p14:cNvPr>
+                <p14:cNvContentPartPr/>
+                <p14:nvPr/>
+              </p14:nvContentPartPr>
+              <p14:xfrm>
+                <a:off x="10178770" y="6476740"/>
+                <a:ext cx="360" cy="360"/>
+              </p14:xfrm>
+            </p:contentPart>
+          </mc:Choice>
+          <mc:Fallback>
+            <p:pic>
+              <p:nvPicPr>
+                <p:cNvPr id="39" name="Entrada de lápiz 38">
+                  <a:extLst>
+                    <a:ext uri="{FF2B5EF4-FFF2-40B4-BE49-F238E27FC236}">
+                      <a16:creationId xmlns:a16="http://schemas.microsoft.com/office/drawing/2014/main" id="{11B6FF7A-106B-782A-92CF-AC051441D186}"/>
+                    </a:ext>
+                  </a:extLst>
+                </p:cNvPr>
+                <p:cNvPicPr/>
+                <p:nvPr/>
+              </p:nvPicPr>
+              <p:blipFill>
+                <a:blip r:embed="rId8"/>
+                <a:stretch>
+                  <a:fillRect/>
+                </a:stretch>
+              </p:blipFill>
+              <p:spPr>
+                <a:xfrm>
+                  <a:off x="10116130" y="6414100"/>
+                  <a:ext cx="126000" cy="126000"/>
+                </a:xfrm>
+                <a:prstGeom prst="rect">
+                  <a:avLst/>
+                </a:prstGeom>
+              </p:spPr>
+            </p:pic>
+          </mc:Fallback>
+        </mc:AlternateContent>
+      </p:grpSp>
     </p:spTree>
   </p:cSld>
   <p:clrMapOvr>
@@ -18899,7 +20912,7 @@
         </p:nvSpPr>
         <p:spPr>
           <a:xfrm>
-            <a:off x="716902" y="1719418"/>
+            <a:off x="659752" y="1954368"/>
             <a:ext cx="10743578" cy="2554505"/>
           </a:xfrm>
           <a:prstGeom prst="rect">
@@ -19085,186 +21098,6 @@
           </a:p>
         </p:txBody>
       </p:sp>
-      <p:pic>
-        <p:nvPicPr>
-          <p:cNvPr id="7" name="Picture 4">
-            <a:extLst>
-              <a:ext uri="{FF2B5EF4-FFF2-40B4-BE49-F238E27FC236}">
-                <a16:creationId xmlns:a16="http://schemas.microsoft.com/office/drawing/2014/main" id="{AE192DB4-09AB-4DFB-AC50-EE57C749C795}"/>
-              </a:ext>
-            </a:extLst>
-          </p:cNvPr>
-          <p:cNvPicPr>
-            <a:picLocks noChangeAspect="1" noChangeArrowheads="1"/>
-          </p:cNvPicPr>
-          <p:nvPr/>
-        </p:nvPicPr>
-        <p:blipFill>
-          <a:blip r:embed="rId4">
-            <a:extLst>
-              <a:ext uri="{28A0092B-C50C-407E-A947-70E740481C1C}">
-                <a14:useLocalDpi xmlns:a14="http://schemas.microsoft.com/office/drawing/2010/main" val="0"/>
-              </a:ext>
-            </a:extLst>
-          </a:blip>
-          <a:srcRect/>
-          <a:stretch>
-            <a:fillRect/>
-          </a:stretch>
-        </p:blipFill>
-        <p:spPr bwMode="auto">
-          <a:xfrm>
-            <a:off x="743491" y="4377686"/>
-            <a:ext cx="2768462" cy="2080800"/>
-          </a:xfrm>
-          <a:prstGeom prst="rect">
-            <a:avLst/>
-          </a:prstGeom>
-          <a:noFill/>
-          <a:ln>
-            <a:noFill/>
-          </a:ln>
-          <a:extLst>
-            <a:ext uri="{909E8E84-426E-40DD-AFC4-6F175D3DCCD1}">
-              <a14:hiddenFill xmlns:a14="http://schemas.microsoft.com/office/drawing/2010/main">
-                <a:solidFill>
-                  <a:srgbClr val="FFFFFF"/>
-                </a:solidFill>
-              </a14:hiddenFill>
-            </a:ext>
-            <a:ext uri="{91240B29-F687-4F45-9708-019B960494DF}">
-              <a14:hiddenLine xmlns:a14="http://schemas.microsoft.com/office/drawing/2010/main" w="12700" cap="flat">
-                <a:solidFill>
-                  <a:srgbClr val="000000"/>
-                </a:solidFill>
-                <a:miter lim="800000"/>
-                <a:headEnd/>
-                <a:tailEnd/>
-              </a14:hiddenLine>
-            </a:ext>
-          </a:extLst>
-        </p:spPr>
-      </p:pic>
-      <p:pic>
-        <p:nvPicPr>
-          <p:cNvPr id="8" name="Picture 5">
-            <a:extLst>
-              <a:ext uri="{FF2B5EF4-FFF2-40B4-BE49-F238E27FC236}">
-                <a16:creationId xmlns:a16="http://schemas.microsoft.com/office/drawing/2014/main" id="{051E9C04-0571-47F3-9A7C-61C7672C21FA}"/>
-              </a:ext>
-            </a:extLst>
-          </p:cNvPr>
-          <p:cNvPicPr>
-            <a:picLocks noChangeAspect="1" noChangeArrowheads="1"/>
-          </p:cNvPicPr>
-          <p:nvPr/>
-        </p:nvPicPr>
-        <p:blipFill>
-          <a:blip r:embed="rId5">
-            <a:extLst>
-              <a:ext uri="{28A0092B-C50C-407E-A947-70E740481C1C}">
-                <a14:useLocalDpi xmlns:a14="http://schemas.microsoft.com/office/drawing/2010/main" val="0"/>
-              </a:ext>
-            </a:extLst>
-          </a:blip>
-          <a:srcRect/>
-          <a:stretch>
-            <a:fillRect/>
-          </a:stretch>
-        </p:blipFill>
-        <p:spPr bwMode="auto">
-          <a:xfrm>
-            <a:off x="8685508" y="4418961"/>
-            <a:ext cx="2769641" cy="2080800"/>
-          </a:xfrm>
-          <a:prstGeom prst="rect">
-            <a:avLst/>
-          </a:prstGeom>
-          <a:noFill/>
-          <a:ln>
-            <a:noFill/>
-          </a:ln>
-          <a:extLst>
-            <a:ext uri="{909E8E84-426E-40DD-AFC4-6F175D3DCCD1}">
-              <a14:hiddenFill xmlns:a14="http://schemas.microsoft.com/office/drawing/2010/main">
-                <a:solidFill>
-                  <a:srgbClr val="FFFFFF"/>
-                </a:solidFill>
-              </a14:hiddenFill>
-            </a:ext>
-            <a:ext uri="{91240B29-F687-4F45-9708-019B960494DF}">
-              <a14:hiddenLine xmlns:a14="http://schemas.microsoft.com/office/drawing/2010/main" w="12700" cap="flat">
-                <a:solidFill>
-                  <a:srgbClr val="000000"/>
-                </a:solidFill>
-                <a:miter lim="800000"/>
-                <a:headEnd/>
-                <a:tailEnd/>
-              </a14:hiddenLine>
-            </a:ext>
-          </a:extLst>
-        </p:spPr>
-      </p:pic>
-      <p:pic>
-        <p:nvPicPr>
-          <p:cNvPr id="9" name="Picture 6">
-            <a:extLst>
-              <a:ext uri="{FF2B5EF4-FFF2-40B4-BE49-F238E27FC236}">
-                <a16:creationId xmlns:a16="http://schemas.microsoft.com/office/drawing/2014/main" id="{4E88B9A8-A5FF-49D9-95C4-0DEE4C6D3358}"/>
-              </a:ext>
-            </a:extLst>
-          </p:cNvPr>
-          <p:cNvPicPr>
-            <a:picLocks noChangeAspect="1" noChangeArrowheads="1"/>
-          </p:cNvPicPr>
-          <p:nvPr/>
-        </p:nvPicPr>
-        <p:blipFill>
-          <a:blip r:embed="rId6">
-            <a:extLst>
-              <a:ext uri="{28A0092B-C50C-407E-A947-70E740481C1C}">
-                <a14:useLocalDpi xmlns:a14="http://schemas.microsoft.com/office/drawing/2010/main" val="0"/>
-              </a:ext>
-            </a:extLst>
-          </a:blip>
-          <a:srcRect/>
-          <a:stretch>
-            <a:fillRect/>
-          </a:stretch>
-        </p:blipFill>
-        <p:spPr bwMode="auto">
-          <a:xfrm>
-            <a:off x="4790292" y="4418961"/>
-            <a:ext cx="2769641" cy="2080800"/>
-          </a:xfrm>
-          <a:prstGeom prst="rect">
-            <a:avLst/>
-          </a:prstGeom>
-          <a:noFill/>
-          <a:ln>
-            <a:noFill/>
-          </a:ln>
-          <a:extLst>
-            <a:ext uri="{909E8E84-426E-40DD-AFC4-6F175D3DCCD1}">
-              <a14:hiddenFill xmlns:a14="http://schemas.microsoft.com/office/drawing/2010/main">
-                <a:solidFill>
-                  <a:srgbClr val="FFFFFF"/>
-                </a:solidFill>
-              </a14:hiddenFill>
-            </a:ext>
-            <a:ext uri="{91240B29-F687-4F45-9708-019B960494DF}">
-              <a14:hiddenLine xmlns:a14="http://schemas.microsoft.com/office/drawing/2010/main" w="12700" cap="flat">
-                <a:solidFill>
-                  <a:srgbClr val="000000"/>
-                </a:solidFill>
-                <a:miter lim="800000"/>
-                <a:headEnd/>
-                <a:tailEnd/>
-              </a14:hiddenLine>
-            </a:ext>
-          </a:extLst>
-        </p:spPr>
-      </p:pic>
     </p:spTree>
     <p:extLst>
       <p:ext uri="{BB962C8B-B14F-4D97-AF65-F5344CB8AC3E}">

--- a/Presentacion_OpenCV.pptx
+++ b/Presentacion_OpenCV.pptx
@@ -5,7 +5,7 @@
     <p:sldMasterId id="2147483648" r:id="rId1"/>
   </p:sldMasterIdLst>
   <p:notesMasterIdLst>
-    <p:notesMasterId r:id="rId14"/>
+    <p:notesMasterId r:id="rId13"/>
   </p:notesMasterIdLst>
   <p:sldIdLst>
     <p:sldId id="256" r:id="rId2"/>
@@ -13,13 +13,12 @@
     <p:sldId id="286" r:id="rId4"/>
     <p:sldId id="277" r:id="rId5"/>
     <p:sldId id="257" r:id="rId6"/>
-    <p:sldId id="282" r:id="rId7"/>
-    <p:sldId id="276" r:id="rId8"/>
-    <p:sldId id="279" r:id="rId9"/>
-    <p:sldId id="283" r:id="rId10"/>
-    <p:sldId id="278" r:id="rId11"/>
-    <p:sldId id="281" r:id="rId12"/>
-    <p:sldId id="280" r:id="rId13"/>
+    <p:sldId id="276" r:id="rId7"/>
+    <p:sldId id="279" r:id="rId8"/>
+    <p:sldId id="283" r:id="rId9"/>
+    <p:sldId id="278" r:id="rId10"/>
+    <p:sldId id="281" r:id="rId11"/>
+    <p:sldId id="280" r:id="rId12"/>
   </p:sldIdLst>
   <p:sldSz cx="12192000" cy="6858000"/>
   <p:notesSz cx="6858000" cy="9144000"/>
@@ -257,7 +256,7 @@
       <p15:sldGuideLst xmlns:p15="http://schemas.microsoft.com/office/powerpoint/2012/main"/>
     </p:ext>
     <p:ext uri="http://customooxmlschemas.google.com/">
-      <go:slidesCustomData xmlns="" xmlns:mc="http://schemas.openxmlformats.org/markup-compatibility/2006" xmlns:mv="urn:schemas-microsoft-com:mac:vml" xmlns:c="http://schemas.openxmlformats.org/drawingml/2006/chart" xmlns:dgm="http://schemas.openxmlformats.org/drawingml/2006/diagram" xmlns:o="urn:schemas-microsoft-com:office:office" xmlns:v="urn:schemas-microsoft-com:vml" xmlns:pvml="urn:schemas-microsoft-com:office:powerpoint" xmlns:com="http://schemas.openxmlformats.org/drawingml/2006/compatibility" xmlns:p14="http://schemas.microsoft.com/office/powerpoint/2010/main" xmlns:p15="http://schemas.microsoft.com/office/powerpoint/2012/main" xmlns:ahyp="http://schemas.microsoft.com/office/drawing/2018/hyperlinkcolor" xmlns:go="http://customooxmlschemas.google.com/" r:id="rId26" roundtripDataSignature="AMtx7mi02RDWfi8lTjsz24NoUUQUySzOHA=="/>
+      <go:slidesCustomData xmlns:go="http://customooxmlschemas.google.com/" xmlns:ahyp="http://schemas.microsoft.com/office/drawing/2018/hyperlinkcolor" xmlns:p15="http://schemas.microsoft.com/office/powerpoint/2012/main" xmlns:p14="http://schemas.microsoft.com/office/powerpoint/2010/main" xmlns:com="http://schemas.openxmlformats.org/drawingml/2006/compatibility" xmlns:pvml="urn:schemas-microsoft-com:office:powerpoint" xmlns:v="urn:schemas-microsoft-com:vml" xmlns:o="urn:schemas-microsoft-com:office:office" xmlns:dgm="http://schemas.openxmlformats.org/drawingml/2006/diagram" xmlns:c="http://schemas.openxmlformats.org/drawingml/2006/chart" xmlns:mv="urn:schemas-microsoft-com:mac:vml" xmlns:mc="http://schemas.openxmlformats.org/markup-compatibility/2006" xmlns="" r:id="rId26" roundtripDataSignature="AMtx7mi02RDWfi8lTjsz24NoUUQUySzOHA=="/>
     </p:ext>
   </p:extLst>
 </p:presentation>
@@ -1810,7 +1809,7 @@
     </p:spTree>
     <p:extLst>
       <p:ext uri="{BB962C8B-B14F-4D97-AF65-F5344CB8AC3E}">
-        <p14:creationId xmlns:p14="http://schemas.microsoft.com/office/powerpoint/2010/main" val="1970826575"/>
+        <p14:creationId xmlns:p14="http://schemas.microsoft.com/office/powerpoint/2010/main" val="601349595"/>
       </p:ext>
     </p:extLst>
   </p:cSld>
@@ -1821,133 +1820,6 @@
 </file>
 
 <file path=ppt/notesSlides/notesSlide11.xml><?xml version="1.0" encoding="utf-8"?>
-<p:notes xmlns:a="http://schemas.openxmlformats.org/drawingml/2006/main" xmlns:r="http://schemas.openxmlformats.org/officeDocument/2006/relationships" xmlns:p="http://schemas.openxmlformats.org/presentationml/2006/main" showMasterSp="0" showMasterPhAnim="0">
-  <p:cSld>
-    <p:spTree>
-      <p:nvGrpSpPr>
-        <p:cNvPr id="1" name="Shape 87"/>
-        <p:cNvGrpSpPr/>
-        <p:nvPr/>
-      </p:nvGrpSpPr>
-      <p:grpSpPr>
-        <a:xfrm>
-          <a:off x="0" y="0"/>
-          <a:ext cx="0" cy="0"/>
-          <a:chOff x="0" y="0"/>
-          <a:chExt cx="0" cy="0"/>
-        </a:xfrm>
-      </p:grpSpPr>
-      <p:sp>
-        <p:nvSpPr>
-          <p:cNvPr id="88" name="Google Shape;88;p2:notes"/>
-          <p:cNvSpPr txBox="1">
-            <a:spLocks noGrp="1"/>
-          </p:cNvSpPr>
-          <p:nvPr>
-            <p:ph type="body" idx="1"/>
-          </p:nvPr>
-        </p:nvSpPr>
-        <p:spPr>
-          <a:xfrm>
-            <a:off x="685800" y="4343400"/>
-            <a:ext cx="5486400" cy="4114800"/>
-          </a:xfrm>
-          <a:prstGeom prst="rect">
-            <a:avLst/>
-          </a:prstGeom>
-          <a:noFill/>
-          <a:ln>
-            <a:noFill/>
-          </a:ln>
-        </p:spPr>
-        <p:txBody>
-          <a:bodyPr spcFirstLastPara="1" wrap="square" lIns="91425" tIns="91425" rIns="91425" bIns="91425" anchor="t" anchorCtr="0">
-            <a:noAutofit/>
-          </a:bodyPr>
-          <a:lstStyle/>
-          <a:p>
-            <a:pPr marL="0" lvl="0" indent="0" algn="l" rtl="0">
-              <a:lnSpc>
-                <a:spcPct val="100000"/>
-              </a:lnSpc>
-              <a:spcBef>
-                <a:spcPts val="0"/>
-              </a:spcBef>
-              <a:spcAft>
-                <a:spcPts val="0"/>
-              </a:spcAft>
-              <a:buSzPts val="1100"/>
-              <a:buNone/>
-            </a:pPr>
-            <a:endParaRPr/>
-          </a:p>
-        </p:txBody>
-      </p:sp>
-      <p:sp>
-        <p:nvSpPr>
-          <p:cNvPr id="89" name="Google Shape;89;p2:notes"/>
-          <p:cNvSpPr>
-            <a:spLocks noGrp="1" noRot="1" noChangeAspect="1"/>
-          </p:cNvSpPr>
-          <p:nvPr>
-            <p:ph type="sldImg" idx="2"/>
-          </p:nvPr>
-        </p:nvSpPr>
-        <p:spPr>
-          <a:xfrm>
-            <a:off x="381000" y="685800"/>
-            <a:ext cx="6096000" cy="3429000"/>
-          </a:xfrm>
-          <a:custGeom>
-            <a:avLst/>
-            <a:gdLst/>
-            <a:ahLst/>
-            <a:cxnLst/>
-            <a:rect l="l" t="t" r="r" b="b"/>
-            <a:pathLst>
-              <a:path w="120000" h="120000" extrusionOk="0">
-                <a:moveTo>
-                  <a:pt x="0" y="0"/>
-                </a:moveTo>
-                <a:lnTo>
-                  <a:pt x="120000" y="0"/>
-                </a:lnTo>
-                <a:lnTo>
-                  <a:pt x="120000" y="120000"/>
-                </a:lnTo>
-                <a:lnTo>
-                  <a:pt x="0" y="120000"/>
-                </a:lnTo>
-                <a:close/>
-              </a:path>
-            </a:pathLst>
-          </a:custGeom>
-          <a:noFill/>
-          <a:ln w="9525" cap="flat" cmpd="sng">
-            <a:solidFill>
-              <a:srgbClr val="000000"/>
-            </a:solidFill>
-            <a:prstDash val="solid"/>
-            <a:round/>
-            <a:headEnd type="none" w="sm" len="sm"/>
-            <a:tailEnd type="none" w="sm" len="sm"/>
-          </a:ln>
-        </p:spPr>
-      </p:sp>
-    </p:spTree>
-    <p:extLst>
-      <p:ext uri="{BB962C8B-B14F-4D97-AF65-F5344CB8AC3E}">
-        <p14:creationId xmlns:p14="http://schemas.microsoft.com/office/powerpoint/2010/main" val="601349595"/>
-      </p:ext>
-    </p:extLst>
-  </p:cSld>
-  <p:clrMapOvr>
-    <a:masterClrMapping/>
-  </p:clrMapOvr>
-</p:notes>
-</file>
-
-<file path=ppt/notesSlides/notesSlide12.xml><?xml version="1.0" encoding="utf-8"?>
 <p:notes xmlns:a="http://schemas.openxmlformats.org/drawingml/2006/main" xmlns:r="http://schemas.openxmlformats.org/officeDocument/2006/relationships" xmlns:p="http://schemas.openxmlformats.org/presentationml/2006/main" showMasterSp="0" showMasterPhAnim="0">
   <p:cSld>
     <p:spTree>
@@ -2694,7 +2566,7 @@
     </p:spTree>
     <p:extLst>
       <p:ext uri="{BB962C8B-B14F-4D97-AF65-F5344CB8AC3E}">
-        <p14:creationId xmlns:p14="http://schemas.microsoft.com/office/powerpoint/2010/main" val="1101917200"/>
+        <p14:creationId xmlns:p14="http://schemas.microsoft.com/office/powerpoint/2010/main" val="2070523767"/>
       </p:ext>
     </p:extLst>
   </p:cSld>
@@ -2705,133 +2577,6 @@
 </file>
 
 <file path=ppt/notesSlides/notesSlide7.xml><?xml version="1.0" encoding="utf-8"?>
-<p:notes xmlns:a="http://schemas.openxmlformats.org/drawingml/2006/main" xmlns:r="http://schemas.openxmlformats.org/officeDocument/2006/relationships" xmlns:p="http://schemas.openxmlformats.org/presentationml/2006/main" showMasterSp="0" showMasterPhAnim="0">
-  <p:cSld>
-    <p:spTree>
-      <p:nvGrpSpPr>
-        <p:cNvPr id="1" name="Shape 87"/>
-        <p:cNvGrpSpPr/>
-        <p:nvPr/>
-      </p:nvGrpSpPr>
-      <p:grpSpPr>
-        <a:xfrm>
-          <a:off x="0" y="0"/>
-          <a:ext cx="0" cy="0"/>
-          <a:chOff x="0" y="0"/>
-          <a:chExt cx="0" cy="0"/>
-        </a:xfrm>
-      </p:grpSpPr>
-      <p:sp>
-        <p:nvSpPr>
-          <p:cNvPr id="88" name="Google Shape;88;p2:notes"/>
-          <p:cNvSpPr txBox="1">
-            <a:spLocks noGrp="1"/>
-          </p:cNvSpPr>
-          <p:nvPr>
-            <p:ph type="body" idx="1"/>
-          </p:nvPr>
-        </p:nvSpPr>
-        <p:spPr>
-          <a:xfrm>
-            <a:off x="685800" y="4343400"/>
-            <a:ext cx="5486400" cy="4114800"/>
-          </a:xfrm>
-          <a:prstGeom prst="rect">
-            <a:avLst/>
-          </a:prstGeom>
-          <a:noFill/>
-          <a:ln>
-            <a:noFill/>
-          </a:ln>
-        </p:spPr>
-        <p:txBody>
-          <a:bodyPr spcFirstLastPara="1" wrap="square" lIns="91425" tIns="91425" rIns="91425" bIns="91425" anchor="t" anchorCtr="0">
-            <a:noAutofit/>
-          </a:bodyPr>
-          <a:lstStyle/>
-          <a:p>
-            <a:pPr marL="0" lvl="0" indent="0" algn="l" rtl="0">
-              <a:lnSpc>
-                <a:spcPct val="100000"/>
-              </a:lnSpc>
-              <a:spcBef>
-                <a:spcPts val="0"/>
-              </a:spcBef>
-              <a:spcAft>
-                <a:spcPts val="0"/>
-              </a:spcAft>
-              <a:buSzPts val="1100"/>
-              <a:buNone/>
-            </a:pPr>
-            <a:endParaRPr/>
-          </a:p>
-        </p:txBody>
-      </p:sp>
-      <p:sp>
-        <p:nvSpPr>
-          <p:cNvPr id="89" name="Google Shape;89;p2:notes"/>
-          <p:cNvSpPr>
-            <a:spLocks noGrp="1" noRot="1" noChangeAspect="1"/>
-          </p:cNvSpPr>
-          <p:nvPr>
-            <p:ph type="sldImg" idx="2"/>
-          </p:nvPr>
-        </p:nvSpPr>
-        <p:spPr>
-          <a:xfrm>
-            <a:off x="381000" y="685800"/>
-            <a:ext cx="6096000" cy="3429000"/>
-          </a:xfrm>
-          <a:custGeom>
-            <a:avLst/>
-            <a:gdLst/>
-            <a:ahLst/>
-            <a:cxnLst/>
-            <a:rect l="l" t="t" r="r" b="b"/>
-            <a:pathLst>
-              <a:path w="120000" h="120000" extrusionOk="0">
-                <a:moveTo>
-                  <a:pt x="0" y="0"/>
-                </a:moveTo>
-                <a:lnTo>
-                  <a:pt x="120000" y="0"/>
-                </a:lnTo>
-                <a:lnTo>
-                  <a:pt x="120000" y="120000"/>
-                </a:lnTo>
-                <a:lnTo>
-                  <a:pt x="0" y="120000"/>
-                </a:lnTo>
-                <a:close/>
-              </a:path>
-            </a:pathLst>
-          </a:custGeom>
-          <a:noFill/>
-          <a:ln w="9525" cap="flat" cmpd="sng">
-            <a:solidFill>
-              <a:srgbClr val="000000"/>
-            </a:solidFill>
-            <a:prstDash val="solid"/>
-            <a:round/>
-            <a:headEnd type="none" w="sm" len="sm"/>
-            <a:tailEnd type="none" w="sm" len="sm"/>
-          </a:ln>
-        </p:spPr>
-      </p:sp>
-    </p:spTree>
-    <p:extLst>
-      <p:ext uri="{BB962C8B-B14F-4D97-AF65-F5344CB8AC3E}">
-        <p14:creationId xmlns:p14="http://schemas.microsoft.com/office/powerpoint/2010/main" val="2070523767"/>
-      </p:ext>
-    </p:extLst>
-  </p:cSld>
-  <p:clrMapOvr>
-    <a:masterClrMapping/>
-  </p:clrMapOvr>
-</p:notes>
-</file>
-
-<file path=ppt/notesSlides/notesSlide8.xml><?xml version="1.0" encoding="utf-8"?>
 <p:notes xmlns:a="http://schemas.openxmlformats.org/drawingml/2006/main" xmlns:r="http://schemas.openxmlformats.org/officeDocument/2006/relationships" xmlns:p="http://schemas.openxmlformats.org/presentationml/2006/main" showMasterSp="0" showMasterPhAnim="0">
   <p:cSld>
     <p:spTree>
@@ -2958,7 +2703,7 @@
 </p:notes>
 </file>
 
-<file path=ppt/notesSlides/notesSlide9.xml><?xml version="1.0" encoding="utf-8"?>
+<file path=ppt/notesSlides/notesSlide8.xml><?xml version="1.0" encoding="utf-8"?>
 <p:notes xmlns:a="http://schemas.openxmlformats.org/drawingml/2006/main" xmlns:r="http://schemas.openxmlformats.org/officeDocument/2006/relationships" xmlns:p="http://schemas.openxmlformats.org/presentationml/2006/main" showMasterSp="0" showMasterPhAnim="0">
   <p:cSld>
     <p:spTree>
@@ -3076,6 +2821,133 @@
     <p:extLst>
       <p:ext uri="{BB962C8B-B14F-4D97-AF65-F5344CB8AC3E}">
         <p14:creationId xmlns:p14="http://schemas.microsoft.com/office/powerpoint/2010/main" val="4096017162"/>
+      </p:ext>
+    </p:extLst>
+  </p:cSld>
+  <p:clrMapOvr>
+    <a:masterClrMapping/>
+  </p:clrMapOvr>
+</p:notes>
+</file>
+
+<file path=ppt/notesSlides/notesSlide9.xml><?xml version="1.0" encoding="utf-8"?>
+<p:notes xmlns:a="http://schemas.openxmlformats.org/drawingml/2006/main" xmlns:r="http://schemas.openxmlformats.org/officeDocument/2006/relationships" xmlns:p="http://schemas.openxmlformats.org/presentationml/2006/main" showMasterSp="0" showMasterPhAnim="0">
+  <p:cSld>
+    <p:spTree>
+      <p:nvGrpSpPr>
+        <p:cNvPr id="1" name="Shape 87"/>
+        <p:cNvGrpSpPr/>
+        <p:nvPr/>
+      </p:nvGrpSpPr>
+      <p:grpSpPr>
+        <a:xfrm>
+          <a:off x="0" y="0"/>
+          <a:ext cx="0" cy="0"/>
+          <a:chOff x="0" y="0"/>
+          <a:chExt cx="0" cy="0"/>
+        </a:xfrm>
+      </p:grpSpPr>
+      <p:sp>
+        <p:nvSpPr>
+          <p:cNvPr id="88" name="Google Shape;88;p2:notes"/>
+          <p:cNvSpPr txBox="1">
+            <a:spLocks noGrp="1"/>
+          </p:cNvSpPr>
+          <p:nvPr>
+            <p:ph type="body" idx="1"/>
+          </p:nvPr>
+        </p:nvSpPr>
+        <p:spPr>
+          <a:xfrm>
+            <a:off x="685800" y="4343400"/>
+            <a:ext cx="5486400" cy="4114800"/>
+          </a:xfrm>
+          <a:prstGeom prst="rect">
+            <a:avLst/>
+          </a:prstGeom>
+          <a:noFill/>
+          <a:ln>
+            <a:noFill/>
+          </a:ln>
+        </p:spPr>
+        <p:txBody>
+          <a:bodyPr spcFirstLastPara="1" wrap="square" lIns="91425" tIns="91425" rIns="91425" bIns="91425" anchor="t" anchorCtr="0">
+            <a:noAutofit/>
+          </a:bodyPr>
+          <a:lstStyle/>
+          <a:p>
+            <a:pPr marL="0" lvl="0" indent="0" algn="l" rtl="0">
+              <a:lnSpc>
+                <a:spcPct val="100000"/>
+              </a:lnSpc>
+              <a:spcBef>
+                <a:spcPts val="0"/>
+              </a:spcBef>
+              <a:spcAft>
+                <a:spcPts val="0"/>
+              </a:spcAft>
+              <a:buSzPts val="1100"/>
+              <a:buNone/>
+            </a:pPr>
+            <a:endParaRPr/>
+          </a:p>
+        </p:txBody>
+      </p:sp>
+      <p:sp>
+        <p:nvSpPr>
+          <p:cNvPr id="89" name="Google Shape;89;p2:notes"/>
+          <p:cNvSpPr>
+            <a:spLocks noGrp="1" noRot="1" noChangeAspect="1"/>
+          </p:cNvSpPr>
+          <p:nvPr>
+            <p:ph type="sldImg" idx="2"/>
+          </p:nvPr>
+        </p:nvSpPr>
+        <p:spPr>
+          <a:xfrm>
+            <a:off x="381000" y="685800"/>
+            <a:ext cx="6096000" cy="3429000"/>
+          </a:xfrm>
+          <a:custGeom>
+            <a:avLst/>
+            <a:gdLst/>
+            <a:ahLst/>
+            <a:cxnLst/>
+            <a:rect l="l" t="t" r="r" b="b"/>
+            <a:pathLst>
+              <a:path w="120000" h="120000" extrusionOk="0">
+                <a:moveTo>
+                  <a:pt x="0" y="0"/>
+                </a:moveTo>
+                <a:lnTo>
+                  <a:pt x="120000" y="0"/>
+                </a:lnTo>
+                <a:lnTo>
+                  <a:pt x="120000" y="120000"/>
+                </a:lnTo>
+                <a:lnTo>
+                  <a:pt x="0" y="120000"/>
+                </a:lnTo>
+                <a:close/>
+              </a:path>
+            </a:pathLst>
+          </a:custGeom>
+          <a:noFill/>
+          <a:ln w="9525" cap="flat" cmpd="sng">
+            <a:solidFill>
+              <a:srgbClr val="000000"/>
+            </a:solidFill>
+            <a:prstDash val="solid"/>
+            <a:round/>
+            <a:headEnd type="none" w="sm" len="sm"/>
+            <a:tailEnd type="none" w="sm" len="sm"/>
+          </a:ln>
+        </p:spPr>
+      </p:sp>
+    </p:spTree>
+    <p:extLst>
+      <p:ext uri="{BB962C8B-B14F-4D97-AF65-F5344CB8AC3E}">
+        <p14:creationId xmlns:p14="http://schemas.microsoft.com/office/powerpoint/2010/main" val="1970826575"/>
       </p:ext>
     </p:extLst>
   </p:cSld>
@@ -16656,461 +16528,6 @@
         </p:nvSpPr>
         <p:spPr>
           <a:xfrm>
-            <a:off x="716902" y="290092"/>
-            <a:ext cx="10515600" cy="1325563"/>
-          </a:xfrm>
-          <a:prstGeom prst="rect">
-            <a:avLst/>
-          </a:prstGeom>
-          <a:noFill/>
-          <a:ln>
-            <a:noFill/>
-          </a:ln>
-        </p:spPr>
-        <p:txBody>
-          <a:bodyPr spcFirstLastPara="1" wrap="square" lIns="91425" tIns="45700" rIns="91425" bIns="45700" anchor="ctr" anchorCtr="0">
-            <a:normAutofit/>
-          </a:bodyPr>
-          <a:lstStyle/>
-          <a:p>
-            <a:pPr marL="0" lvl="0" indent="0" algn="l" rtl="0">
-              <a:lnSpc>
-                <a:spcPct val="90000"/>
-              </a:lnSpc>
-              <a:spcBef>
-                <a:spcPts val="0"/>
-              </a:spcBef>
-              <a:spcAft>
-                <a:spcPts val="0"/>
-              </a:spcAft>
-              <a:buClr>
-                <a:schemeClr val="lt1"/>
-              </a:buClr>
-              <a:buSzPts val="4400"/>
-              <a:buFont typeface="Calibri"/>
-              <a:buNone/>
-            </a:pPr>
-            <a:r>
-              <a:rPr lang="es-ES" dirty="0" err="1"/>
-              <a:t>OpenCV</a:t>
-            </a:r>
-            <a:endParaRPr dirty="0"/>
-          </a:p>
-        </p:txBody>
-      </p:sp>
-      <p:sp>
-        <p:nvSpPr>
-          <p:cNvPr id="93" name="Google Shape;93;p2"/>
-          <p:cNvSpPr/>
-          <p:nvPr/>
-        </p:nvSpPr>
-        <p:spPr>
-          <a:xfrm>
-            <a:off x="497691" y="763312"/>
-            <a:ext cx="90138" cy="654341"/>
-          </a:xfrm>
-          <a:prstGeom prst="rect">
-            <a:avLst/>
-          </a:prstGeom>
-          <a:solidFill>
-            <a:srgbClr val="C00000"/>
-          </a:solidFill>
-          <a:ln>
-            <a:noFill/>
-          </a:ln>
-        </p:spPr>
-        <p:txBody>
-          <a:bodyPr spcFirstLastPara="1" wrap="square" lIns="91425" tIns="45700" rIns="91425" bIns="45700" anchor="ctr" anchorCtr="0">
-            <a:noAutofit/>
-          </a:bodyPr>
-          <a:lstStyle/>
-          <a:p>
-            <a:pPr marL="0" marR="0" lvl="0" indent="0" algn="ctr" rtl="0">
-              <a:lnSpc>
-                <a:spcPct val="100000"/>
-              </a:lnSpc>
-              <a:spcBef>
-                <a:spcPts val="0"/>
-              </a:spcBef>
-              <a:spcAft>
-                <a:spcPts val="0"/>
-              </a:spcAft>
-              <a:buClr>
-                <a:srgbClr val="000000"/>
-              </a:buClr>
-              <a:buSzPts val="1800"/>
-              <a:buFont typeface="Arial"/>
-              <a:buNone/>
-            </a:pPr>
-            <a:endParaRPr sz="1800" b="0" i="0" u="none" strike="noStrike" cap="none">
-              <a:solidFill>
-                <a:schemeClr val="lt1"/>
-              </a:solidFill>
-              <a:latin typeface="Calibri"/>
-              <a:ea typeface="Calibri"/>
-              <a:cs typeface="Calibri"/>
-              <a:sym typeface="Calibri"/>
-            </a:endParaRPr>
-          </a:p>
-        </p:txBody>
-      </p:sp>
-      <p:pic>
-        <p:nvPicPr>
-          <p:cNvPr id="6" name="Picture 4" descr="Adding OpenCV 4.1.2 to Visual Studio 2019 Project in Windows using  Pre-built binaries | by Ye Joo Park | Medium">
-            <a:extLst>
-              <a:ext uri="{FF2B5EF4-FFF2-40B4-BE49-F238E27FC236}">
-                <a16:creationId xmlns:a16="http://schemas.microsoft.com/office/drawing/2014/main" id="{21C87F93-37F3-4740-B471-E34D243F6EAB}"/>
-              </a:ext>
-            </a:extLst>
-          </p:cNvPr>
-          <p:cNvPicPr>
-            <a:picLocks noChangeAspect="1" noChangeArrowheads="1"/>
-          </p:cNvPicPr>
-          <p:nvPr/>
-        </p:nvPicPr>
-        <p:blipFill rotWithShape="1">
-          <a:blip r:embed="rId3">
-            <a:clrChange>
-              <a:clrFrom>
-                <a:srgbClr val="000000"/>
-              </a:clrFrom>
-              <a:clrTo>
-                <a:srgbClr val="000000">
-                  <a:alpha val="0"/>
-                </a:srgbClr>
-              </a:clrTo>
-            </a:clrChange>
-            <a:extLst>
-              <a:ext uri="{28A0092B-C50C-407E-A947-70E740481C1C}">
-                <a14:useLocalDpi xmlns:a14="http://schemas.microsoft.com/office/drawing/2010/main" val="0"/>
-              </a:ext>
-            </a:extLst>
-          </a:blip>
-          <a:srcRect l="70200" t="25715" r="12100" b="22143"/>
-          <a:stretch/>
-        </p:blipFill>
-        <p:spPr bwMode="auto">
-          <a:xfrm>
-            <a:off x="10680456" y="309142"/>
-            <a:ext cx="1104091" cy="1366079"/>
-          </a:xfrm>
-          <a:prstGeom prst="rect">
-            <a:avLst/>
-          </a:prstGeom>
-          <a:noFill/>
-          <a:extLst>
-            <a:ext uri="{909E8E84-426E-40DD-AFC4-6F175D3DCCD1}">
-              <a14:hiddenFill xmlns:a14="http://schemas.microsoft.com/office/drawing/2010/main">
-                <a:solidFill>
-                  <a:srgbClr val="FFFFFF"/>
-                </a:solidFill>
-              </a14:hiddenFill>
-            </a:ext>
-          </a:extLst>
-        </p:spPr>
-      </p:pic>
-      <p:sp>
-        <p:nvSpPr>
-          <p:cNvPr id="63" name="Google Shape;128;p34">
-            <a:extLst>
-              <a:ext uri="{FF2B5EF4-FFF2-40B4-BE49-F238E27FC236}">
-                <a16:creationId xmlns:a16="http://schemas.microsoft.com/office/drawing/2014/main" id="{5609CFF8-8B58-4AEB-AF04-D3EB36FC139C}"/>
-              </a:ext>
-            </a:extLst>
-          </p:cNvPr>
-          <p:cNvSpPr/>
-          <p:nvPr/>
-        </p:nvSpPr>
-        <p:spPr>
-          <a:xfrm>
-            <a:off x="1895475" y="1922210"/>
-            <a:ext cx="8401049" cy="3539390"/>
-          </a:xfrm>
-          <a:prstGeom prst="rect">
-            <a:avLst/>
-          </a:prstGeom>
-          <a:noFill/>
-          <a:ln>
-            <a:noFill/>
-          </a:ln>
-        </p:spPr>
-        <p:txBody>
-          <a:bodyPr spcFirstLastPara="1" wrap="square" lIns="91425" tIns="45700" rIns="91425" bIns="45700" anchor="t" anchorCtr="0">
-            <a:spAutoFit/>
-          </a:bodyPr>
-          <a:lstStyle/>
-          <a:p>
-            <a:pPr marR="0" lvl="0" algn="ctr" rtl="0">
-              <a:lnSpc>
-                <a:spcPct val="100000"/>
-              </a:lnSpc>
-              <a:spcBef>
-                <a:spcPts val="0"/>
-              </a:spcBef>
-              <a:spcAft>
-                <a:spcPts val="0"/>
-              </a:spcAft>
-              <a:buClr>
-                <a:schemeClr val="bg1"/>
-              </a:buClr>
-              <a:buSzPts val="2400"/>
-            </a:pPr>
-            <a:r>
-              <a:rPr lang="es-ES" sz="3200" b="1" i="1" dirty="0">
-                <a:solidFill>
-                  <a:schemeClr val="bg1">
-                    <a:lumMod val="95000"/>
-                  </a:schemeClr>
-                </a:solidFill>
-                <a:latin typeface="Calibri"/>
-                <a:cs typeface="Calibri"/>
-                <a:sym typeface="Calibri"/>
-              </a:rPr>
-              <a:t>Limitaciones</a:t>
-            </a:r>
-            <a:r>
-              <a:rPr lang="es-ES" sz="3200" i="1" dirty="0">
-                <a:solidFill>
-                  <a:schemeClr val="bg1">
-                    <a:lumMod val="95000"/>
-                  </a:schemeClr>
-                </a:solidFill>
-                <a:latin typeface="Calibri"/>
-                <a:cs typeface="Calibri"/>
-                <a:sym typeface="Calibri"/>
-              </a:rPr>
-              <a:t>:</a:t>
-            </a:r>
-          </a:p>
-          <a:p>
-            <a:pPr marL="342900" marR="0" lvl="0" indent="-342900" algn="ctr" rtl="0">
-              <a:lnSpc>
-                <a:spcPct val="100000"/>
-              </a:lnSpc>
-              <a:spcBef>
-                <a:spcPts val="0"/>
-              </a:spcBef>
-              <a:spcAft>
-                <a:spcPts val="0"/>
-              </a:spcAft>
-              <a:buClr>
-                <a:schemeClr val="bg1"/>
-              </a:buClr>
-              <a:buSzPts val="2400"/>
-              <a:buFont typeface="Arial" panose="020B0604020202020204" pitchFamily="34" charset="0"/>
-              <a:buChar char="•"/>
-            </a:pPr>
-            <a:r>
-              <a:rPr lang="es-ES" sz="3200" i="1" dirty="0">
-                <a:solidFill>
-                  <a:schemeClr val="bg1">
-                    <a:lumMod val="95000"/>
-                  </a:schemeClr>
-                </a:solidFill>
-                <a:latin typeface="Calibri"/>
-                <a:cs typeface="Calibri"/>
-                <a:sym typeface="Calibri"/>
-              </a:rPr>
-              <a:t>Dependencia de la calidad de la muestra</a:t>
-            </a:r>
-          </a:p>
-          <a:p>
-            <a:pPr marL="342900" marR="0" lvl="0" indent="-342900" algn="ctr" rtl="0">
-              <a:lnSpc>
-                <a:spcPct val="100000"/>
-              </a:lnSpc>
-              <a:spcBef>
-                <a:spcPts val="0"/>
-              </a:spcBef>
-              <a:spcAft>
-                <a:spcPts val="0"/>
-              </a:spcAft>
-              <a:buClr>
-                <a:schemeClr val="bg1"/>
-              </a:buClr>
-              <a:buSzPts val="2400"/>
-              <a:buFont typeface="Arial" panose="020B0604020202020204" pitchFamily="34" charset="0"/>
-              <a:buChar char="•"/>
-            </a:pPr>
-            <a:r>
-              <a:rPr lang="es-ES" sz="3200" i="1" dirty="0">
-                <a:solidFill>
-                  <a:schemeClr val="bg1">
-                    <a:lumMod val="95000"/>
-                  </a:schemeClr>
-                </a:solidFill>
-                <a:latin typeface="Calibri"/>
-                <a:cs typeface="Calibri"/>
-                <a:sym typeface="Calibri"/>
-              </a:rPr>
-              <a:t>Sensible a condiciones de iluminación</a:t>
-            </a:r>
-          </a:p>
-          <a:p>
-            <a:pPr marL="342900" marR="0" lvl="0" indent="-342900" algn="ctr" rtl="0">
-              <a:lnSpc>
-                <a:spcPct val="100000"/>
-              </a:lnSpc>
-              <a:spcBef>
-                <a:spcPts val="0"/>
-              </a:spcBef>
-              <a:spcAft>
-                <a:spcPts val="0"/>
-              </a:spcAft>
-              <a:buClr>
-                <a:schemeClr val="bg1"/>
-              </a:buClr>
-              <a:buSzPts val="2400"/>
-              <a:buFont typeface="Arial" panose="020B0604020202020204" pitchFamily="34" charset="0"/>
-              <a:buChar char="•"/>
-            </a:pPr>
-            <a:r>
-              <a:rPr lang="es-ES" sz="3200" i="1" dirty="0">
-                <a:solidFill>
-                  <a:schemeClr val="bg1">
-                    <a:lumMod val="95000"/>
-                  </a:schemeClr>
-                </a:solidFill>
-                <a:latin typeface="Calibri"/>
-                <a:cs typeface="Calibri"/>
-                <a:sym typeface="Calibri"/>
-              </a:rPr>
-              <a:t>Recursos de computación</a:t>
-            </a:r>
-          </a:p>
-          <a:p>
-            <a:pPr marL="342900" marR="0" lvl="0" indent="-342900" algn="ctr" rtl="0">
-              <a:lnSpc>
-                <a:spcPct val="100000"/>
-              </a:lnSpc>
-              <a:spcBef>
-                <a:spcPts val="0"/>
-              </a:spcBef>
-              <a:spcAft>
-                <a:spcPts val="0"/>
-              </a:spcAft>
-              <a:buClr>
-                <a:schemeClr val="bg1"/>
-              </a:buClr>
-              <a:buSzPts val="2400"/>
-              <a:buFont typeface="Arial" panose="020B0604020202020204" pitchFamily="34" charset="0"/>
-              <a:buChar char="•"/>
-            </a:pPr>
-            <a:r>
-              <a:rPr lang="es-ES" sz="3200" i="1" dirty="0">
-                <a:solidFill>
-                  <a:schemeClr val="bg1">
-                    <a:lumMod val="95000"/>
-                  </a:schemeClr>
-                </a:solidFill>
-                <a:latin typeface="Calibri"/>
-                <a:cs typeface="Calibri"/>
-                <a:sym typeface="Calibri"/>
-              </a:rPr>
-              <a:t>Reconocimiento facial limitado</a:t>
-            </a:r>
-          </a:p>
-          <a:p>
-            <a:pPr marR="0" lvl="0" algn="ctr" rtl="0">
-              <a:lnSpc>
-                <a:spcPct val="100000"/>
-              </a:lnSpc>
-              <a:spcBef>
-                <a:spcPts val="0"/>
-              </a:spcBef>
-              <a:spcAft>
-                <a:spcPts val="0"/>
-              </a:spcAft>
-              <a:buClr>
-                <a:schemeClr val="bg1"/>
-              </a:buClr>
-              <a:buSzPts val="2400"/>
-            </a:pPr>
-            <a:r>
-              <a:rPr lang="es-ES" sz="3200" i="1" dirty="0">
-                <a:solidFill>
-                  <a:schemeClr val="bg1">
-                    <a:lumMod val="95000"/>
-                  </a:schemeClr>
-                </a:solidFill>
-                <a:latin typeface="Calibri"/>
-                <a:cs typeface="Calibri"/>
-                <a:sym typeface="Calibri"/>
-              </a:rPr>
-              <a:t>…</a:t>
-            </a:r>
-          </a:p>
-          <a:p>
-            <a:pPr marR="0" lvl="0" algn="ctr" rtl="0">
-              <a:lnSpc>
-                <a:spcPct val="100000"/>
-              </a:lnSpc>
-              <a:spcBef>
-                <a:spcPts val="0"/>
-              </a:spcBef>
-              <a:spcAft>
-                <a:spcPts val="0"/>
-              </a:spcAft>
-              <a:buClr>
-                <a:schemeClr val="bg1"/>
-              </a:buClr>
-              <a:buSzPts val="2400"/>
-            </a:pPr>
-            <a:endParaRPr lang="es-ES" sz="3200" i="1" dirty="0">
-              <a:solidFill>
-                <a:schemeClr val="bg1">
-                  <a:lumMod val="95000"/>
-                </a:schemeClr>
-              </a:solidFill>
-              <a:latin typeface="Calibri"/>
-              <a:cs typeface="Calibri"/>
-              <a:sym typeface="Calibri"/>
-            </a:endParaRPr>
-          </a:p>
-        </p:txBody>
-      </p:sp>
-    </p:spTree>
-    <p:extLst>
-      <p:ext uri="{BB962C8B-B14F-4D97-AF65-F5344CB8AC3E}">
-        <p14:creationId xmlns:p14="http://schemas.microsoft.com/office/powerpoint/2010/main" val="731692765"/>
-      </p:ext>
-    </p:extLst>
-  </p:cSld>
-  <p:clrMapOvr>
-    <a:masterClrMapping/>
-  </p:clrMapOvr>
-</p:sld>
-</file>
-
-<file path=ppt/slides/slide11.xml><?xml version="1.0" encoding="utf-8"?>
-<p:sld xmlns:a="http://schemas.openxmlformats.org/drawingml/2006/main" xmlns:r="http://schemas.openxmlformats.org/officeDocument/2006/relationships" xmlns:p="http://schemas.openxmlformats.org/presentationml/2006/main">
-  <p:cSld>
-    <p:spTree>
-      <p:nvGrpSpPr>
-        <p:cNvPr id="1" name="Shape 90"/>
-        <p:cNvGrpSpPr/>
-        <p:nvPr/>
-      </p:nvGrpSpPr>
-      <p:grpSpPr>
-        <a:xfrm>
-          <a:off x="0" y="0"/>
-          <a:ext cx="0" cy="0"/>
-          <a:chOff x="0" y="0"/>
-          <a:chExt cx="0" cy="0"/>
-        </a:xfrm>
-      </p:grpSpPr>
-      <p:sp>
-        <p:nvSpPr>
-          <p:cNvPr id="91" name="Google Shape;91;p2"/>
-          <p:cNvSpPr txBox="1">
-            <a:spLocks noGrp="1"/>
-          </p:cNvSpPr>
-          <p:nvPr>
-            <p:ph type="title"/>
-          </p:nvPr>
-        </p:nvSpPr>
-        <p:spPr>
-          <a:xfrm>
             <a:off x="716902" y="271042"/>
             <a:ext cx="10515600" cy="1325563"/>
           </a:xfrm>
@@ -17442,7 +16859,7 @@
 </p:sld>
 </file>
 
-<file path=ppt/slides/slide12.xml><?xml version="1.0" encoding="utf-8"?>
+<file path=ppt/slides/slide11.xml><?xml version="1.0" encoding="utf-8"?>
 <p:sld xmlns:a="http://schemas.openxmlformats.org/drawingml/2006/main" xmlns:r="http://schemas.openxmlformats.org/officeDocument/2006/relationships" xmlns:p="http://schemas.openxmlformats.org/presentationml/2006/main">
   <p:cSld>
     <p:spTree>
@@ -18860,7 +18277,7 @@
                 <a:cs typeface="Calibri"/>
                 <a:sym typeface="Calibri"/>
               </a:rPr>
-              <a:t>Es una librería que permite el procesado de imágenes, vídeos… que optimizar el entrenamiento de nuestro modelo. Está disponible para C, C++ y Python.</a:t>
+              <a:t>Es una librería que permite el procesado de imágenes, vídeos… que permite optimizar el entrenamiento de nuestro modelo. Está disponible para C, C++ y Python.</a:t>
             </a:r>
           </a:p>
         </p:txBody>
@@ -19310,8 +18727,8 @@
           </a:prstGeom>
         </p:spPr>
       </p:pic>
-      <mc:AlternateContent xmlns:mc="http://schemas.openxmlformats.org/markup-compatibility/2006">
-        <mc:Choice xmlns:p14="http://schemas.microsoft.com/office/powerpoint/2010/main" Requires="p14">
+      <mc:AlternateContent xmlns:mc="http://schemas.openxmlformats.org/markup-compatibility/2006" xmlns:p14="http://schemas.microsoft.com/office/powerpoint/2010/main">
+        <mc:Choice Requires="p14">
           <p:contentPart p14:bwMode="auto" r:id="rId5">
             <p14:nvContentPartPr>
               <p14:cNvPr id="4" name="Entrada de lápiz 3">
@@ -19330,7 +18747,7 @@
             </p14:xfrm>
           </p:contentPart>
         </mc:Choice>
-        <mc:Fallback>
+        <mc:Fallback xmlns="">
           <p:pic>
             <p:nvPicPr>
               <p:cNvPr id="4" name="Entrada de lápiz 3">
@@ -19381,8 +18798,8 @@
             <a:chExt cx="1391040" cy="76680"/>
           </a:xfrm>
         </p:grpSpPr>
-        <mc:AlternateContent xmlns:mc="http://schemas.openxmlformats.org/markup-compatibility/2006">
-          <mc:Choice xmlns:p14="http://schemas.microsoft.com/office/powerpoint/2010/main" Requires="p14">
+        <mc:AlternateContent xmlns:mc="http://schemas.openxmlformats.org/markup-compatibility/2006" xmlns:p14="http://schemas.microsoft.com/office/powerpoint/2010/main">
+          <mc:Choice Requires="p14">
             <p:contentPart p14:bwMode="auto" r:id="rId7">
               <p14:nvContentPartPr>
                 <p14:cNvPr id="5" name="Entrada de lápiz 4">
@@ -19401,7 +18818,7 @@
               </p14:xfrm>
             </p:contentPart>
           </mc:Choice>
-          <mc:Fallback>
+          <mc:Fallback xmlns="">
             <p:pic>
               <p:nvPicPr>
                 <p:cNvPr id="5" name="Entrada de lápiz 4">
@@ -19432,8 +18849,8 @@
             </p:pic>
           </mc:Fallback>
         </mc:AlternateContent>
-        <mc:AlternateContent xmlns:mc="http://schemas.openxmlformats.org/markup-compatibility/2006">
-          <mc:Choice xmlns:p14="http://schemas.microsoft.com/office/powerpoint/2010/main" Requires="p14">
+        <mc:AlternateContent xmlns:mc="http://schemas.openxmlformats.org/markup-compatibility/2006" xmlns:p14="http://schemas.microsoft.com/office/powerpoint/2010/main">
+          <mc:Choice Requires="p14">
             <p:contentPart p14:bwMode="auto" r:id="rId9">
               <p14:nvContentPartPr>
                 <p14:cNvPr id="7" name="Entrada de lápiz 6">
@@ -19452,7 +18869,7 @@
               </p14:xfrm>
             </p:contentPart>
           </mc:Choice>
-          <mc:Fallback>
+          <mc:Fallback xmlns="">
             <p:pic>
               <p:nvPicPr>
                 <p:cNvPr id="7" name="Entrada de lápiz 6">
@@ -19483,8 +18900,8 @@
             </p:pic>
           </mc:Fallback>
         </mc:AlternateContent>
-        <mc:AlternateContent xmlns:mc="http://schemas.openxmlformats.org/markup-compatibility/2006">
-          <mc:Choice xmlns:p14="http://schemas.microsoft.com/office/powerpoint/2010/main" Requires="p14">
+        <mc:AlternateContent xmlns:mc="http://schemas.openxmlformats.org/markup-compatibility/2006" xmlns:p14="http://schemas.microsoft.com/office/powerpoint/2010/main">
+          <mc:Choice Requires="p14">
             <p:contentPart p14:bwMode="auto" r:id="rId11">
               <p14:nvContentPartPr>
                 <p14:cNvPr id="9" name="Entrada de lápiz 8">
@@ -19503,7 +18920,7 @@
               </p14:xfrm>
             </p:contentPart>
           </mc:Choice>
-          <mc:Fallback>
+          <mc:Fallback xmlns="">
             <p:pic>
               <p:nvPicPr>
                 <p:cNvPr id="9" name="Entrada de lápiz 8">
@@ -19534,8 +18951,8 @@
             </p:pic>
           </mc:Fallback>
         </mc:AlternateContent>
-        <mc:AlternateContent xmlns:mc="http://schemas.openxmlformats.org/markup-compatibility/2006">
-          <mc:Choice xmlns:p14="http://schemas.microsoft.com/office/powerpoint/2010/main" Requires="p14">
+        <mc:AlternateContent xmlns:mc="http://schemas.openxmlformats.org/markup-compatibility/2006" xmlns:p14="http://schemas.microsoft.com/office/powerpoint/2010/main">
+          <mc:Choice Requires="p14">
             <p:contentPart p14:bwMode="auto" r:id="rId12">
               <p14:nvContentPartPr>
                 <p14:cNvPr id="10" name="Entrada de lápiz 9">
@@ -19554,7 +18971,7 @@
               </p14:xfrm>
             </p:contentPart>
           </mc:Choice>
-          <mc:Fallback>
+          <mc:Fallback xmlns="">
             <p:pic>
               <p:nvPicPr>
                 <p:cNvPr id="10" name="Entrada de lápiz 9">
@@ -19585,8 +19002,8 @@
             </p:pic>
           </mc:Fallback>
         </mc:AlternateContent>
-        <mc:AlternateContent xmlns:mc="http://schemas.openxmlformats.org/markup-compatibility/2006">
-          <mc:Choice xmlns:p14="http://schemas.microsoft.com/office/powerpoint/2010/main" Requires="p14">
+        <mc:AlternateContent xmlns:mc="http://schemas.openxmlformats.org/markup-compatibility/2006" xmlns:p14="http://schemas.microsoft.com/office/powerpoint/2010/main">
+          <mc:Choice Requires="p14">
             <p:contentPart p14:bwMode="auto" r:id="rId14">
               <p14:nvContentPartPr>
                 <p14:cNvPr id="11" name="Entrada de lápiz 10">
@@ -19605,7 +19022,7 @@
               </p14:xfrm>
             </p:contentPart>
           </mc:Choice>
-          <mc:Fallback>
+          <mc:Fallback xmlns="">
             <p:pic>
               <p:nvPicPr>
                 <p:cNvPr id="11" name="Entrada de lápiz 10">
@@ -19636,8 +19053,8 @@
             </p:pic>
           </mc:Fallback>
         </mc:AlternateContent>
-        <mc:AlternateContent xmlns:mc="http://schemas.openxmlformats.org/markup-compatibility/2006">
-          <mc:Choice xmlns:p14="http://schemas.microsoft.com/office/powerpoint/2010/main" Requires="p14">
+        <mc:AlternateContent xmlns:mc="http://schemas.openxmlformats.org/markup-compatibility/2006" xmlns:p14="http://schemas.microsoft.com/office/powerpoint/2010/main">
+          <mc:Choice Requires="p14">
             <p:contentPart p14:bwMode="auto" r:id="rId15">
               <p14:nvContentPartPr>
                 <p14:cNvPr id="12" name="Entrada de lápiz 11">
@@ -19656,7 +19073,7 @@
               </p14:xfrm>
             </p:contentPart>
           </mc:Choice>
-          <mc:Fallback>
+          <mc:Fallback xmlns="">
             <p:pic>
               <p:nvPicPr>
                 <p:cNvPr id="12" name="Entrada de lápiz 11">
@@ -19687,8 +19104,8 @@
             </p:pic>
           </mc:Fallback>
         </mc:AlternateContent>
-        <mc:AlternateContent xmlns:mc="http://schemas.openxmlformats.org/markup-compatibility/2006">
-          <mc:Choice xmlns:p14="http://schemas.microsoft.com/office/powerpoint/2010/main" Requires="p14">
+        <mc:AlternateContent xmlns:mc="http://schemas.openxmlformats.org/markup-compatibility/2006" xmlns:p14="http://schemas.microsoft.com/office/powerpoint/2010/main">
+          <mc:Choice Requires="p14">
             <p:contentPart p14:bwMode="auto" r:id="rId16">
               <p14:nvContentPartPr>
                 <p14:cNvPr id="13" name="Entrada de lápiz 12">
@@ -19707,7 +19124,7 @@
               </p14:xfrm>
             </p:contentPart>
           </mc:Choice>
-          <mc:Fallback>
+          <mc:Fallback xmlns="">
             <p:pic>
               <p:nvPicPr>
                 <p:cNvPr id="13" name="Entrada de lápiz 12">
@@ -19738,8 +19155,8 @@
             </p:pic>
           </mc:Fallback>
         </mc:AlternateContent>
-        <mc:AlternateContent xmlns:mc="http://schemas.openxmlformats.org/markup-compatibility/2006">
-          <mc:Choice xmlns:p14="http://schemas.microsoft.com/office/powerpoint/2010/main" Requires="p14">
+        <mc:AlternateContent xmlns:mc="http://schemas.openxmlformats.org/markup-compatibility/2006" xmlns:p14="http://schemas.microsoft.com/office/powerpoint/2010/main">
+          <mc:Choice Requires="p14">
             <p:contentPart p14:bwMode="auto" r:id="rId17">
               <p14:nvContentPartPr>
                 <p14:cNvPr id="14" name="Entrada de lápiz 13">
@@ -19758,7 +19175,7 @@
               </p14:xfrm>
             </p:contentPart>
           </mc:Choice>
-          <mc:Fallback>
+          <mc:Fallback xmlns="">
             <p:pic>
               <p:nvPicPr>
                 <p:cNvPr id="14" name="Entrada de lápiz 13">
@@ -19789,8 +19206,8 @@
             </p:pic>
           </mc:Fallback>
         </mc:AlternateContent>
-        <mc:AlternateContent xmlns:mc="http://schemas.openxmlformats.org/markup-compatibility/2006">
-          <mc:Choice xmlns:p14="http://schemas.microsoft.com/office/powerpoint/2010/main" Requires="p14">
+        <mc:AlternateContent xmlns:mc="http://schemas.openxmlformats.org/markup-compatibility/2006" xmlns:p14="http://schemas.microsoft.com/office/powerpoint/2010/main">
+          <mc:Choice Requires="p14">
             <p:contentPart p14:bwMode="auto" r:id="rId18">
               <p14:nvContentPartPr>
                 <p14:cNvPr id="16" name="Entrada de lápiz 15">
@@ -19809,7 +19226,7 @@
               </p14:xfrm>
             </p:contentPart>
           </mc:Choice>
-          <mc:Fallback>
+          <mc:Fallback xmlns="">
             <p:pic>
               <p:nvPicPr>
                 <p:cNvPr id="16" name="Entrada de lápiz 15">
@@ -19840,8 +19257,8 @@
             </p:pic>
           </mc:Fallback>
         </mc:AlternateContent>
-        <mc:AlternateContent xmlns:mc="http://schemas.openxmlformats.org/markup-compatibility/2006">
-          <mc:Choice xmlns:p14="http://schemas.microsoft.com/office/powerpoint/2010/main" Requires="p14">
+        <mc:AlternateContent xmlns:mc="http://schemas.openxmlformats.org/markup-compatibility/2006" xmlns:p14="http://schemas.microsoft.com/office/powerpoint/2010/main">
+          <mc:Choice Requires="p14">
             <p:contentPart p14:bwMode="auto" r:id="rId19">
               <p14:nvContentPartPr>
                 <p14:cNvPr id="18" name="Entrada de lápiz 17">
@@ -19860,7 +19277,7 @@
               </p14:xfrm>
             </p:contentPart>
           </mc:Choice>
-          <mc:Fallback>
+          <mc:Fallback xmlns="">
             <p:pic>
               <p:nvPicPr>
                 <p:cNvPr id="18" name="Entrada de lápiz 17">
@@ -19891,8 +19308,8 @@
             </p:pic>
           </mc:Fallback>
         </mc:AlternateContent>
-        <mc:AlternateContent xmlns:mc="http://schemas.openxmlformats.org/markup-compatibility/2006">
-          <mc:Choice xmlns:p14="http://schemas.microsoft.com/office/powerpoint/2010/main" Requires="p14">
+        <mc:AlternateContent xmlns:mc="http://schemas.openxmlformats.org/markup-compatibility/2006" xmlns:p14="http://schemas.microsoft.com/office/powerpoint/2010/main">
+          <mc:Choice Requires="p14">
             <p:contentPart p14:bwMode="auto" r:id="rId20">
               <p14:nvContentPartPr>
                 <p14:cNvPr id="19" name="Entrada de lápiz 18">
@@ -19911,7 +19328,7 @@
               </p14:xfrm>
             </p:contentPart>
           </mc:Choice>
-          <mc:Fallback>
+          <mc:Fallback xmlns="">
             <p:pic>
               <p:nvPicPr>
                 <p:cNvPr id="19" name="Entrada de lápiz 18">
@@ -19942,8 +19359,8 @@
             </p:pic>
           </mc:Fallback>
         </mc:AlternateContent>
-        <mc:AlternateContent xmlns:mc="http://schemas.openxmlformats.org/markup-compatibility/2006">
-          <mc:Choice xmlns:p14="http://schemas.microsoft.com/office/powerpoint/2010/main" Requires="p14">
+        <mc:AlternateContent xmlns:mc="http://schemas.openxmlformats.org/markup-compatibility/2006" xmlns:p14="http://schemas.microsoft.com/office/powerpoint/2010/main">
+          <mc:Choice Requires="p14">
             <p:contentPart p14:bwMode="auto" r:id="rId21">
               <p14:nvContentPartPr>
                 <p14:cNvPr id="20" name="Entrada de lápiz 19">
@@ -19962,7 +19379,7 @@
               </p14:xfrm>
             </p:contentPart>
           </mc:Choice>
-          <mc:Fallback>
+          <mc:Fallback xmlns="">
             <p:pic>
               <p:nvPicPr>
                 <p:cNvPr id="20" name="Entrada de lápiz 19">
@@ -19993,8 +19410,8 @@
             </p:pic>
           </mc:Fallback>
         </mc:AlternateContent>
-        <mc:AlternateContent xmlns:mc="http://schemas.openxmlformats.org/markup-compatibility/2006">
-          <mc:Choice xmlns:p14="http://schemas.microsoft.com/office/powerpoint/2010/main" Requires="p14">
+        <mc:AlternateContent xmlns:mc="http://schemas.openxmlformats.org/markup-compatibility/2006" xmlns:p14="http://schemas.microsoft.com/office/powerpoint/2010/main">
+          <mc:Choice Requires="p14">
             <p:contentPart p14:bwMode="auto" r:id="rId22">
               <p14:nvContentPartPr>
                 <p14:cNvPr id="21" name="Entrada de lápiz 20">
@@ -20013,7 +19430,7 @@
               </p14:xfrm>
             </p:contentPart>
           </mc:Choice>
-          <mc:Fallback>
+          <mc:Fallback xmlns="">
             <p:pic>
               <p:nvPicPr>
                 <p:cNvPr id="21" name="Entrada de lápiz 20">
@@ -20044,8 +19461,8 @@
             </p:pic>
           </mc:Fallback>
         </mc:AlternateContent>
-        <mc:AlternateContent xmlns:mc="http://schemas.openxmlformats.org/markup-compatibility/2006">
-          <mc:Choice xmlns:p14="http://schemas.microsoft.com/office/powerpoint/2010/main" Requires="p14">
+        <mc:AlternateContent xmlns:mc="http://schemas.openxmlformats.org/markup-compatibility/2006" xmlns:p14="http://schemas.microsoft.com/office/powerpoint/2010/main">
+          <mc:Choice Requires="p14">
             <p:contentPart p14:bwMode="auto" r:id="rId23">
               <p14:nvContentPartPr>
                 <p14:cNvPr id="22" name="Entrada de lápiz 21">
@@ -20064,7 +19481,7 @@
               </p14:xfrm>
             </p:contentPart>
           </mc:Choice>
-          <mc:Fallback>
+          <mc:Fallback xmlns="">
             <p:pic>
               <p:nvPicPr>
                 <p:cNvPr id="22" name="Entrada de lápiz 21">
@@ -20095,8 +19512,8 @@
             </p:pic>
           </mc:Fallback>
         </mc:AlternateContent>
-        <mc:AlternateContent xmlns:mc="http://schemas.openxmlformats.org/markup-compatibility/2006">
-          <mc:Choice xmlns:p14="http://schemas.microsoft.com/office/powerpoint/2010/main" Requires="p14">
+        <mc:AlternateContent xmlns:mc="http://schemas.openxmlformats.org/markup-compatibility/2006" xmlns:p14="http://schemas.microsoft.com/office/powerpoint/2010/main">
+          <mc:Choice Requires="p14">
             <p:contentPart p14:bwMode="auto" r:id="rId24">
               <p14:nvContentPartPr>
                 <p14:cNvPr id="24" name="Entrada de lápiz 23">
@@ -20115,7 +19532,7 @@
               </p14:xfrm>
             </p:contentPart>
           </mc:Choice>
-          <mc:Fallback>
+          <mc:Fallback xmlns="">
             <p:pic>
               <p:nvPicPr>
                 <p:cNvPr id="24" name="Entrada de lápiz 23">
@@ -20146,8 +19563,8 @@
             </p:pic>
           </mc:Fallback>
         </mc:AlternateContent>
-        <mc:AlternateContent xmlns:mc="http://schemas.openxmlformats.org/markup-compatibility/2006">
-          <mc:Choice xmlns:p14="http://schemas.microsoft.com/office/powerpoint/2010/main" Requires="p14">
+        <mc:AlternateContent xmlns:mc="http://schemas.openxmlformats.org/markup-compatibility/2006" xmlns:p14="http://schemas.microsoft.com/office/powerpoint/2010/main">
+          <mc:Choice Requires="p14">
             <p:contentPart p14:bwMode="auto" r:id="rId25">
               <p14:nvContentPartPr>
                 <p14:cNvPr id="25" name="Entrada de lápiz 24">
@@ -20166,7 +19583,7 @@
               </p14:xfrm>
             </p:contentPart>
           </mc:Choice>
-          <mc:Fallback>
+          <mc:Fallback xmlns="">
             <p:pic>
               <p:nvPicPr>
                 <p:cNvPr id="25" name="Entrada de lápiz 24">
@@ -20197,8 +19614,8 @@
             </p:pic>
           </mc:Fallback>
         </mc:AlternateContent>
-        <mc:AlternateContent xmlns:mc="http://schemas.openxmlformats.org/markup-compatibility/2006">
-          <mc:Choice xmlns:p14="http://schemas.microsoft.com/office/powerpoint/2010/main" Requires="p14">
+        <mc:AlternateContent xmlns:mc="http://schemas.openxmlformats.org/markup-compatibility/2006" xmlns:p14="http://schemas.microsoft.com/office/powerpoint/2010/main">
+          <mc:Choice Requires="p14">
             <p:contentPart p14:bwMode="auto" r:id="rId26">
               <p14:nvContentPartPr>
                 <p14:cNvPr id="27" name="Entrada de lápiz 26">
@@ -20217,7 +19634,7 @@
               </p14:xfrm>
             </p:contentPart>
           </mc:Choice>
-          <mc:Fallback>
+          <mc:Fallback xmlns="">
             <p:pic>
               <p:nvPicPr>
                 <p:cNvPr id="27" name="Entrada de lápiz 26">
@@ -20248,8 +19665,8 @@
             </p:pic>
           </mc:Fallback>
         </mc:AlternateContent>
-        <mc:AlternateContent xmlns:mc="http://schemas.openxmlformats.org/markup-compatibility/2006">
-          <mc:Choice xmlns:p14="http://schemas.microsoft.com/office/powerpoint/2010/main" Requires="p14">
+        <mc:AlternateContent xmlns:mc="http://schemas.openxmlformats.org/markup-compatibility/2006" xmlns:p14="http://schemas.microsoft.com/office/powerpoint/2010/main">
+          <mc:Choice Requires="p14">
             <p:contentPart p14:bwMode="auto" r:id="rId27">
               <p14:nvContentPartPr>
                 <p14:cNvPr id="28" name="Entrada de lápiz 27">
@@ -20268,7 +19685,7 @@
               </p14:xfrm>
             </p:contentPart>
           </mc:Choice>
-          <mc:Fallback>
+          <mc:Fallback xmlns="">
             <p:pic>
               <p:nvPicPr>
                 <p:cNvPr id="28" name="Entrada de lápiz 27">
@@ -20299,8 +19716,8 @@
             </p:pic>
           </mc:Fallback>
         </mc:AlternateContent>
-        <mc:AlternateContent xmlns:mc="http://schemas.openxmlformats.org/markup-compatibility/2006">
-          <mc:Choice xmlns:p14="http://schemas.microsoft.com/office/powerpoint/2010/main" Requires="p14">
+        <mc:AlternateContent xmlns:mc="http://schemas.openxmlformats.org/markup-compatibility/2006" xmlns:p14="http://schemas.microsoft.com/office/powerpoint/2010/main">
+          <mc:Choice Requires="p14">
             <p:contentPart p14:bwMode="auto" r:id="rId29">
               <p14:nvContentPartPr>
                 <p14:cNvPr id="30" name="Entrada de lápiz 29">
@@ -20319,7 +19736,7 @@
               </p14:xfrm>
             </p:contentPart>
           </mc:Choice>
-          <mc:Fallback>
+          <mc:Fallback xmlns="">
             <p:pic>
               <p:nvPicPr>
                 <p:cNvPr id="30" name="Entrada de lápiz 29">
@@ -20350,8 +19767,8 @@
             </p:pic>
           </mc:Fallback>
         </mc:AlternateContent>
-        <mc:AlternateContent xmlns:mc="http://schemas.openxmlformats.org/markup-compatibility/2006">
-          <mc:Choice xmlns:p14="http://schemas.microsoft.com/office/powerpoint/2010/main" Requires="p14">
+        <mc:AlternateContent xmlns:mc="http://schemas.openxmlformats.org/markup-compatibility/2006" xmlns:p14="http://schemas.microsoft.com/office/powerpoint/2010/main">
+          <mc:Choice Requires="p14">
             <p:contentPart p14:bwMode="auto" r:id="rId30">
               <p14:nvContentPartPr>
                 <p14:cNvPr id="31" name="Entrada de lápiz 30">
@@ -20370,7 +19787,7 @@
               </p14:xfrm>
             </p:contentPart>
           </mc:Choice>
-          <mc:Fallback>
+          <mc:Fallback xmlns="">
             <p:pic>
               <p:nvPicPr>
                 <p:cNvPr id="31" name="Entrada de lápiz 30">
@@ -20401,8 +19818,8 @@
             </p:pic>
           </mc:Fallback>
         </mc:AlternateContent>
-        <mc:AlternateContent xmlns:mc="http://schemas.openxmlformats.org/markup-compatibility/2006">
-          <mc:Choice xmlns:p14="http://schemas.microsoft.com/office/powerpoint/2010/main" Requires="p14">
+        <mc:AlternateContent xmlns:mc="http://schemas.openxmlformats.org/markup-compatibility/2006" xmlns:p14="http://schemas.microsoft.com/office/powerpoint/2010/main">
+          <mc:Choice Requires="p14">
             <p:contentPart p14:bwMode="auto" r:id="rId31">
               <p14:nvContentPartPr>
                 <p14:cNvPr id="33" name="Entrada de lápiz 32">
@@ -20421,7 +19838,7 @@
               </p14:xfrm>
             </p:contentPart>
           </mc:Choice>
-          <mc:Fallback>
+          <mc:Fallback xmlns="">
             <p:pic>
               <p:nvPicPr>
                 <p:cNvPr id="33" name="Entrada de lápiz 32">
@@ -20452,8 +19869,8 @@
             </p:pic>
           </mc:Fallback>
         </mc:AlternateContent>
-        <mc:AlternateContent xmlns:mc="http://schemas.openxmlformats.org/markup-compatibility/2006">
-          <mc:Choice xmlns:p14="http://schemas.microsoft.com/office/powerpoint/2010/main" Requires="p14">
+        <mc:AlternateContent xmlns:mc="http://schemas.openxmlformats.org/markup-compatibility/2006" xmlns:p14="http://schemas.microsoft.com/office/powerpoint/2010/main">
+          <mc:Choice Requires="p14">
             <p:contentPart p14:bwMode="auto" r:id="rId32">
               <p14:nvContentPartPr>
                 <p14:cNvPr id="35" name="Entrada de lápiz 34">
@@ -20472,7 +19889,7 @@
               </p14:xfrm>
             </p:contentPart>
           </mc:Choice>
-          <mc:Fallback>
+          <mc:Fallback xmlns="">
             <p:pic>
               <p:nvPicPr>
                 <p:cNvPr id="35" name="Entrada de lápiz 34">
@@ -20503,8 +19920,8 @@
             </p:pic>
           </mc:Fallback>
         </mc:AlternateContent>
-        <mc:AlternateContent xmlns:mc="http://schemas.openxmlformats.org/markup-compatibility/2006">
-          <mc:Choice xmlns:p14="http://schemas.microsoft.com/office/powerpoint/2010/main" Requires="p14">
+        <mc:AlternateContent xmlns:mc="http://schemas.openxmlformats.org/markup-compatibility/2006" xmlns:p14="http://schemas.microsoft.com/office/powerpoint/2010/main">
+          <mc:Choice Requires="p14">
             <p:contentPart p14:bwMode="auto" r:id="rId33">
               <p14:nvContentPartPr>
                 <p14:cNvPr id="36" name="Entrada de lápiz 35">
@@ -20523,7 +19940,7 @@
               </p14:xfrm>
             </p:contentPart>
           </mc:Choice>
-          <mc:Fallback>
+          <mc:Fallback xmlns="">
             <p:pic>
               <p:nvPicPr>
                 <p:cNvPr id="36" name="Entrada de lápiz 35">
@@ -20554,8 +19971,8 @@
             </p:pic>
           </mc:Fallback>
         </mc:AlternateContent>
-        <mc:AlternateContent xmlns:mc="http://schemas.openxmlformats.org/markup-compatibility/2006">
-          <mc:Choice xmlns:p14="http://schemas.microsoft.com/office/powerpoint/2010/main" Requires="p14">
+        <mc:AlternateContent xmlns:mc="http://schemas.openxmlformats.org/markup-compatibility/2006" xmlns:p14="http://schemas.microsoft.com/office/powerpoint/2010/main">
+          <mc:Choice Requires="p14">
             <p:contentPart p14:bwMode="auto" r:id="rId34">
               <p14:nvContentPartPr>
                 <p14:cNvPr id="37" name="Entrada de lápiz 36">
@@ -20574,7 +19991,7 @@
               </p14:xfrm>
             </p:contentPart>
           </mc:Choice>
-          <mc:Fallback>
+          <mc:Fallback xmlns="">
             <p:pic>
               <p:nvPicPr>
                 <p:cNvPr id="37" name="Entrada de lápiz 36">
@@ -20605,8 +20022,8 @@
             </p:pic>
           </mc:Fallback>
         </mc:AlternateContent>
-        <mc:AlternateContent xmlns:mc="http://schemas.openxmlformats.org/markup-compatibility/2006">
-          <mc:Choice xmlns:p14="http://schemas.microsoft.com/office/powerpoint/2010/main" Requires="p14">
+        <mc:AlternateContent xmlns:mc="http://schemas.openxmlformats.org/markup-compatibility/2006" xmlns:p14="http://schemas.microsoft.com/office/powerpoint/2010/main">
+          <mc:Choice Requires="p14">
             <p:contentPart p14:bwMode="auto" r:id="rId35">
               <p14:nvContentPartPr>
                 <p14:cNvPr id="38" name="Entrada de lápiz 37">
@@ -20625,7 +20042,7 @@
               </p14:xfrm>
             </p:contentPart>
           </mc:Choice>
-          <mc:Fallback>
+          <mc:Fallback xmlns="">
             <p:pic>
               <p:nvPicPr>
                 <p:cNvPr id="38" name="Entrada de lápiz 37">
@@ -20656,8 +20073,8 @@
             </p:pic>
           </mc:Fallback>
         </mc:AlternateContent>
-        <mc:AlternateContent xmlns:mc="http://schemas.openxmlformats.org/markup-compatibility/2006">
-          <mc:Choice xmlns:p14="http://schemas.microsoft.com/office/powerpoint/2010/main" Requires="p14">
+        <mc:AlternateContent xmlns:mc="http://schemas.openxmlformats.org/markup-compatibility/2006" xmlns:p14="http://schemas.microsoft.com/office/powerpoint/2010/main">
+          <mc:Choice Requires="p14">
             <p:contentPart p14:bwMode="auto" r:id="rId36">
               <p14:nvContentPartPr>
                 <p14:cNvPr id="39" name="Entrada de lápiz 38">
@@ -20676,7 +20093,7 @@
               </p14:xfrm>
             </p:contentPart>
           </mc:Choice>
-          <mc:Fallback>
+          <mc:Fallback xmlns="">
             <p:pic>
               <p:nvPicPr>
                 <p:cNvPr id="39" name="Entrada de lápiz 38">
@@ -20717,401 +20134,6 @@
 </file>
 
 <file path=ppt/slides/slide6.xml><?xml version="1.0" encoding="utf-8"?>
-<p:sld xmlns:a="http://schemas.openxmlformats.org/drawingml/2006/main" xmlns:r="http://schemas.openxmlformats.org/officeDocument/2006/relationships" xmlns:p="http://schemas.openxmlformats.org/presentationml/2006/main">
-  <p:cSld>
-    <p:spTree>
-      <p:nvGrpSpPr>
-        <p:cNvPr id="1" name="Shape 90"/>
-        <p:cNvGrpSpPr/>
-        <p:nvPr/>
-      </p:nvGrpSpPr>
-      <p:grpSpPr>
-        <a:xfrm>
-          <a:off x="0" y="0"/>
-          <a:ext cx="0" cy="0"/>
-          <a:chOff x="0" y="0"/>
-          <a:chExt cx="0" cy="0"/>
-        </a:xfrm>
-      </p:grpSpPr>
-      <p:sp>
-        <p:nvSpPr>
-          <p:cNvPr id="91" name="Google Shape;91;p2"/>
-          <p:cNvSpPr txBox="1">
-            <a:spLocks noGrp="1"/>
-          </p:cNvSpPr>
-          <p:nvPr>
-            <p:ph type="title"/>
-          </p:nvPr>
-        </p:nvSpPr>
-        <p:spPr>
-          <a:xfrm>
-            <a:off x="716902" y="290092"/>
-            <a:ext cx="10515600" cy="1325563"/>
-          </a:xfrm>
-          <a:prstGeom prst="rect">
-            <a:avLst/>
-          </a:prstGeom>
-          <a:noFill/>
-          <a:ln>
-            <a:noFill/>
-          </a:ln>
-        </p:spPr>
-        <p:txBody>
-          <a:bodyPr spcFirstLastPara="1" wrap="square" lIns="91425" tIns="45700" rIns="91425" bIns="45700" anchor="ctr" anchorCtr="0">
-            <a:normAutofit/>
-          </a:bodyPr>
-          <a:lstStyle/>
-          <a:p>
-            <a:pPr marL="0" lvl="0" indent="0" algn="l" rtl="0">
-              <a:lnSpc>
-                <a:spcPct val="90000"/>
-              </a:lnSpc>
-              <a:spcBef>
-                <a:spcPts val="0"/>
-              </a:spcBef>
-              <a:spcAft>
-                <a:spcPts val="0"/>
-              </a:spcAft>
-              <a:buClr>
-                <a:schemeClr val="lt1"/>
-              </a:buClr>
-              <a:buSzPts val="4400"/>
-              <a:buFont typeface="Calibri"/>
-              <a:buNone/>
-            </a:pPr>
-            <a:r>
-              <a:rPr lang="es-ES" dirty="0" err="1"/>
-              <a:t>OpenCV</a:t>
-            </a:r>
-            <a:endParaRPr dirty="0"/>
-          </a:p>
-        </p:txBody>
-      </p:sp>
-      <p:sp>
-        <p:nvSpPr>
-          <p:cNvPr id="93" name="Google Shape;93;p2"/>
-          <p:cNvSpPr/>
-          <p:nvPr/>
-        </p:nvSpPr>
-        <p:spPr>
-          <a:xfrm>
-            <a:off x="497691" y="763312"/>
-            <a:ext cx="90138" cy="654341"/>
-          </a:xfrm>
-          <a:prstGeom prst="rect">
-            <a:avLst/>
-          </a:prstGeom>
-          <a:solidFill>
-            <a:srgbClr val="C00000"/>
-          </a:solidFill>
-          <a:ln>
-            <a:noFill/>
-          </a:ln>
-        </p:spPr>
-        <p:txBody>
-          <a:bodyPr spcFirstLastPara="1" wrap="square" lIns="91425" tIns="45700" rIns="91425" bIns="45700" anchor="ctr" anchorCtr="0">
-            <a:noAutofit/>
-          </a:bodyPr>
-          <a:lstStyle/>
-          <a:p>
-            <a:pPr marL="0" marR="0" lvl="0" indent="0" algn="ctr" rtl="0">
-              <a:lnSpc>
-                <a:spcPct val="100000"/>
-              </a:lnSpc>
-              <a:spcBef>
-                <a:spcPts val="0"/>
-              </a:spcBef>
-              <a:spcAft>
-                <a:spcPts val="0"/>
-              </a:spcAft>
-              <a:buClr>
-                <a:srgbClr val="000000"/>
-              </a:buClr>
-              <a:buSzPts val="1800"/>
-              <a:buFont typeface="Arial"/>
-              <a:buNone/>
-            </a:pPr>
-            <a:endParaRPr sz="1800" b="0" i="0" u="none" strike="noStrike" cap="none">
-              <a:solidFill>
-                <a:schemeClr val="lt1"/>
-              </a:solidFill>
-              <a:latin typeface="Calibri"/>
-              <a:ea typeface="Calibri"/>
-              <a:cs typeface="Calibri"/>
-              <a:sym typeface="Calibri"/>
-            </a:endParaRPr>
-          </a:p>
-        </p:txBody>
-      </p:sp>
-      <p:pic>
-        <p:nvPicPr>
-          <p:cNvPr id="6" name="Picture 4" descr="Adding OpenCV 4.1.2 to Visual Studio 2019 Project in Windows using  Pre-built binaries | by Ye Joo Park | Medium">
-            <a:extLst>
-              <a:ext uri="{FF2B5EF4-FFF2-40B4-BE49-F238E27FC236}">
-                <a16:creationId xmlns:a16="http://schemas.microsoft.com/office/drawing/2014/main" id="{21C87F93-37F3-4740-B471-E34D243F6EAB}"/>
-              </a:ext>
-            </a:extLst>
-          </p:cNvPr>
-          <p:cNvPicPr>
-            <a:picLocks noChangeAspect="1" noChangeArrowheads="1"/>
-          </p:cNvPicPr>
-          <p:nvPr/>
-        </p:nvPicPr>
-        <p:blipFill rotWithShape="1">
-          <a:blip r:embed="rId3">
-            <a:clrChange>
-              <a:clrFrom>
-                <a:srgbClr val="000000"/>
-              </a:clrFrom>
-              <a:clrTo>
-                <a:srgbClr val="000000">
-                  <a:alpha val="0"/>
-                </a:srgbClr>
-              </a:clrTo>
-            </a:clrChange>
-            <a:extLst>
-              <a:ext uri="{28A0092B-C50C-407E-A947-70E740481C1C}">
-                <a14:useLocalDpi xmlns:a14="http://schemas.microsoft.com/office/drawing/2010/main" val="0"/>
-              </a:ext>
-            </a:extLst>
-          </a:blip>
-          <a:srcRect l="70200" t="25715" r="12100" b="22143"/>
-          <a:stretch/>
-        </p:blipFill>
-        <p:spPr bwMode="auto">
-          <a:xfrm>
-            <a:off x="10680456" y="309142"/>
-            <a:ext cx="1104091" cy="1366079"/>
-          </a:xfrm>
-          <a:prstGeom prst="rect">
-            <a:avLst/>
-          </a:prstGeom>
-          <a:noFill/>
-          <a:extLst>
-            <a:ext uri="{909E8E84-426E-40DD-AFC4-6F175D3DCCD1}">
-              <a14:hiddenFill xmlns:a14="http://schemas.microsoft.com/office/drawing/2010/main">
-                <a:solidFill>
-                  <a:srgbClr val="FFFFFF"/>
-                </a:solidFill>
-              </a14:hiddenFill>
-            </a:ext>
-          </a:extLst>
-        </p:spPr>
-      </p:pic>
-      <p:sp>
-        <p:nvSpPr>
-          <p:cNvPr id="63" name="Google Shape;128;p34">
-            <a:extLst>
-              <a:ext uri="{FF2B5EF4-FFF2-40B4-BE49-F238E27FC236}">
-                <a16:creationId xmlns:a16="http://schemas.microsoft.com/office/drawing/2014/main" id="{5609CFF8-8B58-4AEB-AF04-D3EB36FC139C}"/>
-              </a:ext>
-            </a:extLst>
-          </p:cNvPr>
-          <p:cNvSpPr/>
-          <p:nvPr/>
-        </p:nvSpPr>
-        <p:spPr>
-          <a:xfrm>
-            <a:off x="659752" y="1954368"/>
-            <a:ext cx="10743578" cy="2554505"/>
-          </a:xfrm>
-          <a:prstGeom prst="rect">
-            <a:avLst/>
-          </a:prstGeom>
-          <a:noFill/>
-          <a:ln>
-            <a:noFill/>
-          </a:ln>
-        </p:spPr>
-        <p:txBody>
-          <a:bodyPr spcFirstLastPara="1" wrap="square" lIns="91425" tIns="45700" rIns="91425" bIns="45700" anchor="t" anchorCtr="0">
-            <a:spAutoFit/>
-          </a:bodyPr>
-          <a:lstStyle/>
-          <a:p>
-            <a:pPr marR="0" lvl="0" algn="ctr" rtl="0">
-              <a:lnSpc>
-                <a:spcPct val="100000"/>
-              </a:lnSpc>
-              <a:spcBef>
-                <a:spcPts val="0"/>
-              </a:spcBef>
-              <a:spcAft>
-                <a:spcPts val="0"/>
-              </a:spcAft>
-              <a:buClr>
-                <a:schemeClr val="bg1"/>
-              </a:buClr>
-              <a:buSzPts val="2400"/>
-            </a:pPr>
-            <a:r>
-              <a:rPr lang="es-ES" sz="3200" b="1" i="1" dirty="0">
-                <a:solidFill>
-                  <a:schemeClr val="bg1">
-                    <a:lumMod val="95000"/>
-                  </a:schemeClr>
-                </a:solidFill>
-                <a:latin typeface="Calibri"/>
-                <a:cs typeface="Calibri"/>
-                <a:sym typeface="Calibri"/>
-              </a:rPr>
-              <a:t>Posibilidades</a:t>
-            </a:r>
-            <a:r>
-              <a:rPr lang="es-ES" sz="3200" i="1" dirty="0">
-                <a:solidFill>
-                  <a:schemeClr val="bg1">
-                    <a:lumMod val="95000"/>
-                  </a:schemeClr>
-                </a:solidFill>
-                <a:latin typeface="Calibri"/>
-                <a:cs typeface="Calibri"/>
-                <a:sym typeface="Calibri"/>
-              </a:rPr>
-              <a:t>:</a:t>
-            </a:r>
-          </a:p>
-          <a:p>
-            <a:pPr marL="457200" marR="0" lvl="0" indent="-457200" algn="ctr" rtl="0">
-              <a:lnSpc>
-                <a:spcPct val="100000"/>
-              </a:lnSpc>
-              <a:spcBef>
-                <a:spcPts val="0"/>
-              </a:spcBef>
-              <a:spcAft>
-                <a:spcPts val="0"/>
-              </a:spcAft>
-              <a:buClr>
-                <a:schemeClr val="bg1"/>
-              </a:buClr>
-              <a:buSzPts val="2400"/>
-              <a:buFont typeface="Arial" panose="020B0604020202020204" pitchFamily="34" charset="0"/>
-              <a:buChar char="•"/>
-            </a:pPr>
-            <a:r>
-              <a:rPr lang="es-ES" sz="3200" i="1" dirty="0">
-                <a:solidFill>
-                  <a:schemeClr val="bg1">
-                    <a:lumMod val="95000"/>
-                  </a:schemeClr>
-                </a:solidFill>
-                <a:latin typeface="Calibri"/>
-                <a:cs typeface="Calibri"/>
-                <a:sym typeface="Calibri"/>
-              </a:rPr>
-              <a:t>Mejorar la muestra</a:t>
-            </a:r>
-          </a:p>
-          <a:p>
-            <a:pPr marL="457200" marR="0" lvl="0" indent="-457200" algn="ctr" rtl="0">
-              <a:lnSpc>
-                <a:spcPct val="100000"/>
-              </a:lnSpc>
-              <a:spcBef>
-                <a:spcPts val="0"/>
-              </a:spcBef>
-              <a:spcAft>
-                <a:spcPts val="0"/>
-              </a:spcAft>
-              <a:buClr>
-                <a:schemeClr val="bg1"/>
-              </a:buClr>
-              <a:buSzPts val="2400"/>
-              <a:buFont typeface="Arial" panose="020B0604020202020204" pitchFamily="34" charset="0"/>
-              <a:buChar char="•"/>
-            </a:pPr>
-            <a:r>
-              <a:rPr lang="es-ES" sz="3200" i="1" dirty="0">
-                <a:solidFill>
-                  <a:schemeClr val="bg1">
-                    <a:lumMod val="95000"/>
-                  </a:schemeClr>
-                </a:solidFill>
-                <a:latin typeface="Calibri"/>
-                <a:cs typeface="Calibri"/>
-                <a:sym typeface="Calibri"/>
-              </a:rPr>
-              <a:t>Ampliar la muestra</a:t>
-            </a:r>
-          </a:p>
-          <a:p>
-            <a:pPr marL="457200" marR="0" lvl="0" indent="-457200" algn="ctr" rtl="0">
-              <a:lnSpc>
-                <a:spcPct val="100000"/>
-              </a:lnSpc>
-              <a:spcBef>
-                <a:spcPts val="0"/>
-              </a:spcBef>
-              <a:spcAft>
-                <a:spcPts val="0"/>
-              </a:spcAft>
-              <a:buClr>
-                <a:schemeClr val="bg1"/>
-              </a:buClr>
-              <a:buSzPts val="2400"/>
-              <a:buFont typeface="Arial" panose="020B0604020202020204" pitchFamily="34" charset="0"/>
-              <a:buChar char="•"/>
-            </a:pPr>
-            <a:r>
-              <a:rPr lang="es-ES" sz="3200" i="1" dirty="0">
-                <a:solidFill>
-                  <a:schemeClr val="bg1">
-                    <a:lumMod val="95000"/>
-                  </a:schemeClr>
-                </a:solidFill>
-                <a:latin typeface="Calibri"/>
-                <a:cs typeface="Calibri"/>
-                <a:sym typeface="Calibri"/>
-              </a:rPr>
-              <a:t>Optimizar la muestra</a:t>
-            </a:r>
-          </a:p>
-          <a:p>
-            <a:pPr marL="457200" marR="0" lvl="0" indent="-457200" algn="ctr" rtl="0">
-              <a:lnSpc>
-                <a:spcPct val="100000"/>
-              </a:lnSpc>
-              <a:spcBef>
-                <a:spcPts val="0"/>
-              </a:spcBef>
-              <a:spcAft>
-                <a:spcPts val="0"/>
-              </a:spcAft>
-              <a:buClr>
-                <a:schemeClr val="bg1"/>
-              </a:buClr>
-              <a:buSzPts val="2400"/>
-              <a:buFont typeface="Arial" panose="020B0604020202020204" pitchFamily="34" charset="0"/>
-              <a:buChar char="•"/>
-            </a:pPr>
-            <a:endParaRPr lang="es-ES" sz="3200" i="1" dirty="0">
-              <a:solidFill>
-                <a:schemeClr val="bg1">
-                  <a:lumMod val="95000"/>
-                </a:schemeClr>
-              </a:solidFill>
-              <a:latin typeface="Calibri"/>
-              <a:cs typeface="Calibri"/>
-              <a:sym typeface="Calibri"/>
-            </a:endParaRPr>
-          </a:p>
-        </p:txBody>
-      </p:sp>
-    </p:spTree>
-    <p:extLst>
-      <p:ext uri="{BB962C8B-B14F-4D97-AF65-F5344CB8AC3E}">
-        <p14:creationId xmlns:p14="http://schemas.microsoft.com/office/powerpoint/2010/main" val="2317440212"/>
-      </p:ext>
-    </p:extLst>
-  </p:cSld>
-  <p:clrMapOvr>
-    <a:masterClrMapping/>
-  </p:clrMapOvr>
-</p:sld>
-</file>
-
-<file path=ppt/slides/slide7.xml><?xml version="1.0" encoding="utf-8"?>
 <p:sld xmlns:a="http://schemas.openxmlformats.org/drawingml/2006/main" xmlns:r="http://schemas.openxmlformats.org/officeDocument/2006/relationships" xmlns:p="http://schemas.openxmlformats.org/presentationml/2006/main">
   <p:cSld>
     <p:spTree>
@@ -22132,7 +21154,7 @@
 </p:sld>
 </file>
 
-<file path=ppt/slides/slide8.xml><?xml version="1.0" encoding="utf-8"?>
+<file path=ppt/slides/slide7.xml><?xml version="1.0" encoding="utf-8"?>
 <p:sld xmlns:a="http://schemas.openxmlformats.org/drawingml/2006/main" xmlns:r="http://schemas.openxmlformats.org/officeDocument/2006/relationships" xmlns:p="http://schemas.openxmlformats.org/presentationml/2006/main">
   <p:cSld>
     <p:spTree>
@@ -22576,7 +21598,7 @@
 </p:sld>
 </file>
 
-<file path=ppt/slides/slide9.xml><?xml version="1.0" encoding="utf-8"?>
+<file path=ppt/slides/slide8.xml><?xml version="1.0" encoding="utf-8"?>
 <p:sld xmlns:a="http://schemas.openxmlformats.org/drawingml/2006/main" xmlns:r="http://schemas.openxmlformats.org/officeDocument/2006/relationships" xmlns:p="http://schemas.openxmlformats.org/presentationml/2006/main">
   <p:cSld>
     <p:spTree>
@@ -22807,6 +21829,461 @@
     <p:extLst>
       <p:ext uri="{BB962C8B-B14F-4D97-AF65-F5344CB8AC3E}">
         <p14:creationId xmlns:p14="http://schemas.microsoft.com/office/powerpoint/2010/main" val="1920300517"/>
+      </p:ext>
+    </p:extLst>
+  </p:cSld>
+  <p:clrMapOvr>
+    <a:masterClrMapping/>
+  </p:clrMapOvr>
+</p:sld>
+</file>
+
+<file path=ppt/slides/slide9.xml><?xml version="1.0" encoding="utf-8"?>
+<p:sld xmlns:a="http://schemas.openxmlformats.org/drawingml/2006/main" xmlns:r="http://schemas.openxmlformats.org/officeDocument/2006/relationships" xmlns:p="http://schemas.openxmlformats.org/presentationml/2006/main">
+  <p:cSld>
+    <p:spTree>
+      <p:nvGrpSpPr>
+        <p:cNvPr id="1" name="Shape 90"/>
+        <p:cNvGrpSpPr/>
+        <p:nvPr/>
+      </p:nvGrpSpPr>
+      <p:grpSpPr>
+        <a:xfrm>
+          <a:off x="0" y="0"/>
+          <a:ext cx="0" cy="0"/>
+          <a:chOff x="0" y="0"/>
+          <a:chExt cx="0" cy="0"/>
+        </a:xfrm>
+      </p:grpSpPr>
+      <p:sp>
+        <p:nvSpPr>
+          <p:cNvPr id="91" name="Google Shape;91;p2"/>
+          <p:cNvSpPr txBox="1">
+            <a:spLocks noGrp="1"/>
+          </p:cNvSpPr>
+          <p:nvPr>
+            <p:ph type="title"/>
+          </p:nvPr>
+        </p:nvSpPr>
+        <p:spPr>
+          <a:xfrm>
+            <a:off x="716902" y="290092"/>
+            <a:ext cx="10515600" cy="1325563"/>
+          </a:xfrm>
+          <a:prstGeom prst="rect">
+            <a:avLst/>
+          </a:prstGeom>
+          <a:noFill/>
+          <a:ln>
+            <a:noFill/>
+          </a:ln>
+        </p:spPr>
+        <p:txBody>
+          <a:bodyPr spcFirstLastPara="1" wrap="square" lIns="91425" tIns="45700" rIns="91425" bIns="45700" anchor="ctr" anchorCtr="0">
+            <a:normAutofit/>
+          </a:bodyPr>
+          <a:lstStyle/>
+          <a:p>
+            <a:pPr marL="0" lvl="0" indent="0" algn="l" rtl="0">
+              <a:lnSpc>
+                <a:spcPct val="90000"/>
+              </a:lnSpc>
+              <a:spcBef>
+                <a:spcPts val="0"/>
+              </a:spcBef>
+              <a:spcAft>
+                <a:spcPts val="0"/>
+              </a:spcAft>
+              <a:buClr>
+                <a:schemeClr val="lt1"/>
+              </a:buClr>
+              <a:buSzPts val="4400"/>
+              <a:buFont typeface="Calibri"/>
+              <a:buNone/>
+            </a:pPr>
+            <a:r>
+              <a:rPr lang="es-ES" dirty="0" err="1"/>
+              <a:t>OpenCV</a:t>
+            </a:r>
+            <a:endParaRPr dirty="0"/>
+          </a:p>
+        </p:txBody>
+      </p:sp>
+      <p:sp>
+        <p:nvSpPr>
+          <p:cNvPr id="93" name="Google Shape;93;p2"/>
+          <p:cNvSpPr/>
+          <p:nvPr/>
+        </p:nvSpPr>
+        <p:spPr>
+          <a:xfrm>
+            <a:off x="497691" y="763312"/>
+            <a:ext cx="90138" cy="654341"/>
+          </a:xfrm>
+          <a:prstGeom prst="rect">
+            <a:avLst/>
+          </a:prstGeom>
+          <a:solidFill>
+            <a:srgbClr val="C00000"/>
+          </a:solidFill>
+          <a:ln>
+            <a:noFill/>
+          </a:ln>
+        </p:spPr>
+        <p:txBody>
+          <a:bodyPr spcFirstLastPara="1" wrap="square" lIns="91425" tIns="45700" rIns="91425" bIns="45700" anchor="ctr" anchorCtr="0">
+            <a:noAutofit/>
+          </a:bodyPr>
+          <a:lstStyle/>
+          <a:p>
+            <a:pPr marL="0" marR="0" lvl="0" indent="0" algn="ctr" rtl="0">
+              <a:lnSpc>
+                <a:spcPct val="100000"/>
+              </a:lnSpc>
+              <a:spcBef>
+                <a:spcPts val="0"/>
+              </a:spcBef>
+              <a:spcAft>
+                <a:spcPts val="0"/>
+              </a:spcAft>
+              <a:buClr>
+                <a:srgbClr val="000000"/>
+              </a:buClr>
+              <a:buSzPts val="1800"/>
+              <a:buFont typeface="Arial"/>
+              <a:buNone/>
+            </a:pPr>
+            <a:endParaRPr sz="1800" b="0" i="0" u="none" strike="noStrike" cap="none">
+              <a:solidFill>
+                <a:schemeClr val="lt1"/>
+              </a:solidFill>
+              <a:latin typeface="Calibri"/>
+              <a:ea typeface="Calibri"/>
+              <a:cs typeface="Calibri"/>
+              <a:sym typeface="Calibri"/>
+            </a:endParaRPr>
+          </a:p>
+        </p:txBody>
+      </p:sp>
+      <p:pic>
+        <p:nvPicPr>
+          <p:cNvPr id="6" name="Picture 4" descr="Adding OpenCV 4.1.2 to Visual Studio 2019 Project in Windows using  Pre-built binaries | by Ye Joo Park | Medium">
+            <a:extLst>
+              <a:ext uri="{FF2B5EF4-FFF2-40B4-BE49-F238E27FC236}">
+                <a16:creationId xmlns:a16="http://schemas.microsoft.com/office/drawing/2014/main" id="{21C87F93-37F3-4740-B471-E34D243F6EAB}"/>
+              </a:ext>
+            </a:extLst>
+          </p:cNvPr>
+          <p:cNvPicPr>
+            <a:picLocks noChangeAspect="1" noChangeArrowheads="1"/>
+          </p:cNvPicPr>
+          <p:nvPr/>
+        </p:nvPicPr>
+        <p:blipFill rotWithShape="1">
+          <a:blip r:embed="rId3">
+            <a:clrChange>
+              <a:clrFrom>
+                <a:srgbClr val="000000"/>
+              </a:clrFrom>
+              <a:clrTo>
+                <a:srgbClr val="000000">
+                  <a:alpha val="0"/>
+                </a:srgbClr>
+              </a:clrTo>
+            </a:clrChange>
+            <a:extLst>
+              <a:ext uri="{28A0092B-C50C-407E-A947-70E740481C1C}">
+                <a14:useLocalDpi xmlns:a14="http://schemas.microsoft.com/office/drawing/2010/main" val="0"/>
+              </a:ext>
+            </a:extLst>
+          </a:blip>
+          <a:srcRect l="70200" t="25715" r="12100" b="22143"/>
+          <a:stretch/>
+        </p:blipFill>
+        <p:spPr bwMode="auto">
+          <a:xfrm>
+            <a:off x="10680456" y="309142"/>
+            <a:ext cx="1104091" cy="1366079"/>
+          </a:xfrm>
+          <a:prstGeom prst="rect">
+            <a:avLst/>
+          </a:prstGeom>
+          <a:noFill/>
+          <a:extLst>
+            <a:ext uri="{909E8E84-426E-40DD-AFC4-6F175D3DCCD1}">
+              <a14:hiddenFill xmlns:a14="http://schemas.microsoft.com/office/drawing/2010/main">
+                <a:solidFill>
+                  <a:srgbClr val="FFFFFF"/>
+                </a:solidFill>
+              </a14:hiddenFill>
+            </a:ext>
+          </a:extLst>
+        </p:spPr>
+      </p:pic>
+      <p:sp>
+        <p:nvSpPr>
+          <p:cNvPr id="63" name="Google Shape;128;p34">
+            <a:extLst>
+              <a:ext uri="{FF2B5EF4-FFF2-40B4-BE49-F238E27FC236}">
+                <a16:creationId xmlns:a16="http://schemas.microsoft.com/office/drawing/2014/main" id="{5609CFF8-8B58-4AEB-AF04-D3EB36FC139C}"/>
+              </a:ext>
+            </a:extLst>
+          </p:cNvPr>
+          <p:cNvSpPr/>
+          <p:nvPr/>
+        </p:nvSpPr>
+        <p:spPr>
+          <a:xfrm>
+            <a:off x="1895475" y="1922210"/>
+            <a:ext cx="8401049" cy="3539390"/>
+          </a:xfrm>
+          <a:prstGeom prst="rect">
+            <a:avLst/>
+          </a:prstGeom>
+          <a:noFill/>
+          <a:ln>
+            <a:noFill/>
+          </a:ln>
+        </p:spPr>
+        <p:txBody>
+          <a:bodyPr spcFirstLastPara="1" wrap="square" lIns="91425" tIns="45700" rIns="91425" bIns="45700" anchor="t" anchorCtr="0">
+            <a:spAutoFit/>
+          </a:bodyPr>
+          <a:lstStyle/>
+          <a:p>
+            <a:pPr marR="0" lvl="0" algn="ctr" rtl="0">
+              <a:lnSpc>
+                <a:spcPct val="100000"/>
+              </a:lnSpc>
+              <a:spcBef>
+                <a:spcPts val="0"/>
+              </a:spcBef>
+              <a:spcAft>
+                <a:spcPts val="0"/>
+              </a:spcAft>
+              <a:buClr>
+                <a:schemeClr val="bg1"/>
+              </a:buClr>
+              <a:buSzPts val="2400"/>
+            </a:pPr>
+            <a:r>
+              <a:rPr lang="es-ES" sz="3200" b="1" i="1" dirty="0">
+                <a:solidFill>
+                  <a:schemeClr val="bg1">
+                    <a:lumMod val="95000"/>
+                  </a:schemeClr>
+                </a:solidFill>
+                <a:latin typeface="Calibri"/>
+                <a:cs typeface="Calibri"/>
+                <a:sym typeface="Calibri"/>
+              </a:rPr>
+              <a:t>Limitaciones</a:t>
+            </a:r>
+            <a:r>
+              <a:rPr lang="es-ES" sz="3200" i="1" dirty="0">
+                <a:solidFill>
+                  <a:schemeClr val="bg1">
+                    <a:lumMod val="95000"/>
+                  </a:schemeClr>
+                </a:solidFill>
+                <a:latin typeface="Calibri"/>
+                <a:cs typeface="Calibri"/>
+                <a:sym typeface="Calibri"/>
+              </a:rPr>
+              <a:t>:</a:t>
+            </a:r>
+          </a:p>
+          <a:p>
+            <a:pPr marL="342900" marR="0" lvl="0" indent="-342900" algn="ctr" rtl="0">
+              <a:lnSpc>
+                <a:spcPct val="100000"/>
+              </a:lnSpc>
+              <a:spcBef>
+                <a:spcPts val="0"/>
+              </a:spcBef>
+              <a:spcAft>
+                <a:spcPts val="0"/>
+              </a:spcAft>
+              <a:buClr>
+                <a:schemeClr val="bg1"/>
+              </a:buClr>
+              <a:buSzPts val="2400"/>
+              <a:buFont typeface="Arial" panose="020B0604020202020204" pitchFamily="34" charset="0"/>
+              <a:buChar char="•"/>
+            </a:pPr>
+            <a:r>
+              <a:rPr lang="es-ES" sz="3200" i="1" dirty="0">
+                <a:solidFill>
+                  <a:schemeClr val="bg1">
+                    <a:lumMod val="95000"/>
+                  </a:schemeClr>
+                </a:solidFill>
+                <a:latin typeface="Calibri"/>
+                <a:cs typeface="Calibri"/>
+                <a:sym typeface="Calibri"/>
+              </a:rPr>
+              <a:t>Dependencia de la calidad de la muestra</a:t>
+            </a:r>
+          </a:p>
+          <a:p>
+            <a:pPr marL="342900" marR="0" lvl="0" indent="-342900" algn="ctr" rtl="0">
+              <a:lnSpc>
+                <a:spcPct val="100000"/>
+              </a:lnSpc>
+              <a:spcBef>
+                <a:spcPts val="0"/>
+              </a:spcBef>
+              <a:spcAft>
+                <a:spcPts val="0"/>
+              </a:spcAft>
+              <a:buClr>
+                <a:schemeClr val="bg1"/>
+              </a:buClr>
+              <a:buSzPts val="2400"/>
+              <a:buFont typeface="Arial" panose="020B0604020202020204" pitchFamily="34" charset="0"/>
+              <a:buChar char="•"/>
+            </a:pPr>
+            <a:r>
+              <a:rPr lang="es-ES" sz="3200" i="1" dirty="0">
+                <a:solidFill>
+                  <a:schemeClr val="bg1">
+                    <a:lumMod val="95000"/>
+                  </a:schemeClr>
+                </a:solidFill>
+                <a:latin typeface="Calibri"/>
+                <a:cs typeface="Calibri"/>
+                <a:sym typeface="Calibri"/>
+              </a:rPr>
+              <a:t>Sensible a condiciones de iluminación</a:t>
+            </a:r>
+          </a:p>
+          <a:p>
+            <a:pPr marL="342900" marR="0" lvl="0" indent="-342900" algn="ctr" rtl="0">
+              <a:lnSpc>
+                <a:spcPct val="100000"/>
+              </a:lnSpc>
+              <a:spcBef>
+                <a:spcPts val="0"/>
+              </a:spcBef>
+              <a:spcAft>
+                <a:spcPts val="0"/>
+              </a:spcAft>
+              <a:buClr>
+                <a:schemeClr val="bg1"/>
+              </a:buClr>
+              <a:buSzPts val="2400"/>
+              <a:buFont typeface="Arial" panose="020B0604020202020204" pitchFamily="34" charset="0"/>
+              <a:buChar char="•"/>
+            </a:pPr>
+            <a:r>
+              <a:rPr lang="es-ES" sz="3200" i="1" dirty="0">
+                <a:solidFill>
+                  <a:schemeClr val="bg1">
+                    <a:lumMod val="95000"/>
+                  </a:schemeClr>
+                </a:solidFill>
+                <a:latin typeface="Calibri"/>
+                <a:cs typeface="Calibri"/>
+                <a:sym typeface="Calibri"/>
+              </a:rPr>
+              <a:t>Recursos de computación</a:t>
+            </a:r>
+          </a:p>
+          <a:p>
+            <a:pPr marL="342900" marR="0" lvl="0" indent="-342900" algn="ctr" rtl="0">
+              <a:lnSpc>
+                <a:spcPct val="100000"/>
+              </a:lnSpc>
+              <a:spcBef>
+                <a:spcPts val="0"/>
+              </a:spcBef>
+              <a:spcAft>
+                <a:spcPts val="0"/>
+              </a:spcAft>
+              <a:buClr>
+                <a:schemeClr val="bg1"/>
+              </a:buClr>
+              <a:buSzPts val="2400"/>
+              <a:buFont typeface="Arial" panose="020B0604020202020204" pitchFamily="34" charset="0"/>
+              <a:buChar char="•"/>
+            </a:pPr>
+            <a:r>
+              <a:rPr lang="es-ES" sz="3200" i="1" dirty="0">
+                <a:solidFill>
+                  <a:schemeClr val="bg1">
+                    <a:lumMod val="95000"/>
+                  </a:schemeClr>
+                </a:solidFill>
+                <a:latin typeface="Calibri"/>
+                <a:cs typeface="Calibri"/>
+                <a:sym typeface="Calibri"/>
+              </a:rPr>
+              <a:t>Reconocimiento facial limitado</a:t>
+            </a:r>
+          </a:p>
+          <a:p>
+            <a:pPr marR="0" lvl="0" algn="ctr" rtl="0">
+              <a:lnSpc>
+                <a:spcPct val="100000"/>
+              </a:lnSpc>
+              <a:spcBef>
+                <a:spcPts val="0"/>
+              </a:spcBef>
+              <a:spcAft>
+                <a:spcPts val="0"/>
+              </a:spcAft>
+              <a:buClr>
+                <a:schemeClr val="bg1"/>
+              </a:buClr>
+              <a:buSzPts val="2400"/>
+            </a:pPr>
+            <a:r>
+              <a:rPr lang="es-ES" sz="3200" i="1" dirty="0">
+                <a:solidFill>
+                  <a:schemeClr val="bg1">
+                    <a:lumMod val="95000"/>
+                  </a:schemeClr>
+                </a:solidFill>
+                <a:latin typeface="Calibri"/>
+                <a:cs typeface="Calibri"/>
+                <a:sym typeface="Calibri"/>
+              </a:rPr>
+              <a:t>…</a:t>
+            </a:r>
+          </a:p>
+          <a:p>
+            <a:pPr marR="0" lvl="0" algn="ctr" rtl="0">
+              <a:lnSpc>
+                <a:spcPct val="100000"/>
+              </a:lnSpc>
+              <a:spcBef>
+                <a:spcPts val="0"/>
+              </a:spcBef>
+              <a:spcAft>
+                <a:spcPts val="0"/>
+              </a:spcAft>
+              <a:buClr>
+                <a:schemeClr val="bg1"/>
+              </a:buClr>
+              <a:buSzPts val="2400"/>
+            </a:pPr>
+            <a:endParaRPr lang="es-ES" sz="3200" i="1" dirty="0">
+              <a:solidFill>
+                <a:schemeClr val="bg1">
+                  <a:lumMod val="95000"/>
+                </a:schemeClr>
+              </a:solidFill>
+              <a:latin typeface="Calibri"/>
+              <a:cs typeface="Calibri"/>
+              <a:sym typeface="Calibri"/>
+            </a:endParaRPr>
+          </a:p>
+        </p:txBody>
+      </p:sp>
+    </p:spTree>
+    <p:extLst>
+      <p:ext uri="{BB962C8B-B14F-4D97-AF65-F5344CB8AC3E}">
+        <p14:creationId xmlns:p14="http://schemas.microsoft.com/office/powerpoint/2010/main" val="731692765"/>
       </p:ext>
     </p:extLst>
   </p:cSld>
